--- a/Village Bank.pptx
+++ b/Village Bank.pptx
@@ -4459,7 +4459,7 @@
         <p:spPr/>
         <p:txBody>
           <a:bodyPr>
-            <a:normAutofit fontScale="92500" lnSpcReduction="10000"/>
+            <a:normAutofit fontScale="92500" lnSpcReduction="20000"/>
           </a:bodyPr>
           <a:lstStyle/>
           <a:p>
@@ -4563,7 +4563,19 @@
             </a:r>
             <a:r>
               <a:rPr lang="en-US" dirty="0"/>
-              <a:t> rules </a:t>
+              <a:t> </a:t>
+            </a:r>
+            <a:r>
+              <a:rPr lang="en-US" dirty="0" smtClean="0"/>
+              <a:t>rules; secured, </a:t>
+            </a:r>
+            <a:r>
+              <a:rPr lang="en-US" smtClean="0"/>
+              <a:t>shared wallets (copay?); </a:t>
+            </a:r>
+            <a:r>
+              <a:rPr lang="en-US" dirty="0" smtClean="0"/>
+              <a:t>individual wallets </a:t>
             </a:r>
             <a:endParaRPr lang="en-US" sz="2400" dirty="0"/>
           </a:p>
@@ -4966,7 +4978,7 @@
         <p:spPr/>
         <p:txBody>
           <a:bodyPr>
-            <a:normAutofit fontScale="85000" lnSpcReduction="10000"/>
+            <a:normAutofit fontScale="85000" lnSpcReduction="20000"/>
           </a:bodyPr>
           <a:lstStyle/>
           <a:p>
@@ -5027,7 +5039,26 @@
             <a:pPr lvl="2"/>
             <a:r>
               <a:rPr lang="en-US" dirty="0"/>
-              <a:t>People can possibly create multiple small pools to avoid fees</a:t>
+              <a:t>People can possibly create multiple small pools to avoid </a:t>
+            </a:r>
+            <a:r>
+              <a:rPr lang="en-US" dirty="0" smtClean="0"/>
+              <a:t>fees</a:t>
+            </a:r>
+          </a:p>
+          <a:p>
+            <a:pPr lvl="2"/>
+            <a:r>
+              <a:rPr lang="en-US" sz="2000" dirty="0" smtClean="0"/>
+              <a:t>Keep pool size fees low, fixed. </a:t>
+            </a:r>
+            <a:r>
+              <a:rPr lang="en-US" sz="2000" dirty="0"/>
+              <a:t>M</a:t>
+            </a:r>
+            <a:r>
+              <a:rPr lang="en-US" sz="2000" dirty="0" smtClean="0"/>
+              <a:t>ake money from currency arbitrage.</a:t>
             </a:r>
             <a:endParaRPr lang="en-US" sz="2000" dirty="0"/>
           </a:p>
@@ -5594,7 +5625,7 @@
         <p:spPr/>
         <p:txBody>
           <a:bodyPr>
-            <a:normAutofit fontScale="92500" lnSpcReduction="10000"/>
+            <a:normAutofit fontScale="92500" lnSpcReduction="20000"/>
           </a:bodyPr>
           <a:lstStyle/>
           <a:p>
@@ -5611,8 +5642,22 @@
           <a:p>
             <a:pPr lvl="2"/>
             <a:r>
-              <a:rPr lang="en-US" dirty="0"/>
-              <a:t>Other NGOs, microfinance orgs, current village banks</a:t>
+              <a:rPr lang="en-US" dirty="0" smtClean="0">
+                <a:hlinkClick r:id="rId2"/>
+              </a:rPr>
+              <a:t>www.Puddle.com</a:t>
+            </a:r>
+            <a:endParaRPr lang="en-US" dirty="0" smtClean="0"/>
+          </a:p>
+          <a:p>
+            <a:pPr lvl="2"/>
+            <a:r>
+              <a:rPr lang="en-US" dirty="0" smtClean="0"/>
+              <a:t>Other </a:t>
+            </a:r>
+            <a:r>
+              <a:rPr lang="en-US" dirty="0"/>
+              <a:t>NGOs, microfinance orgs, current village banks</a:t>
             </a:r>
             <a:endParaRPr lang="en-US" sz="2000" dirty="0"/>
           </a:p>
@@ -5735,7 +5780,7 @@
             <a:pPr lvl="2"/>
             <a:r>
               <a:rPr lang="en-US" u="sng" dirty="0">
-                <a:hlinkClick r:id="rId2"/>
+                <a:hlinkClick r:id="rId3"/>
               </a:rPr>
               <a:t>https://coinkite.com/</a:t>
             </a:r>
@@ -7317,16 +7362,42 @@
         </p:nvSpPr>
         <p:spPr/>
         <p:txBody>
-          <a:bodyPr/>
-          <a:lstStyle/>
-          <a:p>
-            <a:pPr lvl="1">
-              <a:buFont typeface="Arial" panose="020B0604020202020204" pitchFamily="34" charset="0"/>
-              <a:buChar char="•"/>
-            </a:pPr>
-            <a:r>
-              <a:rPr lang="en-US" dirty="0"/>
-              <a:t>Any group can download and create own bank</a:t>
+          <a:bodyPr>
+            <a:normAutofit lnSpcReduction="10000"/>
+          </a:bodyPr>
+          <a:lstStyle/>
+          <a:p>
+            <a:pPr lvl="1">
+              <a:buFont typeface="Arial" panose="020B0604020202020204" pitchFamily="34" charset="0"/>
+              <a:buChar char="•"/>
+            </a:pPr>
+            <a:r>
+              <a:rPr lang="en-US" dirty="0" smtClean="0"/>
+              <a:t>Like </a:t>
+            </a:r>
+            <a:r>
+              <a:rPr lang="en-US" dirty="0" smtClean="0">
+                <a:hlinkClick r:id="rId2"/>
+              </a:rPr>
+              <a:t>www.puddle.com</a:t>
+            </a:r>
+            <a:r>
+              <a:rPr lang="en-US" dirty="0" smtClean="0"/>
+              <a:t>, except global w/crypto</a:t>
+            </a:r>
+          </a:p>
+          <a:p>
+            <a:pPr lvl="1">
+              <a:buFont typeface="Arial" panose="020B0604020202020204" pitchFamily="34" charset="0"/>
+              <a:buChar char="•"/>
+            </a:pPr>
+            <a:r>
+              <a:rPr lang="en-US" dirty="0" smtClean="0"/>
+              <a:t>Any </a:t>
+            </a:r>
+            <a:r>
+              <a:rPr lang="en-US" dirty="0"/>
+              <a:t>group can download and create own bank</a:t>
             </a:r>
             <a:endParaRPr lang="en-US" sz="2400" dirty="0"/>
           </a:p>

--- a/Village Bank.pptx
+++ b/Village Bank.pptx
@@ -319,7 +319,7 @@
           <a:p>
             <a:fld id="{4433F56D-27F4-4650-ACBF-F6A2C50FF25D}" type="datetimeFigureOut">
               <a:rPr lang="en-US" smtClean="0"/>
-              <a:t>2/20/2015</a:t>
+              <a:t>2/27/2015</a:t>
             </a:fld>
             <a:endParaRPr lang="en-US"/>
           </a:p>
@@ -489,7 +489,7 @@
           <a:p>
             <a:fld id="{4433F56D-27F4-4650-ACBF-F6A2C50FF25D}" type="datetimeFigureOut">
               <a:rPr lang="en-US" smtClean="0"/>
-              <a:t>2/20/2015</a:t>
+              <a:t>2/27/2015</a:t>
             </a:fld>
             <a:endParaRPr lang="en-US"/>
           </a:p>
@@ -669,7 +669,7 @@
           <a:p>
             <a:fld id="{4433F56D-27F4-4650-ACBF-F6A2C50FF25D}" type="datetimeFigureOut">
               <a:rPr lang="en-US" smtClean="0"/>
-              <a:t>2/20/2015</a:t>
+              <a:t>2/27/2015</a:t>
             </a:fld>
             <a:endParaRPr lang="en-US"/>
           </a:p>
@@ -839,7 +839,7 @@
           <a:p>
             <a:fld id="{4433F56D-27F4-4650-ACBF-F6A2C50FF25D}" type="datetimeFigureOut">
               <a:rPr lang="en-US" smtClean="0"/>
-              <a:t>2/20/2015</a:t>
+              <a:t>2/27/2015</a:t>
             </a:fld>
             <a:endParaRPr lang="en-US"/>
           </a:p>
@@ -1085,7 +1085,7 @@
           <a:p>
             <a:fld id="{4433F56D-27F4-4650-ACBF-F6A2C50FF25D}" type="datetimeFigureOut">
               <a:rPr lang="en-US" smtClean="0"/>
-              <a:t>2/20/2015</a:t>
+              <a:t>2/27/2015</a:t>
             </a:fld>
             <a:endParaRPr lang="en-US"/>
           </a:p>
@@ -1373,7 +1373,7 @@
           <a:p>
             <a:fld id="{4433F56D-27F4-4650-ACBF-F6A2C50FF25D}" type="datetimeFigureOut">
               <a:rPr lang="en-US" smtClean="0"/>
-              <a:t>2/20/2015</a:t>
+              <a:t>2/27/2015</a:t>
             </a:fld>
             <a:endParaRPr lang="en-US"/>
           </a:p>
@@ -1795,7 +1795,7 @@
           <a:p>
             <a:fld id="{4433F56D-27F4-4650-ACBF-F6A2C50FF25D}" type="datetimeFigureOut">
               <a:rPr lang="en-US" smtClean="0"/>
-              <a:t>2/20/2015</a:t>
+              <a:t>2/27/2015</a:t>
             </a:fld>
             <a:endParaRPr lang="en-US"/>
           </a:p>
@@ -1913,7 +1913,7 @@
           <a:p>
             <a:fld id="{4433F56D-27F4-4650-ACBF-F6A2C50FF25D}" type="datetimeFigureOut">
               <a:rPr lang="en-US" smtClean="0"/>
-              <a:t>2/20/2015</a:t>
+              <a:t>2/27/2015</a:t>
             </a:fld>
             <a:endParaRPr lang="en-US"/>
           </a:p>
@@ -2008,7 +2008,7 @@
           <a:p>
             <a:fld id="{4433F56D-27F4-4650-ACBF-F6A2C50FF25D}" type="datetimeFigureOut">
               <a:rPr lang="en-US" smtClean="0"/>
-              <a:t>2/20/2015</a:t>
+              <a:t>2/27/2015</a:t>
             </a:fld>
             <a:endParaRPr lang="en-US"/>
           </a:p>
@@ -2285,7 +2285,7 @@
           <a:p>
             <a:fld id="{4433F56D-27F4-4650-ACBF-F6A2C50FF25D}" type="datetimeFigureOut">
               <a:rPr lang="en-US" smtClean="0"/>
-              <a:t>2/20/2015</a:t>
+              <a:t>2/27/2015</a:t>
             </a:fld>
             <a:endParaRPr lang="en-US"/>
           </a:p>
@@ -2538,7 +2538,7 @@
           <a:p>
             <a:fld id="{4433F56D-27F4-4650-ACBF-F6A2C50FF25D}" type="datetimeFigureOut">
               <a:rPr lang="en-US" smtClean="0"/>
-              <a:t>2/20/2015</a:t>
+              <a:t>2/27/2015</a:t>
             </a:fld>
             <a:endParaRPr lang="en-US"/>
           </a:p>
@@ -2751,7 +2751,7 @@
           <a:p>
             <a:fld id="{4433F56D-27F4-4650-ACBF-F6A2C50FF25D}" type="datetimeFigureOut">
               <a:rPr lang="en-US" smtClean="0"/>
-              <a:t>2/20/2015</a:t>
+              <a:t>2/27/2015</a:t>
             </a:fld>
             <a:endParaRPr lang="en-US"/>
           </a:p>
@@ -5625,7 +5625,7 @@
         <p:spPr/>
         <p:txBody>
           <a:bodyPr>
-            <a:normAutofit fontScale="92500" lnSpcReduction="20000"/>
+            <a:normAutofit fontScale="85000" lnSpcReduction="20000"/>
           </a:bodyPr>
           <a:lstStyle/>
           <a:p>
@@ -5634,20 +5634,42 @@
               <a:buChar char="•"/>
             </a:pPr>
             <a:r>
-              <a:rPr lang="en-US" dirty="0"/>
+              <a:rPr lang="en-US" dirty="0" smtClean="0"/>
               <a:t>Competition</a:t>
             </a:r>
-            <a:endParaRPr lang="en-US" sz="2400" dirty="0"/>
+            <a:endParaRPr lang="en-US" dirty="0" smtClean="0">
+              <a:hlinkClick r:id="rId2"/>
+            </a:endParaRPr>
           </a:p>
           <a:p>
             <a:pPr lvl="2"/>
             <a:r>
-              <a:rPr lang="en-US" dirty="0" smtClean="0">
+              <a:rPr lang="en-US" dirty="0" smtClean="0"/>
+              <a:t>USD only</a:t>
+            </a:r>
+          </a:p>
+          <a:p>
+            <a:pPr lvl="3"/>
+            <a:r>
+              <a:rPr lang="en-US" dirty="0">
                 <a:hlinkClick r:id="rId2"/>
               </a:rPr>
               <a:t>www.Puddle.com</a:t>
             </a:r>
-            <a:endParaRPr lang="en-US" dirty="0" smtClean="0"/>
+            <a:endParaRPr lang="en-US" dirty="0"/>
+          </a:p>
+          <a:p>
+            <a:pPr lvl="3"/>
+            <a:r>
+              <a:rPr lang="en-US" dirty="0">
+                <a:hlinkClick r:id="rId3"/>
+              </a:rPr>
+              <a:t>https://www.emoneypool.com/</a:t>
+            </a:r>
+            <a:r>
+              <a:rPr lang="en-US" dirty="0"/>
+              <a:t> </a:t>
+            </a:r>
           </a:p>
           <a:p>
             <a:pPr lvl="2"/>
@@ -5780,7 +5802,7 @@
             <a:pPr lvl="2"/>
             <a:r>
               <a:rPr lang="en-US" u="sng" dirty="0">
-                <a:hlinkClick r:id="rId3"/>
+                <a:hlinkClick r:id="rId4"/>
               </a:rPr>
               <a:t>https://coinkite.com/</a:t>
             </a:r>

--- a/Village Bank.pptx
+++ b/Village Bank.pptx
@@ -319,7 +319,7 @@
           <a:p>
             <a:fld id="{4433F56D-27F4-4650-ACBF-F6A2C50FF25D}" type="datetimeFigureOut">
               <a:rPr lang="en-US" smtClean="0"/>
-              <a:t>2/27/2015</a:t>
+              <a:t>3/3/2015</a:t>
             </a:fld>
             <a:endParaRPr lang="en-US"/>
           </a:p>
@@ -489,7 +489,7 @@
           <a:p>
             <a:fld id="{4433F56D-27F4-4650-ACBF-F6A2C50FF25D}" type="datetimeFigureOut">
               <a:rPr lang="en-US" smtClean="0"/>
-              <a:t>2/27/2015</a:t>
+              <a:t>3/3/2015</a:t>
             </a:fld>
             <a:endParaRPr lang="en-US"/>
           </a:p>
@@ -669,7 +669,7 @@
           <a:p>
             <a:fld id="{4433F56D-27F4-4650-ACBF-F6A2C50FF25D}" type="datetimeFigureOut">
               <a:rPr lang="en-US" smtClean="0"/>
-              <a:t>2/27/2015</a:t>
+              <a:t>3/3/2015</a:t>
             </a:fld>
             <a:endParaRPr lang="en-US"/>
           </a:p>
@@ -839,7 +839,7 @@
           <a:p>
             <a:fld id="{4433F56D-27F4-4650-ACBF-F6A2C50FF25D}" type="datetimeFigureOut">
               <a:rPr lang="en-US" smtClean="0"/>
-              <a:t>2/27/2015</a:t>
+              <a:t>3/3/2015</a:t>
             </a:fld>
             <a:endParaRPr lang="en-US"/>
           </a:p>
@@ -1085,7 +1085,7 @@
           <a:p>
             <a:fld id="{4433F56D-27F4-4650-ACBF-F6A2C50FF25D}" type="datetimeFigureOut">
               <a:rPr lang="en-US" smtClean="0"/>
-              <a:t>2/27/2015</a:t>
+              <a:t>3/3/2015</a:t>
             </a:fld>
             <a:endParaRPr lang="en-US"/>
           </a:p>
@@ -1373,7 +1373,7 @@
           <a:p>
             <a:fld id="{4433F56D-27F4-4650-ACBF-F6A2C50FF25D}" type="datetimeFigureOut">
               <a:rPr lang="en-US" smtClean="0"/>
-              <a:t>2/27/2015</a:t>
+              <a:t>3/3/2015</a:t>
             </a:fld>
             <a:endParaRPr lang="en-US"/>
           </a:p>
@@ -1795,7 +1795,7 @@
           <a:p>
             <a:fld id="{4433F56D-27F4-4650-ACBF-F6A2C50FF25D}" type="datetimeFigureOut">
               <a:rPr lang="en-US" smtClean="0"/>
-              <a:t>2/27/2015</a:t>
+              <a:t>3/3/2015</a:t>
             </a:fld>
             <a:endParaRPr lang="en-US"/>
           </a:p>
@@ -1913,7 +1913,7 @@
           <a:p>
             <a:fld id="{4433F56D-27F4-4650-ACBF-F6A2C50FF25D}" type="datetimeFigureOut">
               <a:rPr lang="en-US" smtClean="0"/>
-              <a:t>2/27/2015</a:t>
+              <a:t>3/3/2015</a:t>
             </a:fld>
             <a:endParaRPr lang="en-US"/>
           </a:p>
@@ -2008,7 +2008,7 @@
           <a:p>
             <a:fld id="{4433F56D-27F4-4650-ACBF-F6A2C50FF25D}" type="datetimeFigureOut">
               <a:rPr lang="en-US" smtClean="0"/>
-              <a:t>2/27/2015</a:t>
+              <a:t>3/3/2015</a:t>
             </a:fld>
             <a:endParaRPr lang="en-US"/>
           </a:p>
@@ -2285,7 +2285,7 @@
           <a:p>
             <a:fld id="{4433F56D-27F4-4650-ACBF-F6A2C50FF25D}" type="datetimeFigureOut">
               <a:rPr lang="en-US" smtClean="0"/>
-              <a:t>2/27/2015</a:t>
+              <a:t>3/3/2015</a:t>
             </a:fld>
             <a:endParaRPr lang="en-US"/>
           </a:p>
@@ -2538,7 +2538,7 @@
           <a:p>
             <a:fld id="{4433F56D-27F4-4650-ACBF-F6A2C50FF25D}" type="datetimeFigureOut">
               <a:rPr lang="en-US" smtClean="0"/>
-              <a:t>2/27/2015</a:t>
+              <a:t>3/3/2015</a:t>
             </a:fld>
             <a:endParaRPr lang="en-US"/>
           </a:p>
@@ -2751,7 +2751,7 @@
           <a:p>
             <a:fld id="{4433F56D-27F4-4650-ACBF-F6A2C50FF25D}" type="datetimeFigureOut">
               <a:rPr lang="en-US" smtClean="0"/>
-              <a:t>2/27/2015</a:t>
+              <a:t>3/3/2015</a:t>
             </a:fld>
             <a:endParaRPr lang="en-US"/>
           </a:p>
@@ -4978,7 +4978,7 @@
         <p:spPr/>
         <p:txBody>
           <a:bodyPr>
-            <a:normAutofit fontScale="85000" lnSpcReduction="20000"/>
+            <a:normAutofit fontScale="77500" lnSpcReduction="20000"/>
           </a:bodyPr>
           <a:lstStyle/>
           <a:p>
@@ -5059,6 +5059,17 @@
             <a:r>
               <a:rPr lang="en-US" sz="2000" dirty="0" smtClean="0"/>
               <a:t>ake money from currency arbitrage.</a:t>
+            </a:r>
+          </a:p>
+          <a:p>
+            <a:pPr lvl="2"/>
+            <a:r>
+              <a:rPr lang="en-US" sz="2000" dirty="0" smtClean="0"/>
+              <a:t>See puddle, </a:t>
+            </a:r>
+            <a:r>
+              <a:rPr lang="en-US" sz="2000" smtClean="0"/>
+              <a:t>emoneypool</a:t>
             </a:r>
             <a:endParaRPr lang="en-US" sz="2000" dirty="0"/>
           </a:p>
@@ -6805,7 +6816,9 @@
         </p:nvSpPr>
         <p:spPr/>
         <p:txBody>
-          <a:bodyPr/>
+          <a:bodyPr>
+            <a:normAutofit fontScale="92500"/>
+          </a:bodyPr>
           <a:lstStyle/>
           <a:p>
             <a:pPr lvl="1"/>
@@ -6873,6 +6886,48 @@
             </a:r>
             <a:r>
               <a:rPr lang="en-US" dirty="0"/>
+              <a:t> </a:t>
+            </a:r>
+            <a:endParaRPr lang="en-US" dirty="0" smtClean="0"/>
+          </a:p>
+          <a:p>
+            <a:pPr lvl="1"/>
+            <a:r>
+              <a:rPr lang="en-US" sz="2400" dirty="0">
+                <a:hlinkClick r:id="rId7"/>
+              </a:rPr>
+              <a:t>http://</a:t>
+            </a:r>
+            <a:r>
+              <a:rPr lang="en-US" sz="2400" dirty="0" smtClean="0">
+                <a:hlinkClick r:id="rId7"/>
+              </a:rPr>
+              <a:t>insights.careinternational.org.uk/publications/connecting-the-world-s-poorest-people-to-the-global-economy-new-models-for-linking-savings-groups-to-formal-financial-services</a:t>
+            </a:r>
+            <a:endParaRPr lang="en-US" sz="2400" dirty="0" smtClean="0"/>
+          </a:p>
+          <a:p>
+            <a:pPr lvl="1"/>
+            <a:r>
+              <a:rPr lang="en-US" sz="2400">
+                <a:hlinkClick r:id="rId8"/>
+              </a:rPr>
+              <a:t>http</a:t>
+            </a:r>
+            <a:r>
+              <a:rPr lang="en-US" sz="2400">
+                <a:hlinkClick r:id="rId8"/>
+              </a:rPr>
+              <a:t>://</a:t>
+            </a:r>
+            <a:r>
+              <a:rPr lang="en-US" sz="2400" smtClean="0">
+                <a:hlinkClick r:id="rId8"/>
+              </a:rPr>
+              <a:t>insights.careinternational.org.uk/publications/banking-on-change-breaking-the-barriers-to-financial-inclusion</a:t>
+            </a:r>
+            <a:r>
+              <a:rPr lang="en-US" sz="2400" smtClean="0"/>
               <a:t> </a:t>
             </a:r>
             <a:endParaRPr lang="en-US" sz="2400" dirty="0"/>

--- a/Village Bank.pptx
+++ b/Village Bank.pptx
@@ -12,31 +12,34 @@
     <p:sldId id="259" r:id="rId6"/>
     <p:sldId id="265" r:id="rId7"/>
     <p:sldId id="267" r:id="rId8"/>
-    <p:sldId id="268" r:id="rId9"/>
-    <p:sldId id="269" r:id="rId10"/>
-    <p:sldId id="270" r:id="rId11"/>
-    <p:sldId id="271" r:id="rId12"/>
-    <p:sldId id="272" r:id="rId13"/>
-    <p:sldId id="273" r:id="rId14"/>
-    <p:sldId id="274" r:id="rId15"/>
-    <p:sldId id="275" r:id="rId16"/>
-    <p:sldId id="276" r:id="rId17"/>
-    <p:sldId id="277" r:id="rId18"/>
-    <p:sldId id="278" r:id="rId19"/>
-    <p:sldId id="279" r:id="rId20"/>
-    <p:sldId id="280" r:id="rId21"/>
-    <p:sldId id="281" r:id="rId22"/>
-    <p:sldId id="282" r:id="rId23"/>
-    <p:sldId id="283" r:id="rId24"/>
-    <p:sldId id="284" r:id="rId25"/>
-    <p:sldId id="285" r:id="rId26"/>
-    <p:sldId id="287" r:id="rId27"/>
-    <p:sldId id="288" r:id="rId28"/>
-    <p:sldId id="289" r:id="rId29"/>
-    <p:sldId id="290" r:id="rId30"/>
-    <p:sldId id="291" r:id="rId31"/>
-    <p:sldId id="292" r:id="rId32"/>
-    <p:sldId id="293" r:id="rId33"/>
+    <p:sldId id="294" r:id="rId9"/>
+    <p:sldId id="295" r:id="rId10"/>
+    <p:sldId id="296" r:id="rId11"/>
+    <p:sldId id="268" r:id="rId12"/>
+    <p:sldId id="269" r:id="rId13"/>
+    <p:sldId id="270" r:id="rId14"/>
+    <p:sldId id="271" r:id="rId15"/>
+    <p:sldId id="272" r:id="rId16"/>
+    <p:sldId id="273" r:id="rId17"/>
+    <p:sldId id="274" r:id="rId18"/>
+    <p:sldId id="275" r:id="rId19"/>
+    <p:sldId id="276" r:id="rId20"/>
+    <p:sldId id="277" r:id="rId21"/>
+    <p:sldId id="278" r:id="rId22"/>
+    <p:sldId id="279" r:id="rId23"/>
+    <p:sldId id="280" r:id="rId24"/>
+    <p:sldId id="281" r:id="rId25"/>
+    <p:sldId id="282" r:id="rId26"/>
+    <p:sldId id="283" r:id="rId27"/>
+    <p:sldId id="284" r:id="rId28"/>
+    <p:sldId id="285" r:id="rId29"/>
+    <p:sldId id="287" r:id="rId30"/>
+    <p:sldId id="288" r:id="rId31"/>
+    <p:sldId id="289" r:id="rId32"/>
+    <p:sldId id="290" r:id="rId33"/>
+    <p:sldId id="291" r:id="rId34"/>
+    <p:sldId id="292" r:id="rId35"/>
+    <p:sldId id="293" r:id="rId36"/>
   </p:sldIdLst>
   <p:sldSz cx="9144000" cy="6858000" type="screen4x3"/>
   <p:notesSz cx="6858000" cy="9144000"/>
@@ -3214,116 +3217,170 @@
         </p:nvSpPr>
         <p:spPr/>
         <p:txBody>
+          <a:bodyPr/>
+          <a:lstStyle/>
+          <a:p>
+            <a:pPr lvl="0"/>
+            <a:r>
+              <a:rPr lang="en-US" dirty="0"/>
+              <a:t>Goal: Digitization of Village Bank</a:t>
+            </a:r>
+          </a:p>
+        </p:txBody>
+      </p:sp>
+      <p:sp>
+        <p:nvSpPr>
+          <p:cNvPr id="3" name="Content Placeholder 2"/>
+          <p:cNvSpPr>
+            <a:spLocks noGrp="1"/>
+          </p:cNvSpPr>
+          <p:nvPr>
+            <p:ph idx="1"/>
+          </p:nvPr>
+        </p:nvSpPr>
+        <p:spPr>
+          <a:xfrm>
+            <a:off x="228600" y="1676400"/>
+            <a:ext cx="8229600" cy="4525963"/>
+          </a:xfrm>
+        </p:spPr>
+        <p:txBody>
           <a:bodyPr>
             <a:normAutofit/>
           </a:bodyPr>
           <a:lstStyle/>
           <a:p>
-            <a:pPr lvl="0"/>
-            <a:r>
-              <a:rPr lang="en-US" dirty="0"/>
-              <a:t>Follow on Financial </a:t>
-            </a:r>
-            <a:r>
-              <a:rPr lang="en-US" dirty="0" smtClean="0"/>
-              <a:t>Services</a:t>
-            </a:r>
-            <a:endParaRPr lang="en-US" dirty="0"/>
-          </a:p>
-        </p:txBody>
-      </p:sp>
-      <p:sp>
-        <p:nvSpPr>
-          <p:cNvPr id="3" name="Content Placeholder 2"/>
-          <p:cNvSpPr>
-            <a:spLocks noGrp="1"/>
-          </p:cNvSpPr>
-          <p:nvPr>
-            <p:ph idx="1"/>
-          </p:nvPr>
-        </p:nvSpPr>
-        <p:spPr/>
-        <p:txBody>
-          <a:bodyPr/>
-          <a:lstStyle/>
-          <a:p>
-            <a:pPr lvl="1">
-              <a:buFont typeface="Arial" panose="020B0604020202020204" pitchFamily="34" charset="0"/>
-              <a:buChar char="•"/>
-            </a:pPr>
-            <a:r>
-              <a:rPr lang="en-US" dirty="0"/>
-              <a:t>Developing nations</a:t>
-            </a:r>
-            <a:endParaRPr lang="en-US" sz="2400" dirty="0"/>
-          </a:p>
-          <a:p>
-            <a:pPr lvl="2"/>
-            <a:r>
-              <a:rPr lang="en-US" dirty="0"/>
-              <a:t>Savings will earn interest</a:t>
+            <a:pPr lvl="1">
+              <a:buFont typeface="Arial" panose="020B0604020202020204" pitchFamily="34" charset="0"/>
+              <a:buChar char="•"/>
+            </a:pPr>
+            <a:r>
+              <a:rPr lang="en-US" sz="2000" dirty="0" smtClean="0"/>
+              <a:t>In Tanzania and Kenya, CARE has brought banking products to 300 savings groups via their mobile phones, in partnership with </a:t>
+            </a:r>
+            <a:r>
+              <a:rPr lang="en-US" sz="2000" b="1" dirty="0" smtClean="0"/>
+              <a:t>Vodacom M-</a:t>
+            </a:r>
+            <a:r>
+              <a:rPr lang="en-US" sz="2000" b="1" dirty="0" err="1" smtClean="0"/>
+              <a:t>Pesa</a:t>
+            </a:r>
+            <a:r>
+              <a:rPr lang="en-US" sz="2000" b="1" dirty="0" smtClean="0"/>
+              <a:t> and </a:t>
+            </a:r>
+            <a:r>
+              <a:rPr lang="en-US" sz="2000" b="1" dirty="0" err="1" smtClean="0"/>
+              <a:t>Mwanga</a:t>
+            </a:r>
+            <a:r>
+              <a:rPr lang="en-US" sz="2000" b="1" dirty="0" smtClean="0"/>
+              <a:t> Community Bank</a:t>
+            </a:r>
+            <a:r>
+              <a:rPr lang="en-US" sz="2000" dirty="0" smtClean="0"/>
+              <a:t>, and </a:t>
+            </a:r>
+            <a:r>
+              <a:rPr lang="en-US" sz="2000" b="1" dirty="0" smtClean="0"/>
+              <a:t>Orange and Equity Ban</a:t>
+            </a:r>
+            <a:r>
+              <a:rPr lang="en-US" sz="2000" dirty="0" smtClean="0"/>
+              <a:t>k, respectively</a:t>
+            </a:r>
+          </a:p>
+          <a:p>
+            <a:pPr lvl="1">
+              <a:buFont typeface="Arial" panose="020B0604020202020204" pitchFamily="34" charset="0"/>
+              <a:buChar char="•"/>
+            </a:pPr>
+            <a:r>
+              <a:rPr lang="en-US" sz="2000" dirty="0" smtClean="0"/>
+              <a:t>In Tanzania, CARE has initiated a partnership between 39 savings groups and </a:t>
+            </a:r>
+            <a:r>
+              <a:rPr lang="en-US" sz="2000" b="1" dirty="0" smtClean="0"/>
+              <a:t>Vodacom M-</a:t>
+            </a:r>
+            <a:r>
+              <a:rPr lang="en-US" sz="2000" b="1" dirty="0" err="1" smtClean="0"/>
+              <a:t>Pesa’s</a:t>
+            </a:r>
+            <a:r>
+              <a:rPr lang="en-US" sz="2000" b="1" dirty="0" smtClean="0"/>
+              <a:t> Money Wallet service </a:t>
+            </a:r>
+          </a:p>
+          <a:p>
+            <a:pPr lvl="1">
+              <a:buFont typeface="Arial" panose="020B0604020202020204" pitchFamily="34" charset="0"/>
+              <a:buChar char="•"/>
+            </a:pPr>
+            <a:r>
+              <a:rPr lang="en-US" sz="2000" dirty="0"/>
+              <a:t>Groups began using their M-</a:t>
+            </a:r>
+            <a:r>
+              <a:rPr lang="en-US" sz="2000" dirty="0" err="1"/>
+              <a:t>Pesa</a:t>
+            </a:r>
+            <a:r>
+              <a:rPr lang="en-US" sz="2000" dirty="0"/>
+              <a:t> accounts on a weekly basis to store cash that otherwise would have remained in the group’s box </a:t>
+            </a:r>
+            <a:endParaRPr lang="en-US" sz="2000" dirty="0" smtClean="0"/>
+          </a:p>
+          <a:p>
+            <a:pPr lvl="1">
+              <a:buFont typeface="Arial" panose="020B0604020202020204" pitchFamily="34" charset="0"/>
+              <a:buChar char="•"/>
+            </a:pPr>
+            <a:r>
+              <a:rPr lang="en-US" sz="2000" dirty="0"/>
+              <a:t>They viewed this as a more secure option than leaving the funds in the safe </a:t>
+            </a:r>
+            <a:r>
+              <a:rPr lang="en-US" sz="2000" dirty="0" smtClean="0"/>
+              <a:t>box</a:t>
+            </a:r>
+          </a:p>
+          <a:p>
+            <a:pPr lvl="1">
+              <a:buFont typeface="Arial" panose="020B0604020202020204" pitchFamily="34" charset="0"/>
+              <a:buChar char="•"/>
+            </a:pPr>
+            <a:r>
+              <a:rPr lang="en-US" sz="2000" dirty="0"/>
+              <a:t>Some group members who worked away from home, sent weekly savings or loan repayments to the group via </a:t>
+            </a:r>
+            <a:r>
+              <a:rPr lang="en-US" sz="2000" dirty="0" smtClean="0"/>
+              <a:t>M-</a:t>
+            </a:r>
+            <a:r>
+              <a:rPr lang="en-US" sz="2000" dirty="0" err="1" smtClean="0"/>
+              <a:t>Pesa</a:t>
             </a:r>
             <a:endParaRPr lang="en-US" sz="2000" dirty="0"/>
           </a:p>
           <a:p>
-            <a:pPr lvl="3">
-              <a:buFont typeface="Arial" panose="020B0604020202020204" pitchFamily="34" charset="0"/>
-              <a:buChar char="•"/>
-            </a:pPr>
-            <a:r>
-              <a:rPr lang="en-US" dirty="0"/>
-              <a:t>The poor need income smoothing so they can put food on the table year round</a:t>
-            </a:r>
-            <a:endParaRPr lang="en-US" sz="1800" dirty="0"/>
-          </a:p>
-          <a:p>
-            <a:pPr lvl="2"/>
-            <a:r>
-              <a:rPr lang="en-US" dirty="0"/>
-              <a:t>Money can be relent to people in need</a:t>
-            </a:r>
-            <a:endParaRPr lang="en-US" sz="2000" dirty="0"/>
-          </a:p>
-          <a:p>
-            <a:pPr lvl="3">
-              <a:buFont typeface="Arial" panose="020B0604020202020204" pitchFamily="34" charset="0"/>
-              <a:buChar char="•"/>
-            </a:pPr>
-            <a:r>
-              <a:rPr lang="en-US" dirty="0"/>
-              <a:t>Small business loans for farm, shop, etc.</a:t>
-            </a:r>
-            <a:endParaRPr lang="en-US" sz="1800" dirty="0"/>
-          </a:p>
-          <a:p>
-            <a:pPr lvl="3">
-              <a:buFont typeface="Arial" panose="020B0604020202020204" pitchFamily="34" charset="0"/>
-              <a:buChar char="•"/>
-            </a:pPr>
-            <a:r>
-              <a:rPr lang="en-US" dirty="0"/>
-              <a:t>Student loans</a:t>
-            </a:r>
-            <a:endParaRPr lang="en-US" sz="1800" dirty="0"/>
-          </a:p>
-          <a:p>
-            <a:pPr lvl="2"/>
-            <a:r>
-              <a:rPr lang="en-US" dirty="0"/>
-              <a:t>Social fund: A percentage of funds set aside for disbursements for health emergencies, tough times, funerals, etc</a:t>
-            </a:r>
-            <a:r>
-              <a:rPr lang="en-US" dirty="0" smtClean="0"/>
-              <a:t>.</a:t>
-            </a:r>
-            <a:endParaRPr lang="en-US" sz="2000" dirty="0"/>
+            <a:pPr lvl="1">
+              <a:buFont typeface="Arial" panose="020B0604020202020204" pitchFamily="34" charset="0"/>
+              <a:buChar char="•"/>
+            </a:pPr>
+            <a:r>
+              <a:rPr lang="en-US" sz="2000" dirty="0" smtClean="0"/>
+              <a:t>Transaction ledger still on paper</a:t>
+            </a:r>
           </a:p>
         </p:txBody>
       </p:sp>
     </p:spTree>
     <p:extLst>
       <p:ext uri="{BB962C8B-B14F-4D97-AF65-F5344CB8AC3E}">
-        <p14:creationId xmlns:p14="http://schemas.microsoft.com/office/powerpoint/2010/main" val="1661380403"/>
+        <p14:creationId xmlns:p14="http://schemas.microsoft.com/office/powerpoint/2010/main" val="3071921276"/>
       </p:ext>
     </p:extLst>
   </p:cSld>
@@ -3362,14 +3419,21 @@
         </p:nvSpPr>
         <p:spPr/>
         <p:txBody>
-          <a:bodyPr/>
+          <a:bodyPr>
+            <a:normAutofit/>
+          </a:bodyPr>
           <a:lstStyle/>
           <a:p>
             <a:pPr lvl="0"/>
             <a:r>
               <a:rPr lang="en-US" dirty="0"/>
-              <a:t>Follow on Financial Services</a:t>
-            </a:r>
+              <a:t>DAO &amp; Global Crypto </a:t>
+            </a:r>
+            <a:r>
+              <a:rPr lang="en-US" dirty="0" smtClean="0"/>
+              <a:t>Currency</a:t>
+            </a:r>
+            <a:endParaRPr lang="en-US" dirty="0"/>
           </a:p>
         </p:txBody>
       </p:sp>
@@ -3385,67 +3449,161 @@
         </p:nvSpPr>
         <p:spPr/>
         <p:txBody>
-          <a:bodyPr/>
-          <a:lstStyle/>
-          <a:p>
-            <a:pPr lvl="1">
-              <a:buFont typeface="Arial" panose="020B0604020202020204" pitchFamily="34" charset="0"/>
-              <a:buChar char="•"/>
-            </a:pPr>
-            <a:r>
-              <a:rPr lang="en-US" dirty="0"/>
-              <a:t>Developed nations</a:t>
+          <a:bodyPr>
+            <a:normAutofit fontScale="85000" lnSpcReduction="20000"/>
+          </a:bodyPr>
+          <a:lstStyle/>
+          <a:p>
+            <a:pPr lvl="1">
+              <a:buFont typeface="Arial" panose="020B0604020202020204" pitchFamily="34" charset="0"/>
+              <a:buChar char="•"/>
+            </a:pPr>
+            <a:r>
+              <a:rPr lang="en-US" dirty="0" smtClean="0"/>
+              <a:t>Like </a:t>
+            </a:r>
+            <a:r>
+              <a:rPr lang="en-US" dirty="0" smtClean="0">
+                <a:hlinkClick r:id="rId2"/>
+              </a:rPr>
+              <a:t>www.puddle.com</a:t>
+            </a:r>
+            <a:r>
+              <a:rPr lang="en-US" dirty="0" smtClean="0"/>
+              <a:t> &amp; </a:t>
+            </a:r>
+            <a:r>
+              <a:rPr lang="en-US" dirty="0" smtClean="0">
+                <a:hlinkClick r:id="rId3"/>
+              </a:rPr>
+              <a:t>www.emoneypool.com</a:t>
+            </a:r>
+            <a:r>
+              <a:rPr lang="en-US" dirty="0"/>
+              <a:t>,</a:t>
+            </a:r>
+            <a:r>
+              <a:rPr lang="en-US" dirty="0" smtClean="0"/>
+              <a:t> </a:t>
+            </a:r>
+            <a:r>
+              <a:rPr lang="en-US" dirty="0" smtClean="0"/>
+              <a:t>except global w/crypto</a:t>
+            </a:r>
+          </a:p>
+          <a:p>
+            <a:pPr lvl="1">
+              <a:buFont typeface="Arial" panose="020B0604020202020204" pitchFamily="34" charset="0"/>
+              <a:buChar char="•"/>
+            </a:pPr>
+            <a:r>
+              <a:rPr lang="en-US" dirty="0" smtClean="0"/>
+              <a:t>Any </a:t>
+            </a:r>
+            <a:r>
+              <a:rPr lang="en-US" dirty="0"/>
+              <a:t>group can download and create own bank</a:t>
             </a:r>
             <a:endParaRPr lang="en-US" sz="2400" dirty="0"/>
           </a:p>
           <a:p>
-            <a:pPr lvl="2"/>
-            <a:r>
-              <a:rPr lang="en-US" dirty="0"/>
-              <a:t>Local help pool</a:t>
+            <a:pPr lvl="1">
+              <a:buFont typeface="Arial" panose="020B0604020202020204" pitchFamily="34" charset="0"/>
+              <a:buChar char="•"/>
+            </a:pPr>
+            <a:r>
+              <a:rPr lang="en-US" dirty="0"/>
+              <a:t>Target: </a:t>
+            </a:r>
+            <a:r>
+              <a:rPr lang="en-US" dirty="0" smtClean="0"/>
+              <a:t>women, young </a:t>
+            </a:r>
+            <a:r>
+              <a:rPr lang="en-US" dirty="0"/>
+              <a:t>people, Facebook generation</a:t>
+            </a:r>
+            <a:endParaRPr lang="en-US" sz="2400" dirty="0"/>
+          </a:p>
+          <a:p>
+            <a:pPr lvl="2"/>
+            <a:r>
+              <a:rPr lang="en-US" dirty="0"/>
+              <a:t>Over 1.2 billion people are aged 15 to </a:t>
+            </a:r>
+            <a:r>
+              <a:rPr lang="en-US" dirty="0" smtClean="0"/>
+              <a:t>24, yet </a:t>
+            </a:r>
+            <a:r>
+              <a:rPr lang="en-US" dirty="0"/>
+              <a:t>only 4.2 million young people </a:t>
+            </a:r>
+            <a:r>
+              <a:rPr lang="en-US" dirty="0" smtClean="0"/>
+              <a:t>have access </a:t>
+            </a:r>
+            <a:r>
+              <a:rPr lang="en-US" dirty="0"/>
+              <a:t>to financial </a:t>
+            </a:r>
+            <a:r>
+              <a:rPr lang="en-US" dirty="0" smtClean="0"/>
+              <a:t>services. </a:t>
+            </a:r>
+          </a:p>
+          <a:p>
+            <a:pPr lvl="2"/>
+            <a:r>
+              <a:rPr lang="en-US" dirty="0" smtClean="0"/>
+              <a:t>My </a:t>
+            </a:r>
+            <a:r>
+              <a:rPr lang="en-US" dirty="0"/>
+              <a:t>friend from Nepal has access to Facebook on her smart phone, no computer access</a:t>
             </a:r>
             <a:endParaRPr lang="en-US" sz="2000" dirty="0"/>
           </a:p>
           <a:p>
-            <a:pPr lvl="3">
-              <a:buFont typeface="Arial" panose="020B0604020202020204" pitchFamily="34" charset="0"/>
-              <a:buChar char="•"/>
-            </a:pPr>
-            <a:r>
-              <a:rPr lang="en-US" dirty="0"/>
-              <a:t>A group of people helping pay each other’s real estate down payments for example</a:t>
-            </a:r>
-            <a:endParaRPr lang="en-US" sz="1800" dirty="0"/>
-          </a:p>
-          <a:p>
-            <a:pPr lvl="3">
-              <a:buFont typeface="Arial" panose="020B0604020202020204" pitchFamily="34" charset="0"/>
-              <a:buChar char="•"/>
-            </a:pPr>
-            <a:r>
-              <a:rPr lang="en-US" dirty="0"/>
-              <a:t>Or student loans</a:t>
-            </a:r>
-            <a:endParaRPr lang="en-US" sz="1800" dirty="0"/>
-          </a:p>
-          <a:p>
-            <a:pPr lvl="2"/>
-            <a:r>
-              <a:rPr lang="en-US" dirty="0"/>
-              <a:t>Local investment </a:t>
-            </a:r>
-            <a:r>
-              <a:rPr lang="en-US" dirty="0" smtClean="0"/>
-              <a:t>pool</a:t>
+            <a:pPr lvl="2"/>
+            <a:r>
+              <a:rPr lang="en-US" dirty="0"/>
+              <a:t>Use Facebook, Google+ as ID</a:t>
             </a:r>
             <a:endParaRPr lang="en-US" sz="2000" dirty="0"/>
+          </a:p>
+          <a:p>
+            <a:pPr lvl="1">
+              <a:buFont typeface="Arial" panose="020B0604020202020204" pitchFamily="34" charset="0"/>
+              <a:buChar char="•"/>
+            </a:pPr>
+            <a:r>
+              <a:rPr lang="en-US" dirty="0"/>
+              <a:t>A stable cryptocurrency will be a lot more stable than many local fiat currencies</a:t>
+            </a:r>
+            <a:endParaRPr lang="en-US" sz="2400" dirty="0"/>
+          </a:p>
+          <a:p>
+            <a:pPr lvl="1">
+              <a:buFont typeface="Arial" panose="020B0604020202020204" pitchFamily="34" charset="0"/>
+              <a:buChar char="•"/>
+            </a:pPr>
+            <a:r>
+              <a:rPr lang="en-US" dirty="0"/>
+              <a:t>Carrying around a phone is more secure than carrying around a huge wad of </a:t>
+            </a:r>
+            <a:r>
+              <a:rPr lang="en-US" dirty="0" smtClean="0"/>
+              <a:t>cash</a:t>
+            </a:r>
+            <a:endParaRPr lang="en-US" sz="2400" dirty="0"/>
           </a:p>
         </p:txBody>
       </p:sp>
     </p:spTree>
     <p:extLst>
       <p:ext uri="{BB962C8B-B14F-4D97-AF65-F5344CB8AC3E}">
-        <p14:creationId xmlns:p14="http://schemas.microsoft.com/office/powerpoint/2010/main" val="4156607300"/>
+        <p14:creationId xmlns:p14="http://schemas.microsoft.com/office/powerpoint/2010/main" val="3367002695"/>
       </p:ext>
     </p:extLst>
   </p:cSld>
@@ -3484,156 +3642,143 @@
         </p:nvSpPr>
         <p:spPr/>
         <p:txBody>
+          <a:bodyPr/>
+          <a:lstStyle/>
+          <a:p>
+            <a:pPr lvl="0"/>
+            <a:r>
+              <a:rPr lang="en-US" dirty="0"/>
+              <a:t>Current Bitcoin Products</a:t>
+            </a:r>
+          </a:p>
+        </p:txBody>
+      </p:sp>
+      <p:sp>
+        <p:nvSpPr>
+          <p:cNvPr id="3" name="Content Placeholder 2"/>
+          <p:cNvSpPr>
+            <a:spLocks noGrp="1"/>
+          </p:cNvSpPr>
+          <p:nvPr>
+            <p:ph idx="1"/>
+          </p:nvPr>
+        </p:nvSpPr>
+        <p:spPr/>
+        <p:txBody>
           <a:bodyPr>
-            <a:normAutofit fontScale="90000"/>
+            <a:normAutofit fontScale="92500" lnSpcReduction="10000"/>
           </a:bodyPr>
           <a:lstStyle/>
           <a:p>
-            <a:pPr lvl="0"/>
-            <a:r>
-              <a:rPr lang="en-US" dirty="0"/>
-              <a:t>DAO </a:t>
-            </a:r>
-            <a:r>
-              <a:rPr lang="en-US" dirty="0" smtClean="0"/>
-              <a:t>ensures </a:t>
-            </a:r>
-            <a:r>
-              <a:rPr lang="en-US" dirty="0"/>
-              <a:t>T</a:t>
-            </a:r>
-            <a:r>
-              <a:rPr lang="en-US" dirty="0" smtClean="0"/>
-              <a:t>ransparency</a:t>
+            <a:pPr lvl="1">
+              <a:buFont typeface="Arial" panose="020B0604020202020204" pitchFamily="34" charset="0"/>
+              <a:buChar char="•"/>
+            </a:pPr>
+            <a:r>
+              <a:rPr lang="en-US" dirty="0"/>
+              <a:t>Remittances can also be seen as a cross border bank</a:t>
+            </a:r>
+            <a:endParaRPr lang="en-US" sz="2400" dirty="0"/>
+          </a:p>
+          <a:p>
+            <a:pPr lvl="1">
+              <a:buFont typeface="Arial" panose="020B0604020202020204" pitchFamily="34" charset="0"/>
+              <a:buChar char="•"/>
+            </a:pPr>
+            <a:r>
+              <a:rPr lang="en-US" dirty="0"/>
+              <a:t>A son or daughter working in a developed nation can deposit money into their wallet using one fiat currency and have parents in developing nation withdraw from it in another fiat currency</a:t>
+            </a:r>
+            <a:endParaRPr lang="en-US" sz="2400" dirty="0"/>
+          </a:p>
+          <a:p>
+            <a:pPr lvl="1">
+              <a:buFont typeface="Arial" panose="020B0604020202020204" pitchFamily="34" charset="0"/>
+              <a:buChar char="•"/>
+            </a:pPr>
+            <a:r>
+              <a:rPr lang="en-US" dirty="0"/>
+              <a:t>Companies like </a:t>
+            </a:r>
+            <a:r>
+              <a:rPr lang="en-US" dirty="0" err="1"/>
+              <a:t>B</a:t>
+            </a:r>
+            <a:r>
+              <a:rPr lang="en-US" dirty="0" err="1" smtClean="0"/>
+              <a:t>itreserve</a:t>
             </a:r>
             <a:r>
               <a:rPr lang="en-US" dirty="0"/>
               <a:t>, </a:t>
             </a:r>
             <a:r>
-              <a:rPr lang="en-US" dirty="0" smtClean="0"/>
-              <a:t>Honesty</a:t>
-            </a:r>
-            <a:endParaRPr lang="en-US" dirty="0"/>
-          </a:p>
-        </p:txBody>
-      </p:sp>
-      <p:sp>
-        <p:nvSpPr>
-          <p:cNvPr id="3" name="Content Placeholder 2"/>
-          <p:cNvSpPr>
-            <a:spLocks noGrp="1"/>
-          </p:cNvSpPr>
-          <p:nvPr>
-            <p:ph idx="1"/>
-          </p:nvPr>
-        </p:nvSpPr>
-        <p:spPr/>
-        <p:txBody>
-          <a:bodyPr>
-            <a:normAutofit fontScale="92500" lnSpcReduction="20000"/>
-          </a:bodyPr>
-          <a:lstStyle/>
-          <a:p>
-            <a:pPr lvl="1">
-              <a:buFont typeface="Arial" panose="020B0604020202020204" pitchFamily="34" charset="0"/>
-              <a:buChar char="•"/>
-            </a:pPr>
-            <a:r>
-              <a:rPr lang="en-US" dirty="0" smtClean="0"/>
-              <a:t>Financial </a:t>
-            </a:r>
-            <a:r>
-              <a:rPr lang="en-US" dirty="0"/>
-              <a:t>advisor level</a:t>
-            </a:r>
-          </a:p>
-          <a:p>
-            <a:pPr lvl="2"/>
-            <a:r>
-              <a:rPr lang="en-US" dirty="0"/>
-              <a:t>sophisticated computer/smart phone access, full banking privileges</a:t>
-            </a:r>
-            <a:endParaRPr lang="en-US" sz="2200" dirty="0"/>
-          </a:p>
-          <a:p>
-            <a:pPr lvl="2"/>
-            <a:r>
-              <a:rPr lang="en-US" b="1" dirty="0"/>
-              <a:t>needs to meet with each villager every week to track progress</a:t>
-            </a:r>
-            <a:endParaRPr lang="en-US" sz="2200" dirty="0"/>
-          </a:p>
-          <a:p>
-            <a:pPr lvl="3">
-              <a:buFont typeface="Arial" panose="020B0604020202020204" pitchFamily="34" charset="0"/>
-              <a:buChar char="•"/>
-            </a:pPr>
-            <a:r>
-              <a:rPr lang="en-US" dirty="0"/>
-              <a:t>“tech is the easy part, the human component is the hard part”</a:t>
-            </a:r>
-            <a:endParaRPr lang="en-US" sz="1800" dirty="0"/>
-          </a:p>
-          <a:p>
-            <a:pPr lvl="3">
-              <a:buFont typeface="Arial" panose="020B0604020202020204" pitchFamily="34" charset="0"/>
-              <a:buChar char="•"/>
-            </a:pPr>
-            <a:r>
-              <a:rPr lang="en-US" dirty="0"/>
-              <a:t>The human element facilitates loan repayment &amp; is essential; the tech portion just makes the entire process easier</a:t>
-            </a:r>
-            <a:endParaRPr lang="en-US" sz="1800" dirty="0"/>
-          </a:p>
-          <a:p>
-            <a:pPr lvl="2"/>
-            <a:r>
-              <a:rPr lang="en-US" dirty="0"/>
-              <a:t>provides educational component</a:t>
-            </a:r>
-            <a:endParaRPr lang="en-US" sz="2200" dirty="0"/>
-          </a:p>
-          <a:p>
-            <a:pPr lvl="3">
-              <a:buFont typeface="Arial" panose="020B0604020202020204" pitchFamily="34" charset="0"/>
-              <a:buChar char="•"/>
-            </a:pPr>
-            <a:r>
-              <a:rPr lang="en-US" dirty="0"/>
-              <a:t>definite need for financial education, developmental services</a:t>
-            </a:r>
-            <a:endParaRPr lang="en-US" sz="1800" dirty="0"/>
-          </a:p>
-          <a:p>
-            <a:pPr lvl="3">
-              <a:buFont typeface="Arial" panose="020B0604020202020204" pitchFamily="34" charset="0"/>
-              <a:buChar char="•"/>
-            </a:pPr>
-            <a:r>
-              <a:rPr lang="en-US" dirty="0"/>
-              <a:t>health services: constant reminders in text &amp; voice for pregnant women, guidance on food</a:t>
-            </a:r>
-            <a:endParaRPr lang="en-US" sz="1800" dirty="0"/>
-          </a:p>
-          <a:p>
-            <a:pPr lvl="2"/>
-            <a:r>
-              <a:rPr lang="en-US" dirty="0"/>
-              <a:t>last mile fiat exchange? Ripple/stellar ‘gateway’? lockbox/safe for cash</a:t>
-            </a:r>
-            <a:r>
-              <a:rPr lang="en-US" dirty="0" smtClean="0"/>
-              <a:t>?</a:t>
-            </a:r>
-            <a:endParaRPr lang="en-US" sz="2200" dirty="0"/>
+              <a:rPr lang="en-US" dirty="0" err="1"/>
+              <a:t>C</a:t>
+            </a:r>
+            <a:r>
+              <a:rPr lang="en-US" dirty="0" err="1" smtClean="0"/>
+              <a:t>oinapult</a:t>
+            </a:r>
+            <a:r>
+              <a:rPr lang="en-US" dirty="0" smtClean="0"/>
+              <a:t> </a:t>
+            </a:r>
+            <a:r>
+              <a:rPr lang="en-US" dirty="0"/>
+              <a:t>attacking </a:t>
+            </a:r>
+            <a:r>
+              <a:rPr lang="en-US" dirty="0" smtClean="0"/>
+              <a:t>Bitcoin volatility </a:t>
+            </a:r>
+            <a:r>
+              <a:rPr lang="en-US" dirty="0"/>
+              <a:t>problem with </a:t>
+            </a:r>
+            <a:r>
+              <a:rPr lang="en-US" dirty="0" smtClean="0"/>
+              <a:t>currency locks</a:t>
+            </a:r>
+            <a:endParaRPr lang="en-US" sz="2400" dirty="0"/>
+          </a:p>
+          <a:p>
+            <a:pPr lvl="1">
+              <a:buFont typeface="Arial" panose="020B0604020202020204" pitchFamily="34" charset="0"/>
+              <a:buChar char="•"/>
+            </a:pPr>
+            <a:r>
+              <a:rPr lang="en-US" dirty="0"/>
+              <a:t>Goal: </a:t>
+            </a:r>
+            <a:endParaRPr lang="en-US" sz="2400" dirty="0"/>
+          </a:p>
+          <a:p>
+            <a:pPr lvl="2"/>
+            <a:r>
+              <a:rPr lang="en-US" dirty="0"/>
+              <a:t>people don’t see BTC, just use local fiat currencies to deposit &amp; withdraw </a:t>
+            </a:r>
+            <a:endParaRPr lang="en-US" sz="2000" dirty="0"/>
+          </a:p>
+          <a:p>
+            <a:pPr lvl="2"/>
+            <a:r>
+              <a:rPr lang="en-US" dirty="0"/>
+              <a:t>use a stable currency to hold value better than some </a:t>
+            </a:r>
+            <a:r>
+              <a:rPr lang="en-US" dirty="0" smtClean="0"/>
+              <a:t>fiats</a:t>
+            </a:r>
+            <a:endParaRPr lang="en-US" sz="2000" dirty="0"/>
           </a:p>
         </p:txBody>
       </p:sp>
     </p:spTree>
     <p:extLst>
       <p:ext uri="{BB962C8B-B14F-4D97-AF65-F5344CB8AC3E}">
-        <p14:creationId xmlns:p14="http://schemas.microsoft.com/office/powerpoint/2010/main" val="2023643347"/>
+        <p14:creationId xmlns:p14="http://schemas.microsoft.com/office/powerpoint/2010/main" val="3248894135"/>
       </p:ext>
     </p:extLst>
   </p:cSld>
@@ -3673,92 +3818,119 @@
         <p:spPr/>
         <p:txBody>
           <a:bodyPr>
-            <a:normAutofit fontScale="90000"/>
-          </a:bodyPr>
-          <a:lstStyle/>
-          <a:p>
-            <a:r>
-              <a:rPr lang="en-US" dirty="0"/>
-              <a:t>DAO ensures Transparency, Honesty</a:t>
-            </a:r>
-          </a:p>
-        </p:txBody>
-      </p:sp>
-      <p:sp>
-        <p:nvSpPr>
-          <p:cNvPr id="3" name="Content Placeholder 2"/>
-          <p:cNvSpPr>
-            <a:spLocks noGrp="1"/>
-          </p:cNvSpPr>
-          <p:nvPr>
-            <p:ph idx="1"/>
-          </p:nvPr>
-        </p:nvSpPr>
-        <p:spPr/>
-        <p:txBody>
-          <a:bodyPr>
             <a:normAutofit/>
           </a:bodyPr>
           <a:lstStyle/>
           <a:p>
-            <a:pPr lvl="1">
-              <a:buFont typeface="Arial" panose="020B0604020202020204" pitchFamily="34" charset="0"/>
-              <a:buChar char="•"/>
-            </a:pPr>
-            <a:r>
-              <a:rPr lang="en-US" dirty="0"/>
-              <a:t>Two levels of use</a:t>
+            <a:pPr lvl="0"/>
+            <a:r>
+              <a:rPr lang="en-US" dirty="0"/>
+              <a:t>Follow on Financial </a:t>
+            </a:r>
+            <a:r>
+              <a:rPr lang="en-US" dirty="0" smtClean="0"/>
+              <a:t>Services</a:t>
+            </a:r>
+            <a:endParaRPr lang="en-US" dirty="0"/>
+          </a:p>
+        </p:txBody>
+      </p:sp>
+      <p:sp>
+        <p:nvSpPr>
+          <p:cNvPr id="3" name="Content Placeholder 2"/>
+          <p:cNvSpPr>
+            <a:spLocks noGrp="1"/>
+          </p:cNvSpPr>
+          <p:nvPr>
+            <p:ph idx="1"/>
+          </p:nvPr>
+        </p:nvSpPr>
+        <p:spPr/>
+        <p:txBody>
+          <a:bodyPr/>
+          <a:lstStyle/>
+          <a:p>
+            <a:pPr lvl="1">
+              <a:buFont typeface="Arial" panose="020B0604020202020204" pitchFamily="34" charset="0"/>
+              <a:buChar char="•"/>
+            </a:pPr>
+            <a:r>
+              <a:rPr lang="en-US" dirty="0"/>
+              <a:t>Developing nations</a:t>
             </a:r>
             <a:endParaRPr lang="en-US" sz="2400" dirty="0"/>
           </a:p>
           <a:p>
-            <a:pPr lvl="1">
-              <a:buFont typeface="Arial" panose="020B0604020202020204" pitchFamily="34" charset="0"/>
-              <a:buChar char="•"/>
-            </a:pPr>
-            <a:r>
-              <a:rPr lang="en-US" dirty="0" smtClean="0"/>
-              <a:t>Regular </a:t>
-            </a:r>
-            <a:r>
-              <a:rPr lang="en-US" dirty="0"/>
-              <a:t>user level</a:t>
-            </a:r>
-          </a:p>
-          <a:p>
-            <a:pPr lvl="2"/>
-            <a:r>
-              <a:rPr lang="en-US" dirty="0"/>
-              <a:t>feature phone wallet or credit card</a:t>
-            </a:r>
-            <a:endParaRPr lang="en-US" sz="2200" dirty="0"/>
-          </a:p>
-          <a:p>
-            <a:pPr lvl="2"/>
-            <a:r>
-              <a:rPr lang="en-US" dirty="0"/>
-              <a:t>keeps track of amount in savings &amp; loans</a:t>
-            </a:r>
-            <a:endParaRPr lang="en-US" sz="2200" dirty="0"/>
-          </a:p>
-          <a:p>
-            <a:pPr lvl="2"/>
-            <a:r>
-              <a:rPr lang="en-US" dirty="0"/>
-              <a:t>ideally wallet can be used for payments like </a:t>
-            </a:r>
-            <a:r>
-              <a:rPr lang="en-US" dirty="0" err="1" smtClean="0"/>
-              <a:t>Mpesa</a:t>
-            </a:r>
-            <a:endParaRPr lang="en-US" sz="2200" dirty="0"/>
+            <a:pPr lvl="2"/>
+            <a:r>
+              <a:rPr lang="en-US" dirty="0"/>
+              <a:t>Savings will earn interest</a:t>
+            </a:r>
+            <a:endParaRPr lang="en-US" sz="2000" dirty="0"/>
+          </a:p>
+          <a:p>
+            <a:pPr lvl="3">
+              <a:buFont typeface="Arial" panose="020B0604020202020204" pitchFamily="34" charset="0"/>
+              <a:buChar char="•"/>
+            </a:pPr>
+            <a:r>
+              <a:rPr lang="en-US" dirty="0"/>
+              <a:t>The poor need income smoothing so they can put food on the table year round</a:t>
+            </a:r>
+            <a:endParaRPr lang="en-US" sz="1800" dirty="0"/>
+          </a:p>
+          <a:p>
+            <a:pPr lvl="2"/>
+            <a:r>
+              <a:rPr lang="en-US" dirty="0"/>
+              <a:t>Money can be relent to people in need</a:t>
+            </a:r>
+            <a:endParaRPr lang="en-US" sz="2000" dirty="0"/>
+          </a:p>
+          <a:p>
+            <a:pPr lvl="3">
+              <a:buFont typeface="Arial" panose="020B0604020202020204" pitchFamily="34" charset="0"/>
+              <a:buChar char="•"/>
+            </a:pPr>
+            <a:r>
+              <a:rPr lang="en-US" dirty="0"/>
+              <a:t>Small business loans for farm, shop, etc.</a:t>
+            </a:r>
+            <a:endParaRPr lang="en-US" sz="1800" dirty="0"/>
+          </a:p>
+          <a:p>
+            <a:pPr lvl="3">
+              <a:buFont typeface="Arial" panose="020B0604020202020204" pitchFamily="34" charset="0"/>
+              <a:buChar char="•"/>
+            </a:pPr>
+            <a:r>
+              <a:rPr lang="en-US" dirty="0"/>
+              <a:t>Student </a:t>
+            </a:r>
+            <a:r>
+              <a:rPr lang="en-US" dirty="0" smtClean="0"/>
+              <a:t>loans, health care</a:t>
+            </a:r>
+            <a:endParaRPr lang="en-US" sz="1800" dirty="0"/>
+          </a:p>
+          <a:p>
+            <a:pPr lvl="2"/>
+            <a:r>
+              <a:rPr lang="en-US" dirty="0"/>
+              <a:t>Social fund: A percentage of funds set aside for disbursements for health emergencies, tough times, funerals, etc</a:t>
+            </a:r>
+            <a:r>
+              <a:rPr lang="en-US" dirty="0" smtClean="0"/>
+              <a:t>.</a:t>
+            </a:r>
+            <a:endParaRPr lang="en-US" sz="2000" dirty="0"/>
           </a:p>
         </p:txBody>
       </p:sp>
     </p:spTree>
     <p:extLst>
       <p:ext uri="{BB962C8B-B14F-4D97-AF65-F5344CB8AC3E}">
-        <p14:creationId xmlns:p14="http://schemas.microsoft.com/office/powerpoint/2010/main" val="1072882644"/>
+        <p14:creationId xmlns:p14="http://schemas.microsoft.com/office/powerpoint/2010/main" val="1661380403"/>
       </p:ext>
     </p:extLst>
   </p:cSld>
@@ -3797,21 +3969,14 @@
         </p:nvSpPr>
         <p:spPr/>
         <p:txBody>
-          <a:bodyPr>
-            <a:normAutofit fontScale="90000"/>
-          </a:bodyPr>
+          <a:bodyPr/>
           <a:lstStyle/>
           <a:p>
             <a:pPr lvl="0"/>
             <a:r>
               <a:rPr lang="en-US" dirty="0"/>
-              <a:t>DAO ensures Transparency, </a:t>
-            </a:r>
-            <a:r>
-              <a:rPr lang="en-US" dirty="0" smtClean="0"/>
-              <a:t>Honesty</a:t>
-            </a:r>
-            <a:endParaRPr lang="en-US" dirty="0"/>
+              <a:t>Follow on Financial Services</a:t>
+            </a:r>
           </a:p>
         </p:txBody>
       </p:sp>
@@ -3836,74 +4001,58 @@
             </a:pPr>
             <a:r>
               <a:rPr lang="en-US" dirty="0"/>
-              <a:t>Automated accounting: </a:t>
-            </a:r>
-            <a:r>
-              <a:rPr lang="en-US" dirty="0" err="1"/>
-              <a:t>blockchain</a:t>
-            </a:r>
-            <a:r>
-              <a:rPr lang="en-US" dirty="0"/>
-              <a:t> ledger for account balance, transactions</a:t>
+              <a:t>Developed nations</a:t>
             </a:r>
             <a:endParaRPr lang="en-US" sz="2400" dirty="0"/>
           </a:p>
           <a:p>
-            <a:pPr lvl="1">
-              <a:buFont typeface="Arial" panose="020B0604020202020204" pitchFamily="34" charset="0"/>
-              <a:buChar char="•"/>
-            </a:pPr>
-            <a:r>
-              <a:rPr lang="en-US" dirty="0" err="1"/>
-              <a:t>Multisig</a:t>
-            </a:r>
-            <a:r>
-              <a:rPr lang="en-US" dirty="0"/>
-              <a:t> voting mechanisms can be used to add people to the group, approve loans/disbursements</a:t>
-            </a:r>
-            <a:endParaRPr lang="en-US" sz="2400" dirty="0"/>
-          </a:p>
-          <a:p>
-            <a:pPr lvl="2"/>
-            <a:r>
-              <a:rPr lang="en-US" dirty="0"/>
-              <a:t>Elect a group of ‘elders’</a:t>
+            <a:pPr lvl="2"/>
+            <a:r>
+              <a:rPr lang="en-US" dirty="0"/>
+              <a:t>Local help pool</a:t>
             </a:r>
             <a:endParaRPr lang="en-US" sz="2000" dirty="0"/>
           </a:p>
           <a:p>
-            <a:pPr lvl="2"/>
-            <a:r>
-              <a:rPr lang="en-US" dirty="0" err="1"/>
-              <a:t>Multisig</a:t>
-            </a:r>
-            <a:r>
-              <a:rPr lang="en-US" dirty="0"/>
-              <a:t> &amp; smart contract system helps reduce the chances of thievery</a:t>
+            <a:pPr lvl="3">
+              <a:buFont typeface="Arial" panose="020B0604020202020204" pitchFamily="34" charset="0"/>
+              <a:buChar char="•"/>
+            </a:pPr>
+            <a:r>
+              <a:rPr lang="en-US" dirty="0"/>
+              <a:t>A group of people helping pay each other’s real estate down payments for example</a:t>
+            </a:r>
+            <a:endParaRPr lang="en-US" sz="1800" dirty="0"/>
+          </a:p>
+          <a:p>
+            <a:pPr lvl="3">
+              <a:buFont typeface="Arial" panose="020B0604020202020204" pitchFamily="34" charset="0"/>
+              <a:buChar char="•"/>
+            </a:pPr>
+            <a:r>
+              <a:rPr lang="en-US" dirty="0"/>
+              <a:t>Or student loans</a:t>
+            </a:r>
+            <a:endParaRPr lang="en-US" sz="1800" dirty="0"/>
+          </a:p>
+          <a:p>
+            <a:pPr lvl="2"/>
+            <a:r>
+              <a:rPr lang="en-US" dirty="0"/>
+              <a:t>Local investment </a:t>
+            </a:r>
+            <a:r>
+              <a:rPr lang="en-US" dirty="0" smtClean="0"/>
+              <a:t>pool</a:t>
             </a:r>
             <a:endParaRPr lang="en-US" sz="2000" dirty="0"/>
-          </a:p>
-          <a:p>
-            <a:pPr lvl="1">
-              <a:buFont typeface="Arial" panose="020B0604020202020204" pitchFamily="34" charset="0"/>
-              <a:buChar char="•"/>
-            </a:pPr>
-            <a:r>
-              <a:rPr lang="en-US" dirty="0"/>
-              <a:t>Trust has to be implicit with the members of the </a:t>
-            </a:r>
-            <a:r>
-              <a:rPr lang="en-US" dirty="0" smtClean="0"/>
-              <a:t>group</a:t>
-            </a:r>
-            <a:endParaRPr lang="en-US" sz="2400" dirty="0"/>
           </a:p>
         </p:txBody>
       </p:sp>
     </p:spTree>
     <p:extLst>
       <p:ext uri="{BB962C8B-B14F-4D97-AF65-F5344CB8AC3E}">
-        <p14:creationId xmlns:p14="http://schemas.microsoft.com/office/powerpoint/2010/main" val="2886052401"/>
+        <p14:creationId xmlns:p14="http://schemas.microsoft.com/office/powerpoint/2010/main" val="4156607300"/>
       </p:ext>
     </p:extLst>
   </p:cSld>
@@ -3943,18 +4092,34 @@
         <p:spPr/>
         <p:txBody>
           <a:bodyPr>
-            <a:normAutofit/>
+            <a:normAutofit fontScale="90000"/>
           </a:bodyPr>
           <a:lstStyle/>
           <a:p>
             <a:pPr lvl="0"/>
             <a:r>
               <a:rPr lang="en-US" dirty="0"/>
-              <a:t>Account </a:t>
-            </a:r>
-            <a:r>
-              <a:rPr lang="en-US" dirty="0" smtClean="0"/>
-              <a:t>Structure</a:t>
+              <a:t>DAO </a:t>
+            </a:r>
+            <a:r>
+              <a:rPr lang="en-US" dirty="0" smtClean="0"/>
+              <a:t>ensures </a:t>
+            </a:r>
+            <a:r>
+              <a:rPr lang="en-US" dirty="0"/>
+              <a:t>T</a:t>
+            </a:r>
+            <a:r>
+              <a:rPr lang="en-US" dirty="0" smtClean="0"/>
+              <a:t>ransparency</a:t>
+            </a:r>
+            <a:r>
+              <a:rPr lang="en-US" dirty="0"/>
+              <a:t>, </a:t>
+            </a:r>
+            <a:r>
+              <a:rPr lang="en-US" dirty="0" smtClean="0"/>
+              <a:t>Honesty</a:t>
             </a:r>
             <a:endParaRPr lang="en-US" dirty="0"/>
           </a:p>
@@ -3973,7 +4138,7 @@
         <p:spPr/>
         <p:txBody>
           <a:bodyPr>
-            <a:normAutofit lnSpcReduction="10000"/>
+            <a:normAutofit fontScale="92500" lnSpcReduction="20000"/>
           </a:bodyPr>
           <a:lstStyle/>
           <a:p>
@@ -3982,45 +4147,29 @@
               <a:buChar char="•"/>
             </a:pPr>
             <a:r>
-              <a:rPr lang="en-US" dirty="0"/>
-              <a:t>Savings</a:t>
-            </a:r>
-            <a:endParaRPr lang="en-US" sz="2400" dirty="0"/>
-          </a:p>
-          <a:p>
-            <a:pPr lvl="2"/>
-            <a:r>
-              <a:rPr lang="en-US" dirty="0"/>
-              <a:t>interest bearing accounts</a:t>
-            </a:r>
-            <a:endParaRPr lang="en-US" sz="2000" dirty="0"/>
-          </a:p>
-          <a:p>
-            <a:pPr lvl="1">
-              <a:buFont typeface="Arial" panose="020B0604020202020204" pitchFamily="34" charset="0"/>
-              <a:buChar char="•"/>
-            </a:pPr>
-            <a:r>
-              <a:rPr lang="en-US" dirty="0"/>
-              <a:t>Loans</a:t>
-            </a:r>
-            <a:endParaRPr lang="en-US" sz="2400" dirty="0"/>
-          </a:p>
-          <a:p>
-            <a:pPr lvl="2"/>
-            <a:r>
-              <a:rPr lang="en-US" dirty="0"/>
-              <a:t>Savers can borrow up to X times their savings</a:t>
-            </a:r>
-            <a:endParaRPr lang="en-US" sz="2000" dirty="0"/>
-          </a:p>
-          <a:p>
-            <a:pPr lvl="2"/>
-            <a:r>
-              <a:rPr lang="en-US" dirty="0"/>
-              <a:t>Village elders can lend up to X% of pool?</a:t>
-            </a:r>
-            <a:endParaRPr lang="en-US" sz="2000" dirty="0"/>
+              <a:rPr lang="en-US" dirty="0" smtClean="0"/>
+              <a:t>Financial </a:t>
+            </a:r>
+            <a:r>
+              <a:rPr lang="en-US" dirty="0"/>
+              <a:t>advisor level</a:t>
+            </a:r>
+          </a:p>
+          <a:p>
+            <a:pPr lvl="2"/>
+            <a:r>
+              <a:rPr lang="en-US" dirty="0"/>
+              <a:t>sophisticated computer/smart phone access, full banking privileges</a:t>
+            </a:r>
+            <a:endParaRPr lang="en-US" sz="2200" dirty="0"/>
+          </a:p>
+          <a:p>
+            <a:pPr lvl="2"/>
+            <a:r>
+              <a:rPr lang="en-US" b="1" dirty="0"/>
+              <a:t>needs to meet with each villager every week to track progress</a:t>
+            </a:r>
+            <a:endParaRPr lang="en-US" sz="2200" dirty="0"/>
           </a:p>
           <a:p>
             <a:pPr lvl="3">
@@ -4029,7 +4178,7 @@
             </a:pPr>
             <a:r>
               <a:rPr lang="en-US" dirty="0"/>
-              <a:t>X determined by village</a:t>
+              <a:t>“tech is the easy part, the human component is the hard part”</a:t>
             </a:r>
             <a:endParaRPr lang="en-US" sz="1800" dirty="0"/>
           </a:p>
@@ -4040,43 +4189,58 @@
             </a:pPr>
             <a:r>
               <a:rPr lang="en-US" dirty="0"/>
-              <a:t>What about bank runs?</a:t>
+              <a:t>The human element facilitates loan repayment &amp; is essential; the tech portion just makes the entire process easier</a:t>
             </a:r>
             <a:endParaRPr lang="en-US" sz="1800" dirty="0"/>
           </a:p>
           <a:p>
-            <a:pPr lvl="1">
-              <a:buFont typeface="Arial" panose="020B0604020202020204" pitchFamily="34" charset="0"/>
-              <a:buChar char="•"/>
-            </a:pPr>
-            <a:r>
-              <a:rPr lang="en-US" dirty="0"/>
-              <a:t>Social fund: emergency disbursements</a:t>
-            </a:r>
-            <a:endParaRPr lang="en-US" sz="2400" dirty="0"/>
-          </a:p>
-          <a:p>
-            <a:pPr lvl="2"/>
-            <a:r>
-              <a:rPr lang="en-US" dirty="0"/>
-              <a:t>X% of pool set aside for emergency disbursements like health emergencies, hard time fund, funerals</a:t>
-            </a:r>
-            <a:endParaRPr lang="en-US" sz="2000" dirty="0"/>
-          </a:p>
-          <a:p>
-            <a:pPr lvl="2"/>
-            <a:r>
-              <a:rPr lang="en-US" dirty="0" smtClean="0"/>
-              <a:t>Optional</a:t>
-            </a:r>
-            <a:endParaRPr lang="en-US" sz="2000" dirty="0"/>
+            <a:pPr lvl="2"/>
+            <a:r>
+              <a:rPr lang="en-US" dirty="0"/>
+              <a:t>provides educational component</a:t>
+            </a:r>
+            <a:endParaRPr lang="en-US" sz="2200" dirty="0"/>
+          </a:p>
+          <a:p>
+            <a:pPr lvl="3">
+              <a:buFont typeface="Arial" panose="020B0604020202020204" pitchFamily="34" charset="0"/>
+              <a:buChar char="•"/>
+            </a:pPr>
+            <a:r>
+              <a:rPr lang="en-US" dirty="0"/>
+              <a:t>definite need for financial education, developmental services</a:t>
+            </a:r>
+            <a:endParaRPr lang="en-US" sz="1800" dirty="0"/>
+          </a:p>
+          <a:p>
+            <a:pPr lvl="3">
+              <a:buFont typeface="Arial" panose="020B0604020202020204" pitchFamily="34" charset="0"/>
+              <a:buChar char="•"/>
+            </a:pPr>
+            <a:r>
+              <a:rPr lang="en-US" dirty="0"/>
+              <a:t>health services: constant reminders in text &amp; voice for pregnant women, guidance on food</a:t>
+            </a:r>
+            <a:endParaRPr lang="en-US" sz="1800" dirty="0"/>
+          </a:p>
+          <a:p>
+            <a:pPr lvl="2"/>
+            <a:r>
+              <a:rPr lang="en-US" dirty="0"/>
+              <a:t>last mile fiat exchange? Ripple/stellar ‘gateway’? lockbox/safe for cash</a:t>
+            </a:r>
+            <a:r>
+              <a:rPr lang="en-US" dirty="0" smtClean="0"/>
+              <a:t>?</a:t>
+            </a:r>
+            <a:endParaRPr lang="en-US" sz="2200" dirty="0"/>
           </a:p>
         </p:txBody>
       </p:sp>
     </p:spTree>
     <p:extLst>
       <p:ext uri="{BB962C8B-B14F-4D97-AF65-F5344CB8AC3E}">
-        <p14:creationId xmlns:p14="http://schemas.microsoft.com/office/powerpoint/2010/main" val="1995850060"/>
+        <p14:creationId xmlns:p14="http://schemas.microsoft.com/office/powerpoint/2010/main" val="2023643347"/>
       </p:ext>
     </p:extLst>
   </p:cSld>
@@ -4115,13 +4279,14 @@
         </p:nvSpPr>
         <p:spPr/>
         <p:txBody>
-          <a:bodyPr/>
-          <a:lstStyle/>
-          <a:p>
-            <a:pPr lvl="0"/>
-            <a:r>
-              <a:rPr lang="en-US" dirty="0"/>
-              <a:t>Bank Structure</a:t>
+          <a:bodyPr>
+            <a:normAutofit fontScale="90000"/>
+          </a:bodyPr>
+          <a:lstStyle/>
+          <a:p>
+            <a:r>
+              <a:rPr lang="en-US" dirty="0"/>
+              <a:t>DAO ensures Transparency, Honesty</a:t>
             </a:r>
           </a:p>
         </p:txBody>
@@ -4138,80 +4303,69 @@
         </p:nvSpPr>
         <p:spPr/>
         <p:txBody>
-          <a:bodyPr/>
-          <a:lstStyle/>
-          <a:p>
-            <a:pPr lvl="1">
-              <a:buFont typeface="Arial" panose="020B0604020202020204" pitchFamily="34" charset="0"/>
-              <a:buChar char="•"/>
-            </a:pPr>
-            <a:r>
-              <a:rPr lang="en-US" dirty="0"/>
-              <a:t>Savers</a:t>
+          <a:bodyPr>
+            <a:normAutofit/>
+          </a:bodyPr>
+          <a:lstStyle/>
+          <a:p>
+            <a:pPr lvl="1">
+              <a:buFont typeface="Arial" panose="020B0604020202020204" pitchFamily="34" charset="0"/>
+              <a:buChar char="•"/>
+            </a:pPr>
+            <a:r>
+              <a:rPr lang="en-US" dirty="0"/>
+              <a:t>Two levels of use</a:t>
             </a:r>
             <a:endParaRPr lang="en-US" sz="2400" dirty="0"/>
           </a:p>
           <a:p>
-            <a:pPr lvl="2"/>
-            <a:r>
-              <a:rPr lang="en-US" dirty="0"/>
-              <a:t>Can vote for elders</a:t>
-            </a:r>
-            <a:endParaRPr lang="en-US" sz="2000" dirty="0"/>
-          </a:p>
-          <a:p>
-            <a:pPr lvl="2"/>
-            <a:r>
-              <a:rPr lang="en-US" dirty="0"/>
-              <a:t>Savings provided X% interest</a:t>
-            </a:r>
-            <a:endParaRPr lang="en-US" sz="2000" dirty="0"/>
-          </a:p>
-          <a:p>
-            <a:pPr lvl="2"/>
-            <a:r>
-              <a:rPr lang="en-US" dirty="0"/>
-              <a:t>Can request loans, disbursements</a:t>
-            </a:r>
-            <a:endParaRPr lang="en-US" sz="2000" dirty="0"/>
-          </a:p>
-          <a:p>
-            <a:pPr lvl="3">
-              <a:buFont typeface="Arial" panose="020B0604020202020204" pitchFamily="34" charset="0"/>
-              <a:buChar char="•"/>
-            </a:pPr>
-            <a:r>
-              <a:rPr lang="en-US" dirty="0"/>
-              <a:t>Savers can borrow up to ?x of their savings at Y% interest</a:t>
-            </a:r>
-            <a:endParaRPr lang="en-US" sz="1800" dirty="0"/>
-          </a:p>
-          <a:p>
-            <a:pPr lvl="2"/>
-            <a:r>
-              <a:rPr lang="en-US" dirty="0"/>
-              <a:t>Some random non-elder savers for </a:t>
-            </a:r>
-            <a:r>
-              <a:rPr lang="en-US" dirty="0" err="1"/>
-              <a:t>multisig</a:t>
-            </a:r>
-            <a:r>
-              <a:rPr lang="en-US" dirty="0"/>
-              <a:t> </a:t>
-            </a:r>
-            <a:r>
-              <a:rPr lang="en-US" dirty="0" smtClean="0"/>
-              <a:t>transactions</a:t>
-            </a:r>
-            <a:endParaRPr lang="en-US" sz="2000" dirty="0"/>
+            <a:pPr lvl="1">
+              <a:buFont typeface="Arial" panose="020B0604020202020204" pitchFamily="34" charset="0"/>
+              <a:buChar char="•"/>
+            </a:pPr>
+            <a:r>
+              <a:rPr lang="en-US" dirty="0" smtClean="0"/>
+              <a:t>Regular </a:t>
+            </a:r>
+            <a:r>
+              <a:rPr lang="en-US" dirty="0"/>
+              <a:t>user level</a:t>
+            </a:r>
+          </a:p>
+          <a:p>
+            <a:pPr lvl="2"/>
+            <a:r>
+              <a:rPr lang="en-US" dirty="0"/>
+              <a:t>feature phone wallet or credit card</a:t>
+            </a:r>
+            <a:endParaRPr lang="en-US" sz="2200" dirty="0"/>
+          </a:p>
+          <a:p>
+            <a:pPr lvl="2"/>
+            <a:r>
+              <a:rPr lang="en-US" dirty="0"/>
+              <a:t>keeps track of amount in savings &amp; loans</a:t>
+            </a:r>
+            <a:endParaRPr lang="en-US" sz="2200" dirty="0"/>
+          </a:p>
+          <a:p>
+            <a:pPr lvl="2"/>
+            <a:r>
+              <a:rPr lang="en-US" dirty="0"/>
+              <a:t>ideally wallet can be used for payments like </a:t>
+            </a:r>
+            <a:r>
+              <a:rPr lang="en-US" dirty="0" err="1" smtClean="0"/>
+              <a:t>Mpesa</a:t>
+            </a:r>
+            <a:endParaRPr lang="en-US" sz="2200" dirty="0"/>
           </a:p>
         </p:txBody>
       </p:sp>
     </p:spTree>
     <p:extLst>
       <p:ext uri="{BB962C8B-B14F-4D97-AF65-F5344CB8AC3E}">
-        <p14:creationId xmlns:p14="http://schemas.microsoft.com/office/powerpoint/2010/main" val="1051123520"/>
+        <p14:creationId xmlns:p14="http://schemas.microsoft.com/office/powerpoint/2010/main" val="1072882644"/>
       </p:ext>
     </p:extLst>
   </p:cSld>
@@ -4251,18 +4405,18 @@
         <p:spPr/>
         <p:txBody>
           <a:bodyPr>
-            <a:normAutofit/>
+            <a:normAutofit fontScale="90000"/>
           </a:bodyPr>
           <a:lstStyle/>
           <a:p>
             <a:pPr lvl="0"/>
             <a:r>
               <a:rPr lang="en-US" dirty="0"/>
-              <a:t>Bank </a:t>
-            </a:r>
-            <a:r>
-              <a:rPr lang="en-US" dirty="0" smtClean="0"/>
-              <a:t>Structure</a:t>
+              <a:t>DAO ensures Transparency, </a:t>
+            </a:r>
+            <a:r>
+              <a:rPr lang="en-US" dirty="0" smtClean="0"/>
+              <a:t>Honesty</a:t>
             </a:r>
             <a:endParaRPr lang="en-US" dirty="0"/>
           </a:p>
@@ -4289,107 +4443,74 @@
             </a:pPr>
             <a:r>
               <a:rPr lang="en-US" dirty="0"/>
-              <a:t>Elders</a:t>
+              <a:t>Automated accounting: </a:t>
+            </a:r>
+            <a:r>
+              <a:rPr lang="en-US" dirty="0" err="1"/>
+              <a:t>blockchain</a:t>
+            </a:r>
+            <a:r>
+              <a:rPr lang="en-US" dirty="0"/>
+              <a:t> ledger for account balance, transactions</a:t>
             </a:r>
             <a:endParaRPr lang="en-US" sz="2400" dirty="0"/>
           </a:p>
           <a:p>
-            <a:pPr lvl="2"/>
-            <a:r>
-              <a:rPr lang="en-US" dirty="0"/>
-              <a:t>Must be a saver, anyone can vote for</a:t>
+            <a:pPr lvl="1">
+              <a:buFont typeface="Arial" panose="020B0604020202020204" pitchFamily="34" charset="0"/>
+              <a:buChar char="•"/>
+            </a:pPr>
+            <a:r>
+              <a:rPr lang="en-US" dirty="0" err="1"/>
+              <a:t>Multisig</a:t>
+            </a:r>
+            <a:r>
+              <a:rPr lang="en-US" dirty="0"/>
+              <a:t> voting mechanisms can be used to add people to the group, approve loans/disbursements</a:t>
+            </a:r>
+            <a:endParaRPr lang="en-US" sz="2400" dirty="0"/>
+          </a:p>
+          <a:p>
+            <a:pPr lvl="2"/>
+            <a:r>
+              <a:rPr lang="en-US" dirty="0"/>
+              <a:t>Elect a group of ‘elders’</a:t>
             </a:r>
             <a:endParaRPr lang="en-US" sz="2000" dirty="0"/>
           </a:p>
           <a:p>
             <a:pPr lvl="2"/>
             <a:r>
-              <a:rPr lang="en-US" dirty="0"/>
-              <a:t>Can possibly specify different roles among the elders: President, Secretary, Treasurer, etc.</a:t>
+              <a:rPr lang="en-US" dirty="0" err="1"/>
+              <a:t>Multisig</a:t>
+            </a:r>
+            <a:r>
+              <a:rPr lang="en-US" dirty="0"/>
+              <a:t> &amp; smart contract system helps reduce the chances of thievery</a:t>
             </a:r>
             <a:endParaRPr lang="en-US" sz="2000" dirty="0"/>
           </a:p>
           <a:p>
-            <a:pPr lvl="2"/>
-            <a:r>
-              <a:rPr lang="en-US" dirty="0"/>
-              <a:t>Financial advisor job</a:t>
-            </a:r>
-            <a:endParaRPr lang="en-US" sz="2000" dirty="0"/>
-          </a:p>
-          <a:p>
-            <a:pPr lvl="3">
-              <a:buFont typeface="Arial" panose="020B0604020202020204" pitchFamily="34" charset="0"/>
-              <a:buChar char="•"/>
-            </a:pPr>
-            <a:r>
-              <a:rPr lang="en-US" dirty="0"/>
-              <a:t>Needs all elder’s signatures to approve transactions?</a:t>
-            </a:r>
-            <a:endParaRPr lang="en-US" sz="1800" dirty="0"/>
-          </a:p>
-          <a:p>
-            <a:pPr lvl="3">
-              <a:buFont typeface="Arial" panose="020B0604020202020204" pitchFamily="34" charset="0"/>
-              <a:buChar char="•"/>
-            </a:pPr>
-            <a:r>
-              <a:rPr lang="en-US" dirty="0"/>
-              <a:t>Gets paid?</a:t>
-            </a:r>
-            <a:endParaRPr lang="en-US" sz="1800" dirty="0"/>
-          </a:p>
-          <a:p>
-            <a:pPr lvl="2"/>
-            <a:r>
-              <a:rPr lang="en-US" dirty="0"/>
-              <a:t>Bank leadership &amp; guidance</a:t>
-            </a:r>
-            <a:endParaRPr lang="en-US" sz="2000" dirty="0"/>
-          </a:p>
-          <a:p>
-            <a:pPr lvl="3">
-              <a:buFont typeface="Arial" panose="020B0604020202020204" pitchFamily="34" charset="0"/>
-              <a:buChar char="•"/>
-            </a:pPr>
-            <a:r>
-              <a:rPr lang="en-US" dirty="0"/>
-              <a:t>Sets interest rates on savings accounts &amp; loans</a:t>
-            </a:r>
-            <a:endParaRPr lang="en-US" sz="1800" dirty="0"/>
-          </a:p>
-          <a:p>
-            <a:pPr lvl="3">
-              <a:buFont typeface="Arial" panose="020B0604020202020204" pitchFamily="34" charset="0"/>
-              <a:buChar char="•"/>
-            </a:pPr>
-            <a:r>
-              <a:rPr lang="en-US" dirty="0"/>
-              <a:t>Due diligence on loan, disbursement requests</a:t>
-            </a:r>
-            <a:endParaRPr lang="en-US" sz="1800" dirty="0"/>
-          </a:p>
-          <a:p>
-            <a:pPr lvl="3">
-              <a:buFont typeface="Arial" panose="020B0604020202020204" pitchFamily="34" charset="0"/>
-              <a:buChar char="•"/>
-            </a:pPr>
-            <a:r>
-              <a:rPr lang="en-US" dirty="0"/>
-              <a:t>Researches other investment opportunities for pooled </a:t>
-            </a:r>
-            <a:r>
-              <a:rPr lang="en-US" dirty="0" smtClean="0"/>
-              <a:t>money</a:t>
-            </a:r>
-            <a:endParaRPr lang="en-US" sz="1800" dirty="0"/>
+            <a:pPr lvl="1">
+              <a:buFont typeface="Arial" panose="020B0604020202020204" pitchFamily="34" charset="0"/>
+              <a:buChar char="•"/>
+            </a:pPr>
+            <a:r>
+              <a:rPr lang="en-US" dirty="0"/>
+              <a:t>Trust has to be implicit with the members of the </a:t>
+            </a:r>
+            <a:r>
+              <a:rPr lang="en-US" dirty="0" smtClean="0"/>
+              <a:t>group</a:t>
+            </a:r>
+            <a:endParaRPr lang="en-US" sz="2400" dirty="0"/>
           </a:p>
         </p:txBody>
       </p:sp>
     </p:spTree>
     <p:extLst>
       <p:ext uri="{BB962C8B-B14F-4D97-AF65-F5344CB8AC3E}">
-        <p14:creationId xmlns:p14="http://schemas.microsoft.com/office/powerpoint/2010/main" val="1731647752"/>
+        <p14:creationId xmlns:p14="http://schemas.microsoft.com/office/powerpoint/2010/main" val="2886052401"/>
       </p:ext>
     </p:extLst>
   </p:cSld>
@@ -4429,18 +4550,18 @@
         <p:spPr/>
         <p:txBody>
           <a:bodyPr>
-            <a:normAutofit fontScale="90000"/>
+            <a:normAutofit/>
           </a:bodyPr>
           <a:lstStyle/>
           <a:p>
             <a:pPr lvl="0"/>
             <a:r>
               <a:rPr lang="en-US" dirty="0"/>
-              <a:t>Village Bank Programmable Rule </a:t>
-            </a:r>
-            <a:r>
-              <a:rPr lang="en-US" dirty="0" smtClean="0"/>
-              <a:t>Set</a:t>
+              <a:t>Account </a:t>
+            </a:r>
+            <a:r>
+              <a:rPr lang="en-US" dirty="0" smtClean="0"/>
+              <a:t>Structure</a:t>
             </a:r>
             <a:endParaRPr lang="en-US" dirty="0"/>
           </a:p>
@@ -4459,7 +4580,7 @@
         <p:spPr/>
         <p:txBody>
           <a:bodyPr>
-            <a:normAutofit fontScale="92500" lnSpcReduction="20000"/>
+            <a:normAutofit lnSpcReduction="10000"/>
           </a:bodyPr>
           <a:lstStyle/>
           <a:p>
@@ -4469,137 +4590,100 @@
             </a:pPr>
             <a:r>
               <a:rPr lang="en-US" dirty="0"/>
-              <a:t>Minimum number of savers</a:t>
+              <a:t>Savings</a:t>
             </a:r>
             <a:endParaRPr lang="en-US" sz="2400" dirty="0"/>
           </a:p>
           <a:p>
-            <a:pPr lvl="1">
-              <a:buFont typeface="Arial" panose="020B0604020202020204" pitchFamily="34" charset="0"/>
-              <a:buChar char="•"/>
-            </a:pPr>
-            <a:r>
-              <a:rPr lang="en-US" dirty="0"/>
-              <a:t>New saver approval rules</a:t>
+            <a:pPr lvl="2"/>
+            <a:r>
+              <a:rPr lang="en-US" dirty="0"/>
+              <a:t>interest bearing accounts</a:t>
+            </a:r>
+            <a:endParaRPr lang="en-US" sz="2000" dirty="0"/>
+          </a:p>
+          <a:p>
+            <a:pPr lvl="1">
+              <a:buFont typeface="Arial" panose="020B0604020202020204" pitchFamily="34" charset="0"/>
+              <a:buChar char="•"/>
+            </a:pPr>
+            <a:r>
+              <a:rPr lang="en-US" dirty="0"/>
+              <a:t>Loans</a:t>
             </a:r>
             <a:endParaRPr lang="en-US" sz="2400" dirty="0"/>
           </a:p>
           <a:p>
-            <a:pPr lvl="1">
-              <a:buFont typeface="Arial" panose="020B0604020202020204" pitchFamily="34" charset="0"/>
-              <a:buChar char="•"/>
-            </a:pPr>
-            <a:r>
-              <a:rPr lang="en-US" dirty="0"/>
-              <a:t>Number of elders, length of service</a:t>
+            <a:pPr lvl="2"/>
+            <a:r>
+              <a:rPr lang="en-US" dirty="0"/>
+              <a:t>Savers can borrow up to X times their savings</a:t>
+            </a:r>
+            <a:endParaRPr lang="en-US" sz="2000" dirty="0"/>
+          </a:p>
+          <a:p>
+            <a:pPr lvl="2"/>
+            <a:r>
+              <a:rPr lang="en-US" dirty="0"/>
+              <a:t>Village elders can lend up to X% of pool?</a:t>
+            </a:r>
+            <a:endParaRPr lang="en-US" sz="2000" dirty="0"/>
+          </a:p>
+          <a:p>
+            <a:pPr lvl="3">
+              <a:buFont typeface="Arial" panose="020B0604020202020204" pitchFamily="34" charset="0"/>
+              <a:buChar char="•"/>
+            </a:pPr>
+            <a:r>
+              <a:rPr lang="en-US" dirty="0"/>
+              <a:t>X determined by village</a:t>
+            </a:r>
+            <a:endParaRPr lang="en-US" sz="1800" dirty="0"/>
+          </a:p>
+          <a:p>
+            <a:pPr lvl="3">
+              <a:buFont typeface="Arial" panose="020B0604020202020204" pitchFamily="34" charset="0"/>
+              <a:buChar char="•"/>
+            </a:pPr>
+            <a:r>
+              <a:rPr lang="en-US" dirty="0"/>
+              <a:t>What about bank runs?</a:t>
+            </a:r>
+            <a:endParaRPr lang="en-US" sz="1800" dirty="0"/>
+          </a:p>
+          <a:p>
+            <a:pPr lvl="1">
+              <a:buFont typeface="Arial" panose="020B0604020202020204" pitchFamily="34" charset="0"/>
+              <a:buChar char="•"/>
+            </a:pPr>
+            <a:r>
+              <a:rPr lang="en-US" dirty="0"/>
+              <a:t>Social fund: emergency disbursements</a:t>
             </a:r>
             <a:endParaRPr lang="en-US" sz="2400" dirty="0"/>
           </a:p>
           <a:p>
-            <a:pPr lvl="1">
-              <a:buFont typeface="Arial" panose="020B0604020202020204" pitchFamily="34" charset="0"/>
-              <a:buChar char="•"/>
-            </a:pPr>
-            <a:r>
-              <a:rPr lang="en-US" dirty="0"/>
-              <a:t>Election rules</a:t>
-            </a:r>
-            <a:endParaRPr lang="en-US" sz="2400" dirty="0"/>
-          </a:p>
-          <a:p>
-            <a:pPr lvl="2"/>
-            <a:r>
-              <a:rPr lang="en-US" dirty="0"/>
-              <a:t>Rules for voting in elders, etc.</a:t>
+            <a:pPr lvl="2"/>
+            <a:r>
+              <a:rPr lang="en-US" dirty="0"/>
+              <a:t>X% of pool set aside for emergency disbursements like health emergencies, hard time fund, funerals</a:t>
             </a:r>
             <a:endParaRPr lang="en-US" sz="2000" dirty="0"/>
           </a:p>
           <a:p>
             <a:pPr lvl="2"/>
             <a:r>
-              <a:rPr lang="en-US" dirty="0"/>
-              <a:t>Annual elections?</a:t>
+              <a:rPr lang="en-US" dirty="0" smtClean="0"/>
+              <a:t>Optional</a:t>
             </a:r>
             <a:endParaRPr lang="en-US" sz="2000" dirty="0"/>
-          </a:p>
-          <a:p>
-            <a:pPr lvl="1">
-              <a:buFont typeface="Arial" panose="020B0604020202020204" pitchFamily="34" charset="0"/>
-              <a:buChar char="•"/>
-            </a:pPr>
-            <a:r>
-              <a:rPr lang="en-US" dirty="0"/>
-              <a:t>How often does each group meet?</a:t>
-            </a:r>
-            <a:endParaRPr lang="en-US" sz="2400" dirty="0"/>
-          </a:p>
-          <a:p>
-            <a:pPr lvl="1">
-              <a:buFont typeface="Arial" panose="020B0604020202020204" pitchFamily="34" charset="0"/>
-              <a:buChar char="•"/>
-            </a:pPr>
-            <a:r>
-              <a:rPr lang="en-US" dirty="0"/>
-              <a:t>Store meeting notes on the </a:t>
-            </a:r>
-            <a:r>
-              <a:rPr lang="en-US" dirty="0" err="1"/>
-              <a:t>blockchain</a:t>
-            </a:r>
-            <a:r>
-              <a:rPr lang="en-US" dirty="0"/>
-              <a:t>?</a:t>
-            </a:r>
-            <a:endParaRPr lang="en-US" sz="2400" dirty="0"/>
-          </a:p>
-          <a:p>
-            <a:pPr lvl="1">
-              <a:buFont typeface="Arial" panose="020B0604020202020204" pitchFamily="34" charset="0"/>
-              <a:buChar char="•"/>
-            </a:pPr>
-            <a:r>
-              <a:rPr lang="en-US" dirty="0" err="1"/>
-              <a:t>Multisig</a:t>
-            </a:r>
-            <a:r>
-              <a:rPr lang="en-US" dirty="0"/>
-              <a:t> </a:t>
-            </a:r>
-            <a:r>
-              <a:rPr lang="en-US" dirty="0" smtClean="0"/>
-              <a:t>rules; secured, </a:t>
-            </a:r>
-            <a:r>
-              <a:rPr lang="en-US" smtClean="0"/>
-              <a:t>shared wallets (copay?); </a:t>
-            </a:r>
-            <a:r>
-              <a:rPr lang="en-US" dirty="0" smtClean="0"/>
-              <a:t>individual wallets </a:t>
-            </a:r>
-            <a:endParaRPr lang="en-US" sz="2400" dirty="0"/>
-          </a:p>
-          <a:p>
-            <a:pPr lvl="1">
-              <a:buFont typeface="Arial" panose="020B0604020202020204" pitchFamily="34" charset="0"/>
-              <a:buChar char="•"/>
-            </a:pPr>
-            <a:r>
-              <a:rPr lang="en-US" dirty="0"/>
-              <a:t>Need reputation, voting system for </a:t>
-            </a:r>
-            <a:r>
-              <a:rPr lang="en-US" dirty="0" smtClean="0"/>
-              <a:t>people</a:t>
-            </a:r>
-            <a:endParaRPr lang="en-US" sz="2400" dirty="0"/>
           </a:p>
         </p:txBody>
       </p:sp>
     </p:spTree>
     <p:extLst>
       <p:ext uri="{BB962C8B-B14F-4D97-AF65-F5344CB8AC3E}">
-        <p14:creationId xmlns:p14="http://schemas.microsoft.com/office/powerpoint/2010/main" val="4284685526"/>
+        <p14:creationId xmlns:p14="http://schemas.microsoft.com/office/powerpoint/2010/main" val="1995850060"/>
       </p:ext>
     </p:extLst>
   </p:cSld>
@@ -4638,15 +4722,13 @@
         </p:nvSpPr>
         <p:spPr/>
         <p:txBody>
-          <a:bodyPr>
-            <a:normAutofit fontScale="90000"/>
-          </a:bodyPr>
+          <a:bodyPr/>
           <a:lstStyle/>
           <a:p>
             <a:pPr lvl="0"/>
             <a:r>
               <a:rPr lang="en-US" dirty="0"/>
-              <a:t>Village Bank Programmable Rule Set</a:t>
+              <a:t>Bank Structure</a:t>
             </a:r>
           </a:p>
         </p:txBody>
@@ -4663,37 +4745,24 @@
         </p:nvSpPr>
         <p:spPr/>
         <p:txBody>
-          <a:bodyPr>
-            <a:normAutofit fontScale="92500" lnSpcReduction="20000"/>
-          </a:bodyPr>
-          <a:lstStyle/>
-          <a:p>
-            <a:pPr lvl="1">
-              <a:buFont typeface="Arial" panose="020B0604020202020204" pitchFamily="34" charset="0"/>
-              <a:buChar char="•"/>
-            </a:pPr>
-            <a:r>
-              <a:rPr lang="en-US" dirty="0"/>
-              <a:t>Interest rate for savings account</a:t>
+          <a:bodyPr/>
+          <a:lstStyle/>
+          <a:p>
+            <a:pPr lvl="1">
+              <a:buFont typeface="Arial" panose="020B0604020202020204" pitchFamily="34" charset="0"/>
+              <a:buChar char="•"/>
+            </a:pPr>
+            <a:r>
+              <a:rPr lang="en-US" dirty="0"/>
+              <a:t>Savers</a:t>
             </a:r>
             <a:endParaRPr lang="en-US" sz="2400" dirty="0"/>
           </a:p>
           <a:p>
-            <a:pPr lvl="1">
-              <a:buFont typeface="Arial" panose="020B0604020202020204" pitchFamily="34" charset="0"/>
-              <a:buChar char="•"/>
-            </a:pPr>
-            <a:r>
-              <a:rPr lang="en-US" dirty="0"/>
-              <a:t>Loan rules</a:t>
-            </a:r>
-            <a:endParaRPr lang="en-US" sz="2400" dirty="0"/>
-          </a:p>
-          <a:p>
-            <a:pPr lvl="2"/>
-            <a:r>
-              <a:rPr lang="en-US" dirty="0"/>
-              <a:t>Length of loan</a:t>
+            <a:pPr lvl="2"/>
+            <a:r>
+              <a:rPr lang="en-US" dirty="0"/>
+              <a:t>Can vote for elders</a:t>
             </a:r>
             <a:endParaRPr lang="en-US" sz="2000" dirty="0"/>
           </a:p>
@@ -4701,7 +4770,7 @@
             <a:pPr lvl="2"/>
             <a:r>
               <a:rPr lang="en-US" dirty="0"/>
-              <a:t>Repayment schedule</a:t>
+              <a:t>Savings provided X% interest</a:t>
             </a:r>
             <a:endParaRPr lang="en-US" sz="2000" dirty="0"/>
           </a:p>
@@ -4709,80 +4778,47 @@
             <a:pPr lvl="2"/>
             <a:r>
               <a:rPr lang="en-US" dirty="0"/>
-              <a:t>Min/max loan amount</a:t>
+              <a:t>Can request loans, disbursements</a:t>
             </a:r>
             <a:endParaRPr lang="en-US" sz="2000" dirty="0"/>
           </a:p>
           <a:p>
-            <a:pPr lvl="2"/>
-            <a:r>
-              <a:rPr lang="en-US" dirty="0"/>
-              <a:t>Interest rate</a:t>
+            <a:pPr lvl="3">
+              <a:buFont typeface="Arial" panose="020B0604020202020204" pitchFamily="34" charset="0"/>
+              <a:buChar char="•"/>
+            </a:pPr>
+            <a:r>
+              <a:rPr lang="en-US" dirty="0"/>
+              <a:t>Savers can borrow up to ?x of their savings at Y% interest</a:t>
+            </a:r>
+            <a:endParaRPr lang="en-US" sz="1800" dirty="0"/>
+          </a:p>
+          <a:p>
+            <a:pPr lvl="2"/>
+            <a:r>
+              <a:rPr lang="en-US" dirty="0"/>
+              <a:t>Some random non-elder savers for </a:t>
+            </a:r>
+            <a:r>
+              <a:rPr lang="en-US" dirty="0" err="1"/>
+              <a:t>multisig</a:t>
+            </a:r>
+            <a:r>
+              <a:rPr lang="en-US" dirty="0"/>
+              <a:t> </a:t>
+            </a:r>
+            <a:r>
+              <a:rPr lang="en-US" dirty="0" smtClean="0"/>
+              <a:t>transactions</a:t>
             </a:r>
             <a:endParaRPr lang="en-US" sz="2000" dirty="0"/>
-          </a:p>
-          <a:p>
-            <a:pPr lvl="1">
-              <a:buFont typeface="Arial" panose="020B0604020202020204" pitchFamily="34" charset="0"/>
-              <a:buChar char="•"/>
-            </a:pPr>
-            <a:r>
-              <a:rPr lang="en-US" dirty="0"/>
-              <a:t>Fees for bad actors, rules for kicking them out</a:t>
-            </a:r>
-            <a:endParaRPr lang="en-US" sz="2400" dirty="0"/>
-          </a:p>
-          <a:p>
-            <a:pPr lvl="1">
-              <a:buFont typeface="Arial" panose="020B0604020202020204" pitchFamily="34" charset="0"/>
-              <a:buChar char="•"/>
-            </a:pPr>
-            <a:r>
-              <a:rPr lang="en-US" dirty="0"/>
-              <a:t>Rules for social fund</a:t>
-            </a:r>
-            <a:endParaRPr lang="en-US" sz="2400" dirty="0"/>
-          </a:p>
-          <a:p>
-            <a:pPr lvl="2"/>
-            <a:r>
-              <a:rPr lang="en-US" dirty="0"/>
-              <a:t>Majority vote for disbursement?</a:t>
-            </a:r>
-            <a:endParaRPr lang="en-US" sz="2000" dirty="0"/>
-          </a:p>
-          <a:p>
-            <a:pPr lvl="1">
-              <a:buFont typeface="Arial" panose="020B0604020202020204" pitchFamily="34" charset="0"/>
-              <a:buChar char="•"/>
-            </a:pPr>
-            <a:r>
-              <a:rPr lang="en-US" dirty="0"/>
-              <a:t>Rules for retiring accounts</a:t>
-            </a:r>
-            <a:endParaRPr lang="en-US" sz="2400" dirty="0"/>
-          </a:p>
-          <a:p>
-            <a:pPr lvl="1">
-              <a:buFont typeface="Arial" panose="020B0604020202020204" pitchFamily="34" charset="0"/>
-              <a:buChar char="•"/>
-            </a:pPr>
-            <a:r>
-              <a:rPr lang="en-US" dirty="0"/>
-              <a:t>Rules for disbursing funds if bank closes, goes into </a:t>
-            </a:r>
-            <a:r>
-              <a:rPr lang="en-US" dirty="0" smtClean="0"/>
-              <a:t>bankruptcy</a:t>
-            </a:r>
-            <a:endParaRPr lang="en-US" sz="2400" dirty="0"/>
           </a:p>
         </p:txBody>
       </p:sp>
     </p:spTree>
     <p:extLst>
       <p:ext uri="{BB962C8B-B14F-4D97-AF65-F5344CB8AC3E}">
-        <p14:creationId xmlns:p14="http://schemas.microsoft.com/office/powerpoint/2010/main" val="4249634158"/>
+        <p14:creationId xmlns:p14="http://schemas.microsoft.com/office/powerpoint/2010/main" val="1051123520"/>
       </p:ext>
     </p:extLst>
   </p:cSld>
@@ -4845,7 +4881,7 @@
         <p:spPr/>
         <p:txBody>
           <a:bodyPr>
-            <a:normAutofit lnSpcReduction="10000"/>
+            <a:normAutofit fontScale="92500" lnSpcReduction="20000"/>
           </a:bodyPr>
           <a:lstStyle/>
           <a:p>
@@ -4908,7 +4944,44 @@
               <a:rPr lang="en-US" dirty="0" smtClean="0"/>
               <a:t>heads-of-household</a:t>
             </a:r>
-            <a:endParaRPr lang="en-US" sz="2400" dirty="0"/>
+          </a:p>
+          <a:p>
+            <a:pPr lvl="1">
+              <a:buFont typeface="Arial" panose="020B0604020202020204" pitchFamily="34" charset="0"/>
+              <a:buChar char="•"/>
+            </a:pPr>
+            <a:r>
+              <a:rPr lang="en-US" sz="2400" dirty="0"/>
+              <a:t>W</a:t>
+            </a:r>
+            <a:r>
+              <a:rPr lang="en-US" sz="2400" dirty="0" smtClean="0"/>
+              <a:t>omen </a:t>
+            </a:r>
+            <a:r>
+              <a:rPr lang="en-US" sz="2400" dirty="0"/>
+              <a:t>reinvest up to 90 </a:t>
+            </a:r>
+            <a:r>
+              <a:rPr lang="en-US" sz="2400" dirty="0" smtClean="0"/>
+              <a:t>% </a:t>
+            </a:r>
+            <a:r>
+              <a:rPr lang="en-US" sz="2400" dirty="0"/>
+              <a:t>of their income in their families, compared with 30 to 40 </a:t>
+            </a:r>
+            <a:r>
+              <a:rPr lang="en-US" sz="2400" dirty="0" smtClean="0"/>
+              <a:t>% </a:t>
+            </a:r>
+            <a:r>
+              <a:rPr lang="en-US" sz="2400" dirty="0"/>
+              <a:t>by </a:t>
+            </a:r>
+            <a:r>
+              <a:rPr lang="en-US" sz="2400" dirty="0" smtClean="0"/>
+              <a:t>men</a:t>
+            </a:r>
           </a:p>
         </p:txBody>
       </p:sp>
@@ -4954,41 +5027,46 @@
         </p:nvSpPr>
         <p:spPr/>
         <p:txBody>
+          <a:bodyPr>
+            <a:normAutofit/>
+          </a:bodyPr>
+          <a:lstStyle/>
+          <a:p>
+            <a:pPr lvl="0"/>
+            <a:r>
+              <a:rPr lang="en-US" dirty="0"/>
+              <a:t>Bank </a:t>
+            </a:r>
+            <a:r>
+              <a:rPr lang="en-US" dirty="0" smtClean="0"/>
+              <a:t>Structure</a:t>
+            </a:r>
+            <a:endParaRPr lang="en-US" dirty="0"/>
+          </a:p>
+        </p:txBody>
+      </p:sp>
+      <p:sp>
+        <p:nvSpPr>
+          <p:cNvPr id="3" name="Content Placeholder 2"/>
+          <p:cNvSpPr>
+            <a:spLocks noGrp="1"/>
+          </p:cNvSpPr>
+          <p:nvPr>
+            <p:ph idx="1"/>
+          </p:nvPr>
+        </p:nvSpPr>
+        <p:spPr/>
+        <p:txBody>
           <a:bodyPr/>
           <a:lstStyle/>
           <a:p>
-            <a:pPr lvl="0"/>
-            <a:r>
-              <a:rPr lang="en-US" dirty="0"/>
-              <a:t>The Software Product</a:t>
-            </a:r>
-          </a:p>
-        </p:txBody>
-      </p:sp>
-      <p:sp>
-        <p:nvSpPr>
-          <p:cNvPr id="3" name="Content Placeholder 2"/>
-          <p:cNvSpPr>
-            <a:spLocks noGrp="1"/>
-          </p:cNvSpPr>
-          <p:nvPr>
-            <p:ph idx="1"/>
-          </p:nvPr>
-        </p:nvSpPr>
-        <p:spPr/>
-        <p:txBody>
-          <a:bodyPr>
-            <a:normAutofit fontScale="77500" lnSpcReduction="20000"/>
-          </a:bodyPr>
-          <a:lstStyle/>
-          <a:p>
-            <a:pPr lvl="1">
-              <a:buFont typeface="Arial" panose="020B0604020202020204" pitchFamily="34" charset="0"/>
-              <a:buChar char="•"/>
-            </a:pPr>
-            <a:r>
-              <a:rPr lang="en-US" dirty="0"/>
-              <a:t>People just set up accounts &amp; use</a:t>
+            <a:pPr lvl="1">
+              <a:buFont typeface="Arial" panose="020B0604020202020204" pitchFamily="34" charset="0"/>
+              <a:buChar char="•"/>
+            </a:pPr>
+            <a:r>
+              <a:rPr lang="en-US" dirty="0"/>
+              <a:t>Elders</a:t>
             </a:r>
             <a:endParaRPr lang="en-US" sz="2400" dirty="0"/>
           </a:p>
@@ -4996,7 +5074,7 @@
             <a:pPr lvl="2"/>
             <a:r>
               <a:rPr lang="en-US" dirty="0"/>
-              <a:t>Create local bank like slack.com creates local chatroom, e.g. blockchainu.slack.com</a:t>
+              <a:t>Must be a saver, anyone can vote for</a:t>
             </a:r>
             <a:endParaRPr lang="en-US" sz="2000" dirty="0"/>
           </a:p>
@@ -5004,133 +5082,91 @@
             <a:pPr lvl="2"/>
             <a:r>
               <a:rPr lang="en-US" dirty="0"/>
-              <a:t>Microfinance banks, local investment pools also can be end users</a:t>
+              <a:t>Can possibly specify different roles among the elders: President, Secretary, Treasurer, etc.</a:t>
             </a:r>
             <a:endParaRPr lang="en-US" sz="2000" dirty="0"/>
           </a:p>
           <a:p>
-            <a:pPr lvl="1">
-              <a:buFont typeface="Arial" panose="020B0604020202020204" pitchFamily="34" charset="0"/>
-              <a:buChar char="•"/>
-            </a:pPr>
-            <a:r>
-              <a:rPr lang="en-US" dirty="0"/>
-              <a:t>Charge fees depending on total size of monetary pool</a:t>
-            </a:r>
-            <a:endParaRPr lang="en-US" sz="2400" dirty="0"/>
-          </a:p>
-          <a:p>
-            <a:pPr lvl="2"/>
-            <a:r>
-              <a:rPr lang="en-US" dirty="0"/>
-              <a:t>Small pools free for developing nations, microfinance applications</a:t>
+            <a:pPr lvl="2"/>
+            <a:r>
+              <a:rPr lang="en-US" dirty="0"/>
+              <a:t>Financial advisor job</a:t>
             </a:r>
             <a:endParaRPr lang="en-US" sz="2000" dirty="0"/>
           </a:p>
           <a:p>
-            <a:pPr lvl="2"/>
-            <a:r>
-              <a:rPr lang="en-US" dirty="0"/>
-              <a:t>The larger the pool, the more lending power it has</a:t>
+            <a:pPr lvl="3">
+              <a:buFont typeface="Arial" panose="020B0604020202020204" pitchFamily="34" charset="0"/>
+              <a:buChar char="•"/>
+            </a:pPr>
+            <a:r>
+              <a:rPr lang="en-US" dirty="0"/>
+              <a:t>Needs all elder’s signatures to approve transactions?</a:t>
+            </a:r>
+            <a:endParaRPr lang="en-US" sz="1800" dirty="0"/>
+          </a:p>
+          <a:p>
+            <a:pPr lvl="3">
+              <a:buFont typeface="Arial" panose="020B0604020202020204" pitchFamily="34" charset="0"/>
+              <a:buChar char="•"/>
+            </a:pPr>
+            <a:r>
+              <a:rPr lang="en-US" dirty="0"/>
+              <a:t>Gets paid?</a:t>
+            </a:r>
+            <a:endParaRPr lang="en-US" sz="1800" dirty="0"/>
+          </a:p>
+          <a:p>
+            <a:pPr lvl="2"/>
+            <a:r>
+              <a:rPr lang="en-US" dirty="0"/>
+              <a:t>Bank leadership &amp; guidance</a:t>
             </a:r>
             <a:endParaRPr lang="en-US" sz="2000" dirty="0"/>
           </a:p>
           <a:p>
-            <a:pPr lvl="2"/>
-            <a:r>
-              <a:rPr lang="en-US" dirty="0"/>
-              <a:t>People can possibly create multiple small pools to avoid </a:t>
-            </a:r>
-            <a:r>
-              <a:rPr lang="en-US" dirty="0" smtClean="0"/>
-              <a:t>fees</a:t>
-            </a:r>
-          </a:p>
-          <a:p>
-            <a:pPr lvl="2"/>
-            <a:r>
-              <a:rPr lang="en-US" sz="2000" dirty="0" smtClean="0"/>
-              <a:t>Keep pool size fees low, fixed. </a:t>
-            </a:r>
-            <a:r>
-              <a:rPr lang="en-US" sz="2000" dirty="0"/>
-              <a:t>M</a:t>
-            </a:r>
-            <a:r>
-              <a:rPr lang="en-US" sz="2000" dirty="0" smtClean="0"/>
-              <a:t>ake money from currency arbitrage.</a:t>
-            </a:r>
-          </a:p>
-          <a:p>
-            <a:pPr lvl="2"/>
-            <a:r>
-              <a:rPr lang="en-US" sz="2000" dirty="0" smtClean="0"/>
-              <a:t>See puddle, </a:t>
-            </a:r>
-            <a:r>
-              <a:rPr lang="en-US" sz="2000" smtClean="0"/>
-              <a:t>emoneypool</a:t>
-            </a:r>
-            <a:endParaRPr lang="en-US" sz="2000" dirty="0"/>
-          </a:p>
-          <a:p>
-            <a:pPr lvl="1">
-              <a:buFont typeface="Arial" panose="020B0604020202020204" pitchFamily="34" charset="0"/>
-              <a:buChar char="•"/>
-            </a:pPr>
-            <a:r>
-              <a:rPr lang="en-US" dirty="0"/>
-              <a:t>Outside organizations (banks, NGOs, grants, etc.) can inject capital into each pool</a:t>
-            </a:r>
-            <a:endParaRPr lang="en-US" sz="2400" dirty="0"/>
-          </a:p>
-          <a:p>
-            <a:pPr lvl="2"/>
-            <a:r>
-              <a:rPr lang="en-US" dirty="0"/>
-              <a:t>Like FINCA </a:t>
-            </a:r>
-            <a:r>
-              <a:rPr lang="en-US" u="sng" dirty="0">
-                <a:hlinkClick r:id="rId2"/>
-              </a:rPr>
-              <a:t>www.finca.org</a:t>
-            </a:r>
-            <a:r>
-              <a:rPr lang="en-US" dirty="0"/>
-              <a:t> </a:t>
-            </a:r>
-            <a:endParaRPr lang="en-US" sz="2000" dirty="0"/>
-          </a:p>
-          <a:p>
             <a:pPr lvl="3">
               <a:buFont typeface="Arial" panose="020B0604020202020204" pitchFamily="34" charset="0"/>
               <a:buChar char="•"/>
             </a:pPr>
             <a:r>
               <a:rPr lang="en-US" dirty="0"/>
-              <a:t>FINCA also helps manage each local village bank</a:t>
+              <a:t>Sets interest rates on savings accounts &amp; loans</a:t>
             </a:r>
             <a:endParaRPr lang="en-US" sz="1800" dirty="0"/>
           </a:p>
           <a:p>
-            <a:pPr lvl="2"/>
-            <a:r>
-              <a:rPr lang="en-US" dirty="0"/>
-              <a:t>CDOs: Bundle up loans &amp; sell them</a:t>
-            </a:r>
-            <a:r>
-              <a:rPr lang="en-US" dirty="0" smtClean="0"/>
-              <a:t>?</a:t>
-            </a:r>
-            <a:endParaRPr lang="en-US" sz="2000" dirty="0"/>
+            <a:pPr lvl="3">
+              <a:buFont typeface="Arial" panose="020B0604020202020204" pitchFamily="34" charset="0"/>
+              <a:buChar char="•"/>
+            </a:pPr>
+            <a:r>
+              <a:rPr lang="en-US" dirty="0"/>
+              <a:t>Due diligence on loan, disbursement requests</a:t>
+            </a:r>
+            <a:endParaRPr lang="en-US" sz="1800" dirty="0"/>
+          </a:p>
+          <a:p>
+            <a:pPr lvl="3">
+              <a:buFont typeface="Arial" panose="020B0604020202020204" pitchFamily="34" charset="0"/>
+              <a:buChar char="•"/>
+            </a:pPr>
+            <a:r>
+              <a:rPr lang="en-US" dirty="0"/>
+              <a:t>Researches other investment opportunities for pooled </a:t>
+            </a:r>
+            <a:r>
+              <a:rPr lang="en-US" dirty="0" smtClean="0"/>
+              <a:t>money</a:t>
+            </a:r>
+            <a:endParaRPr lang="en-US" sz="1800" dirty="0"/>
           </a:p>
         </p:txBody>
       </p:sp>
     </p:spTree>
     <p:extLst>
       <p:ext uri="{BB962C8B-B14F-4D97-AF65-F5344CB8AC3E}">
-        <p14:creationId xmlns:p14="http://schemas.microsoft.com/office/powerpoint/2010/main" val="1841571902"/>
+        <p14:creationId xmlns:p14="http://schemas.microsoft.com/office/powerpoint/2010/main" val="1731647752"/>
       </p:ext>
     </p:extLst>
   </p:cSld>
@@ -5169,14 +5205,21 @@
         </p:nvSpPr>
         <p:spPr/>
         <p:txBody>
-          <a:bodyPr/>
+          <a:bodyPr>
+            <a:normAutofit fontScale="90000"/>
+          </a:bodyPr>
           <a:lstStyle/>
           <a:p>
             <a:pPr lvl="0"/>
             <a:r>
               <a:rPr lang="en-US" dirty="0"/>
-              <a:t>Possible Future Financial Services</a:t>
-            </a:r>
+              <a:t>Village Bank Programmable Rule </a:t>
+            </a:r>
+            <a:r>
+              <a:rPr lang="en-US" dirty="0" smtClean="0"/>
+              <a:t>Set</a:t>
+            </a:r>
+            <a:endParaRPr lang="en-US" dirty="0"/>
           </a:p>
         </p:txBody>
       </p:sp>
@@ -5192,16 +5235,18 @@
         </p:nvSpPr>
         <p:spPr/>
         <p:txBody>
-          <a:bodyPr/>
-          <a:lstStyle/>
-          <a:p>
-            <a:pPr lvl="1">
-              <a:buFont typeface="Arial" panose="020B0604020202020204" pitchFamily="34" charset="0"/>
-              <a:buChar char="•"/>
-            </a:pPr>
-            <a:r>
-              <a:rPr lang="en-US" dirty="0"/>
-              <a:t>Ecommerce integration</a:t>
+          <a:bodyPr>
+            <a:normAutofit fontScale="92500" lnSpcReduction="20000"/>
+          </a:bodyPr>
+          <a:lstStyle/>
+          <a:p>
+            <a:pPr lvl="1">
+              <a:buFont typeface="Arial" panose="020B0604020202020204" pitchFamily="34" charset="0"/>
+              <a:buChar char="•"/>
+            </a:pPr>
+            <a:r>
+              <a:rPr lang="en-US" dirty="0"/>
+              <a:t>Minimum number of savers</a:t>
             </a:r>
             <a:endParaRPr lang="en-US" sz="2400" dirty="0"/>
           </a:p>
@@ -5212,7 +5257,7 @@
             </a:pPr>
             <a:r>
               <a:rPr lang="en-US" dirty="0"/>
-              <a:t>Insurance</a:t>
+              <a:t>New saver approval rules</a:t>
             </a:r>
             <a:endParaRPr lang="en-US" sz="2400" dirty="0"/>
           </a:p>
@@ -5223,7 +5268,7 @@
             </a:pPr>
             <a:r>
               <a:rPr lang="en-US" dirty="0"/>
-              <a:t>Retirement account that can invest money in crypto stocks, crypto funds, etc.</a:t>
+              <a:t>Number of elders, length of service</a:t>
             </a:r>
             <a:endParaRPr lang="en-US" sz="2400" dirty="0"/>
           </a:p>
@@ -5234,7 +5279,95 @@
             </a:pPr>
             <a:r>
               <a:rPr lang="en-US" dirty="0"/>
-              <a:t>Wills, trusts</a:t>
+              <a:t>Election rules</a:t>
+            </a:r>
+            <a:endParaRPr lang="en-US" sz="2400" dirty="0"/>
+          </a:p>
+          <a:p>
+            <a:pPr lvl="2"/>
+            <a:r>
+              <a:rPr lang="en-US" dirty="0"/>
+              <a:t>Rules for voting in elders, etc.</a:t>
+            </a:r>
+            <a:endParaRPr lang="en-US" sz="2000" dirty="0"/>
+          </a:p>
+          <a:p>
+            <a:pPr lvl="2"/>
+            <a:r>
+              <a:rPr lang="en-US" dirty="0"/>
+              <a:t>Annual elections?</a:t>
+            </a:r>
+            <a:endParaRPr lang="en-US" sz="2000" dirty="0"/>
+          </a:p>
+          <a:p>
+            <a:pPr lvl="1">
+              <a:buFont typeface="Arial" panose="020B0604020202020204" pitchFamily="34" charset="0"/>
+              <a:buChar char="•"/>
+            </a:pPr>
+            <a:r>
+              <a:rPr lang="en-US" dirty="0"/>
+              <a:t>How often does each group meet?</a:t>
+            </a:r>
+            <a:endParaRPr lang="en-US" sz="2400" dirty="0"/>
+          </a:p>
+          <a:p>
+            <a:pPr lvl="1">
+              <a:buFont typeface="Arial" panose="020B0604020202020204" pitchFamily="34" charset="0"/>
+              <a:buChar char="•"/>
+            </a:pPr>
+            <a:r>
+              <a:rPr lang="en-US" dirty="0"/>
+              <a:t>Store meeting notes on the </a:t>
+            </a:r>
+            <a:r>
+              <a:rPr lang="en-US" dirty="0" err="1"/>
+              <a:t>blockchain</a:t>
+            </a:r>
+            <a:r>
+              <a:rPr lang="en-US" dirty="0"/>
+              <a:t>?</a:t>
+            </a:r>
+            <a:endParaRPr lang="en-US" sz="2400" dirty="0"/>
+          </a:p>
+          <a:p>
+            <a:pPr lvl="1">
+              <a:buFont typeface="Arial" panose="020B0604020202020204" pitchFamily="34" charset="0"/>
+              <a:buChar char="•"/>
+            </a:pPr>
+            <a:r>
+              <a:rPr lang="en-US" dirty="0" err="1"/>
+              <a:t>Multisig</a:t>
+            </a:r>
+            <a:r>
+              <a:rPr lang="en-US" dirty="0"/>
+              <a:t> </a:t>
+            </a:r>
+            <a:r>
+              <a:rPr lang="en-US" dirty="0" smtClean="0"/>
+              <a:t>rules; secured, </a:t>
+            </a:r>
+            <a:r>
+              <a:rPr lang="en-US" smtClean="0"/>
+              <a:t>shared wallets (copay?); </a:t>
+            </a:r>
+            <a:r>
+              <a:rPr lang="en-US" dirty="0" smtClean="0"/>
+              <a:t>individual wallets </a:t>
+            </a:r>
+            <a:endParaRPr lang="en-US" sz="2400" dirty="0"/>
+          </a:p>
+          <a:p>
+            <a:pPr lvl="1">
+              <a:buFont typeface="Arial" panose="020B0604020202020204" pitchFamily="34" charset="0"/>
+              <a:buChar char="•"/>
+            </a:pPr>
+            <a:r>
+              <a:rPr lang="en-US" dirty="0"/>
+              <a:t>Need reputation, voting system for </a:t>
+            </a:r>
+            <a:r>
+              <a:rPr lang="en-US" dirty="0" smtClean="0"/>
+              <a:t>people</a:t>
             </a:r>
             <a:endParaRPr lang="en-US" sz="2400" dirty="0"/>
           </a:p>
@@ -5243,7 +5376,7 @@
     </p:spTree>
     <p:extLst>
       <p:ext uri="{BB962C8B-B14F-4D97-AF65-F5344CB8AC3E}">
-        <p14:creationId xmlns:p14="http://schemas.microsoft.com/office/powerpoint/2010/main" val="3726693846"/>
+        <p14:creationId xmlns:p14="http://schemas.microsoft.com/office/powerpoint/2010/main" val="4284685526"/>
       </p:ext>
     </p:extLst>
   </p:cSld>
@@ -5282,13 +5415,15 @@
         </p:nvSpPr>
         <p:spPr/>
         <p:txBody>
-          <a:bodyPr/>
+          <a:bodyPr>
+            <a:normAutofit fontScale="90000"/>
+          </a:bodyPr>
           <a:lstStyle/>
           <a:p>
             <a:pPr lvl="0"/>
             <a:r>
               <a:rPr lang="en-US" dirty="0"/>
-              <a:t>Product Design</a:t>
+              <a:t>Village Bank Programmable Rule Set</a:t>
             </a:r>
           </a:p>
         </p:txBody>
@@ -5306,7 +5441,7 @@
         <p:spPr/>
         <p:txBody>
           <a:bodyPr>
-            <a:normAutofit lnSpcReduction="10000"/>
+            <a:normAutofit fontScale="92500" lnSpcReduction="20000"/>
           </a:bodyPr>
           <a:lstStyle/>
           <a:p>
@@ -5316,7 +5451,7 @@
             </a:pPr>
             <a:r>
               <a:rPr lang="en-US" dirty="0"/>
-              <a:t>Technologist should visit developing area in order to design products</a:t>
+              <a:t>Interest rate for savings account</a:t>
             </a:r>
             <a:endParaRPr lang="en-US" sz="2400" dirty="0"/>
           </a:p>
@@ -5327,18 +5462,50 @@
             </a:pPr>
             <a:r>
               <a:rPr lang="en-US" dirty="0"/>
-              <a:t>Need to see the needs of the people</a:t>
+              <a:t>Loan rules</a:t>
             </a:r>
             <a:endParaRPr lang="en-US" sz="2400" dirty="0"/>
           </a:p>
           <a:p>
-            <a:pPr lvl="1">
-              <a:buFont typeface="Arial" panose="020B0604020202020204" pitchFamily="34" charset="0"/>
-              <a:buChar char="•"/>
-            </a:pPr>
-            <a:r>
-              <a:rPr lang="en-US" dirty="0"/>
-              <a:t>Needs to keep software simple, easy to use for developing nations</a:t>
+            <a:pPr lvl="2"/>
+            <a:r>
+              <a:rPr lang="en-US" dirty="0"/>
+              <a:t>Length of loan</a:t>
+            </a:r>
+            <a:endParaRPr lang="en-US" sz="2000" dirty="0"/>
+          </a:p>
+          <a:p>
+            <a:pPr lvl="2"/>
+            <a:r>
+              <a:rPr lang="en-US" dirty="0"/>
+              <a:t>Repayment schedule</a:t>
+            </a:r>
+            <a:endParaRPr lang="en-US" sz="2000" dirty="0"/>
+          </a:p>
+          <a:p>
+            <a:pPr lvl="2"/>
+            <a:r>
+              <a:rPr lang="en-US" dirty="0"/>
+              <a:t>Min/max loan amount</a:t>
+            </a:r>
+            <a:endParaRPr lang="en-US" sz="2000" dirty="0"/>
+          </a:p>
+          <a:p>
+            <a:pPr lvl="2"/>
+            <a:r>
+              <a:rPr lang="en-US" dirty="0"/>
+              <a:t>Interest rate</a:t>
+            </a:r>
+            <a:endParaRPr lang="en-US" sz="2000" dirty="0"/>
+          </a:p>
+          <a:p>
+            <a:pPr lvl="1">
+              <a:buFont typeface="Arial" panose="020B0604020202020204" pitchFamily="34" charset="0"/>
+              <a:buChar char="•"/>
+            </a:pPr>
+            <a:r>
+              <a:rPr lang="en-US" dirty="0"/>
+              <a:t>Fees for bad actors, rules for kicking them out</a:t>
             </a:r>
             <a:endParaRPr lang="en-US" sz="2400" dirty="0"/>
           </a:p>
@@ -5349,7 +5516,7 @@
             </a:pPr>
             <a:r>
               <a:rPr lang="en-US" dirty="0"/>
-              <a:t>Top 3 needs for women in developing countries</a:t>
+              <a:t>Rules for social fund</a:t>
             </a:r>
             <a:endParaRPr lang="en-US" sz="2400" dirty="0"/>
           </a:p>
@@ -5357,36 +5524,42 @@
             <a:pPr lvl="2"/>
             <a:r>
               <a:rPr lang="en-US" dirty="0"/>
-              <a:t>1. Privacy of funds from their husbands</a:t>
+              <a:t>Majority vote for disbursement?</a:t>
             </a:r>
             <a:endParaRPr lang="en-US" sz="2000" dirty="0"/>
           </a:p>
           <a:p>
-            <a:pPr lvl="2"/>
-            <a:r>
-              <a:rPr lang="en-US" dirty="0"/>
-              <a:t>2. Ease of use – lives of women in developing countries very busy</a:t>
-            </a:r>
-            <a:endParaRPr lang="en-US" sz="2000" dirty="0"/>
-          </a:p>
-          <a:p>
-            <a:pPr lvl="2"/>
-            <a:r>
-              <a:rPr lang="en-US" dirty="0"/>
-              <a:t>3. Security – they have to feel secure withdrawing their money and carrying it </a:t>
-            </a:r>
-            <a:r>
-              <a:rPr lang="en-US" dirty="0" smtClean="0"/>
-              <a:t>around</a:t>
-            </a:r>
-            <a:endParaRPr lang="en-US" sz="2000" dirty="0"/>
+            <a:pPr lvl="1">
+              <a:buFont typeface="Arial" panose="020B0604020202020204" pitchFamily="34" charset="0"/>
+              <a:buChar char="•"/>
+            </a:pPr>
+            <a:r>
+              <a:rPr lang="en-US" dirty="0"/>
+              <a:t>Rules for retiring accounts</a:t>
+            </a:r>
+            <a:endParaRPr lang="en-US" sz="2400" dirty="0"/>
+          </a:p>
+          <a:p>
+            <a:pPr lvl="1">
+              <a:buFont typeface="Arial" panose="020B0604020202020204" pitchFamily="34" charset="0"/>
+              <a:buChar char="•"/>
+            </a:pPr>
+            <a:r>
+              <a:rPr lang="en-US" dirty="0"/>
+              <a:t>Rules for disbursing funds if bank closes, goes into </a:t>
+            </a:r>
+            <a:r>
+              <a:rPr lang="en-US" dirty="0" smtClean="0"/>
+              <a:t>bankruptcy</a:t>
+            </a:r>
+            <a:endParaRPr lang="en-US" sz="2400" dirty="0"/>
           </a:p>
         </p:txBody>
       </p:sp>
     </p:spTree>
     <p:extLst>
       <p:ext uri="{BB962C8B-B14F-4D97-AF65-F5344CB8AC3E}">
-        <p14:creationId xmlns:p14="http://schemas.microsoft.com/office/powerpoint/2010/main" val="2930766551"/>
+        <p14:creationId xmlns:p14="http://schemas.microsoft.com/office/powerpoint/2010/main" val="4249634158"/>
       </p:ext>
     </p:extLst>
   </p:cSld>
@@ -5431,7 +5604,7 @@
             <a:pPr lvl="0"/>
             <a:r>
               <a:rPr lang="en-US" dirty="0"/>
-              <a:t>Problems/Challenges</a:t>
+              <a:t>The Software Product</a:t>
             </a:r>
           </a:p>
         </p:txBody>
@@ -5449,7 +5622,7 @@
         <p:spPr/>
         <p:txBody>
           <a:bodyPr>
-            <a:normAutofit fontScale="85000" lnSpcReduction="10000"/>
+            <a:normAutofit fontScale="77500" lnSpcReduction="20000"/>
           </a:bodyPr>
           <a:lstStyle/>
           <a:p>
@@ -5459,7 +5632,7 @@
             </a:pPr>
             <a:r>
               <a:rPr lang="en-US" dirty="0"/>
-              <a:t>Low tech areas</a:t>
+              <a:t>People just set up accounts &amp; use</a:t>
             </a:r>
             <a:endParaRPr lang="en-US" sz="2400" dirty="0"/>
           </a:p>
@@ -5467,7 +5640,7 @@
             <a:pPr lvl="2"/>
             <a:r>
               <a:rPr lang="en-US" dirty="0"/>
-              <a:t>Many areas don’t have electricity, running water, basic hygiene</a:t>
+              <a:t>Create local bank like slack.com creates local chatroom, e.g. blockchainu.slack.com</a:t>
             </a:r>
             <a:endParaRPr lang="en-US" sz="2000" dirty="0"/>
           </a:p>
@@ -5475,7 +5648,7 @@
             <a:pPr lvl="2"/>
             <a:r>
               <a:rPr lang="en-US" dirty="0"/>
-              <a:t>Not targeting these areas, leave them to professionals like FINCA</a:t>
+              <a:t>Microfinance banks, local investment pools also can be end users</a:t>
             </a:r>
             <a:endParaRPr lang="en-US" sz="2000" dirty="0"/>
           </a:p>
@@ -5486,7 +5659,7 @@
             </a:pPr>
             <a:r>
               <a:rPr lang="en-US" dirty="0"/>
-              <a:t>Illiteracy</a:t>
+              <a:t>Charge fees depending on total size of monetary pool</a:t>
             </a:r>
             <a:endParaRPr lang="en-US" sz="2400" dirty="0"/>
           </a:p>
@@ -5494,7 +5667,7 @@
             <a:pPr lvl="2"/>
             <a:r>
               <a:rPr lang="en-US" dirty="0"/>
-              <a:t>Many poor illiterate in their own language, so how can they possibly use a phone?</a:t>
+              <a:t>Small pools free for developing nations, microfinance applications</a:t>
             </a:r>
             <a:endParaRPr lang="en-US" sz="2000" dirty="0"/>
           </a:p>
@@ -5502,18 +5675,56 @@
             <a:pPr lvl="2"/>
             <a:r>
               <a:rPr lang="en-US" dirty="0"/>
-              <a:t>Financial illiteracy</a:t>
+              <a:t>The larger the pool, the more lending power it has</a:t>
             </a:r>
             <a:endParaRPr lang="en-US" sz="2000" dirty="0"/>
           </a:p>
           <a:p>
-            <a:pPr lvl="1">
-              <a:buFont typeface="Arial" panose="020B0604020202020204" pitchFamily="34" charset="0"/>
-              <a:buChar char="•"/>
-            </a:pPr>
-            <a:r>
-              <a:rPr lang="en-US" dirty="0"/>
-              <a:t>Need a stable cryptocurrency</a:t>
+            <a:pPr lvl="2"/>
+            <a:r>
+              <a:rPr lang="en-US" dirty="0"/>
+              <a:t>People can possibly create multiple small pools to avoid </a:t>
+            </a:r>
+            <a:r>
+              <a:rPr lang="en-US" dirty="0" smtClean="0"/>
+              <a:t>fees</a:t>
+            </a:r>
+          </a:p>
+          <a:p>
+            <a:pPr lvl="2"/>
+            <a:r>
+              <a:rPr lang="en-US" sz="2000" dirty="0" smtClean="0"/>
+              <a:t>Keep pool size fees low, fixed. </a:t>
+            </a:r>
+            <a:r>
+              <a:rPr lang="en-US" sz="2000" dirty="0"/>
+              <a:t>M</a:t>
+            </a:r>
+            <a:r>
+              <a:rPr lang="en-US" sz="2000" dirty="0" smtClean="0"/>
+              <a:t>ake money from currency arbitrage.</a:t>
+            </a:r>
+          </a:p>
+          <a:p>
+            <a:pPr lvl="2"/>
+            <a:r>
+              <a:rPr lang="en-US" sz="2000" dirty="0" smtClean="0"/>
+              <a:t>See puddle, </a:t>
+            </a:r>
+            <a:r>
+              <a:rPr lang="en-US" sz="2000" smtClean="0"/>
+              <a:t>emoneypool</a:t>
+            </a:r>
+            <a:endParaRPr lang="en-US" sz="2000" dirty="0"/>
+          </a:p>
+          <a:p>
+            <a:pPr lvl="1">
+              <a:buFont typeface="Arial" panose="020B0604020202020204" pitchFamily="34" charset="0"/>
+              <a:buChar char="•"/>
+            </a:pPr>
+            <a:r>
+              <a:rPr lang="en-US" dirty="0"/>
+              <a:t>Outside organizations (banks, NGOs, grants, etc.) can inject capital into each pool</a:t>
             </a:r>
             <a:endParaRPr lang="en-US" sz="2400" dirty="0"/>
           </a:p>
@@ -5521,43 +5732,36 @@
             <a:pPr lvl="2"/>
             <a:r>
               <a:rPr lang="en-US" dirty="0"/>
-              <a:t>Too much friction/fees from trading from one currency to the other</a:t>
+              <a:t>Like FINCA </a:t>
+            </a:r>
+            <a:r>
+              <a:rPr lang="en-US" u="sng" dirty="0">
+                <a:hlinkClick r:id="rId2"/>
+              </a:rPr>
+              <a:t>www.finca.org</a:t>
+            </a:r>
+            <a:r>
+              <a:rPr lang="en-US" dirty="0"/>
+              <a:t> </a:t>
             </a:r>
             <a:endParaRPr lang="en-US" sz="2000" dirty="0"/>
           </a:p>
           <a:p>
-            <a:pPr lvl="2"/>
-            <a:r>
-              <a:rPr lang="en-US" dirty="0"/>
-              <a:t>Really need a stable cryptocurrency</a:t>
-            </a:r>
-            <a:endParaRPr lang="en-US" sz="2000" dirty="0"/>
-          </a:p>
-          <a:p>
-            <a:pPr lvl="2"/>
-            <a:r>
-              <a:rPr lang="en-US" dirty="0" err="1"/>
-              <a:t>bitUSD</a:t>
-            </a:r>
-            <a:r>
-              <a:rPr lang="en-US" dirty="0"/>
-              <a:t>, </a:t>
-            </a:r>
-            <a:r>
-              <a:rPr lang="en-US" dirty="0" err="1"/>
-              <a:t>nubits</a:t>
-            </a:r>
-            <a:r>
-              <a:rPr lang="en-US" dirty="0"/>
-              <a:t>, pebble</a:t>
-            </a:r>
-            <a:endParaRPr lang="en-US" sz="2000" dirty="0"/>
-          </a:p>
-          <a:p>
-            <a:pPr lvl="2"/>
-            <a:r>
-              <a:rPr lang="en-US" dirty="0"/>
-              <a:t>use ripple/stellar to transact in fiat like USD</a:t>
+            <a:pPr lvl="3">
+              <a:buFont typeface="Arial" panose="020B0604020202020204" pitchFamily="34" charset="0"/>
+              <a:buChar char="•"/>
+            </a:pPr>
+            <a:r>
+              <a:rPr lang="en-US" dirty="0"/>
+              <a:t>FINCA also helps manage each local village bank</a:t>
+            </a:r>
+            <a:endParaRPr lang="en-US" sz="1800" dirty="0"/>
+          </a:p>
+          <a:p>
+            <a:pPr lvl="2"/>
+            <a:r>
+              <a:rPr lang="en-US" dirty="0"/>
+              <a:t>CDOs: Bundle up loans &amp; sell them</a:t>
             </a:r>
             <a:r>
               <a:rPr lang="en-US" dirty="0" smtClean="0"/>
@@ -5570,7 +5774,7 @@
     </p:spTree>
     <p:extLst>
       <p:ext uri="{BB962C8B-B14F-4D97-AF65-F5344CB8AC3E}">
-        <p14:creationId xmlns:p14="http://schemas.microsoft.com/office/powerpoint/2010/main" val="2024224921"/>
+        <p14:creationId xmlns:p14="http://schemas.microsoft.com/office/powerpoint/2010/main" val="1841571902"/>
       </p:ext>
     </p:extLst>
   </p:cSld>
@@ -5609,237 +5813,103 @@
         </p:nvSpPr>
         <p:spPr/>
         <p:txBody>
-          <a:bodyPr>
-            <a:normAutofit/>
-          </a:bodyPr>
+          <a:bodyPr/>
           <a:lstStyle/>
           <a:p>
             <a:pPr lvl="0"/>
             <a:r>
-              <a:rPr lang="en-US" dirty="0" smtClean="0"/>
-              <a:t>Problems/Challenges</a:t>
+              <a:rPr lang="en-US" dirty="0"/>
+              <a:t>Possible Future Financial Services</a:t>
+            </a:r>
+          </a:p>
+        </p:txBody>
+      </p:sp>
+      <p:sp>
+        <p:nvSpPr>
+          <p:cNvPr id="3" name="Content Placeholder 2"/>
+          <p:cNvSpPr>
+            <a:spLocks noGrp="1"/>
+          </p:cNvSpPr>
+          <p:nvPr>
+            <p:ph idx="1"/>
+          </p:nvPr>
+        </p:nvSpPr>
+        <p:spPr/>
+        <p:txBody>
+          <a:bodyPr/>
+          <a:lstStyle/>
+          <a:p>
+            <a:pPr lvl="1">
+              <a:buFont typeface="Arial" panose="020B0604020202020204" pitchFamily="34" charset="0"/>
+              <a:buChar char="•"/>
+            </a:pPr>
+            <a:r>
+              <a:rPr lang="en-US" dirty="0"/>
+              <a:t>Links to larger banks, global financial </a:t>
+            </a:r>
+            <a:r>
+              <a:rPr lang="en-US" dirty="0" smtClean="0"/>
+              <a:t>system</a:t>
             </a:r>
             <a:endParaRPr lang="en-US" dirty="0"/>
           </a:p>
-        </p:txBody>
-      </p:sp>
-      <p:sp>
-        <p:nvSpPr>
-          <p:cNvPr id="3" name="Content Placeholder 2"/>
-          <p:cNvSpPr>
-            <a:spLocks noGrp="1"/>
-          </p:cNvSpPr>
-          <p:nvPr>
-            <p:ph idx="1"/>
-          </p:nvPr>
-        </p:nvSpPr>
-        <p:spPr/>
-        <p:txBody>
-          <a:bodyPr>
-            <a:normAutofit fontScale="85000" lnSpcReduction="20000"/>
-          </a:bodyPr>
-          <a:lstStyle/>
-          <a:p>
-            <a:pPr lvl="1">
-              <a:buFont typeface="Arial" panose="020B0604020202020204" pitchFamily="34" charset="0"/>
-              <a:buChar char="•"/>
-            </a:pPr>
-            <a:r>
-              <a:rPr lang="en-US" dirty="0" smtClean="0"/>
-              <a:t>Competition</a:t>
-            </a:r>
-            <a:endParaRPr lang="en-US" dirty="0" smtClean="0">
-              <a:hlinkClick r:id="rId2"/>
-            </a:endParaRPr>
-          </a:p>
-          <a:p>
-            <a:pPr lvl="2"/>
-            <a:r>
-              <a:rPr lang="en-US" dirty="0" smtClean="0"/>
-              <a:t>USD only</a:t>
-            </a:r>
-          </a:p>
-          <a:p>
-            <a:pPr lvl="3"/>
-            <a:r>
-              <a:rPr lang="en-US" dirty="0">
-                <a:hlinkClick r:id="rId2"/>
-              </a:rPr>
-              <a:t>www.Puddle.com</a:t>
-            </a:r>
-            <a:endParaRPr lang="en-US" dirty="0"/>
-          </a:p>
-          <a:p>
-            <a:pPr lvl="3"/>
-            <a:r>
-              <a:rPr lang="en-US" dirty="0">
-                <a:hlinkClick r:id="rId3"/>
-              </a:rPr>
-              <a:t>https://www.emoneypool.com/</a:t>
-            </a:r>
-            <a:r>
-              <a:rPr lang="en-US" dirty="0"/>
-              <a:t> </a:t>
-            </a:r>
-          </a:p>
-          <a:p>
-            <a:pPr lvl="2"/>
-            <a:r>
-              <a:rPr lang="en-US" dirty="0" smtClean="0"/>
-              <a:t>Other </a:t>
-            </a:r>
-            <a:r>
-              <a:rPr lang="en-US" dirty="0"/>
-              <a:t>NGOs, microfinance orgs, current village banks</a:t>
-            </a:r>
-            <a:endParaRPr lang="en-US" sz="2000" dirty="0"/>
-          </a:p>
-          <a:p>
-            <a:pPr lvl="3">
-              <a:buFont typeface="Arial" panose="020B0604020202020204" pitchFamily="34" charset="0"/>
-              <a:buChar char="•"/>
-            </a:pPr>
-            <a:r>
-              <a:rPr lang="en-US" dirty="0"/>
-              <a:t>Opportunity to help them upgrade</a:t>
-            </a:r>
-            <a:endParaRPr lang="en-US" sz="1800" dirty="0"/>
-          </a:p>
-          <a:p>
-            <a:pPr lvl="4">
-              <a:buFont typeface="Arial" panose="020B0604020202020204" pitchFamily="34" charset="0"/>
-              <a:buChar char="•"/>
-            </a:pPr>
-            <a:r>
-              <a:rPr lang="en-US" dirty="0"/>
-              <a:t>currently have long loan ledgers, a large paper trail</a:t>
-            </a:r>
-            <a:endParaRPr lang="en-US" sz="1800" dirty="0"/>
-          </a:p>
-          <a:p>
-            <a:pPr lvl="3">
-              <a:buFont typeface="Arial" panose="020B0604020202020204" pitchFamily="34" charset="0"/>
-              <a:buChar char="•"/>
-            </a:pPr>
-            <a:r>
-              <a:rPr lang="en-US" dirty="0"/>
-              <a:t>Different target market: they are targeting areas w/no electricity</a:t>
-            </a:r>
-            <a:endParaRPr lang="en-US" sz="1800" dirty="0"/>
-          </a:p>
-          <a:p>
-            <a:pPr lvl="2"/>
-            <a:r>
-              <a:rPr lang="en-US" dirty="0"/>
-              <a:t>Local loan sharks, predatory lenders</a:t>
-            </a:r>
-            <a:endParaRPr lang="en-US" sz="2000" dirty="0"/>
-          </a:p>
-          <a:p>
-            <a:pPr lvl="3">
-              <a:buFont typeface="Arial" panose="020B0604020202020204" pitchFamily="34" charset="0"/>
-              <a:buChar char="•"/>
-            </a:pPr>
-            <a:r>
-              <a:rPr lang="en-US" dirty="0"/>
-              <a:t>Village banks can provide lower loan rates, better community trust</a:t>
-            </a:r>
-            <a:endParaRPr lang="en-US" sz="1800" dirty="0"/>
-          </a:p>
-          <a:p>
-            <a:pPr lvl="2"/>
-            <a:r>
-              <a:rPr lang="en-US" dirty="0"/>
-              <a:t>‘</a:t>
-            </a:r>
-            <a:r>
-              <a:rPr lang="en-US" dirty="0" err="1"/>
-              <a:t>Neobanks</a:t>
-            </a:r>
-            <a:r>
-              <a:rPr lang="en-US" dirty="0"/>
-              <a:t>’ branchless banking from current banks</a:t>
-            </a:r>
-            <a:endParaRPr lang="en-US" sz="2000" dirty="0"/>
-          </a:p>
-          <a:p>
-            <a:pPr lvl="3">
-              <a:buFont typeface="Arial" panose="020B0604020202020204" pitchFamily="34" charset="0"/>
-              <a:buChar char="•"/>
-            </a:pPr>
-            <a:r>
-              <a:rPr lang="en-US" dirty="0" err="1"/>
-              <a:t>GoBank</a:t>
-            </a:r>
-            <a:r>
-              <a:rPr lang="en-US" dirty="0"/>
-              <a:t> (</a:t>
-            </a:r>
-            <a:r>
-              <a:rPr lang="en-US" dirty="0" err="1"/>
-              <a:t>Greendot</a:t>
-            </a:r>
-            <a:r>
-              <a:rPr lang="en-US" dirty="0"/>
-              <a:t>), Simple, Acorns, </a:t>
-            </a:r>
-            <a:r>
-              <a:rPr lang="en-US" dirty="0" err="1"/>
-              <a:t>Moven</a:t>
-            </a:r>
-            <a:r>
-              <a:rPr lang="en-US" dirty="0"/>
-              <a:t>, </a:t>
-            </a:r>
-            <a:r>
-              <a:rPr lang="en-US" dirty="0" err="1"/>
-              <a:t>Ixaris</a:t>
-            </a:r>
-            <a:r>
-              <a:rPr lang="en-US" dirty="0"/>
-              <a:t>, </a:t>
-            </a:r>
-            <a:r>
-              <a:rPr lang="en-US" dirty="0" err="1"/>
-              <a:t>Numoni</a:t>
-            </a:r>
-            <a:r>
-              <a:rPr lang="en-US" dirty="0"/>
-              <a:t>, Balance Financial, etc.</a:t>
-            </a:r>
-            <a:endParaRPr lang="en-US" sz="1800" dirty="0"/>
-          </a:p>
-          <a:p>
-            <a:pPr lvl="2"/>
-            <a:r>
-              <a:rPr lang="en-US" u="sng" dirty="0">
-                <a:hlinkClick r:id="rId4"/>
-              </a:rPr>
-              <a:t>https://coinkite.com/</a:t>
-            </a:r>
-            <a:endParaRPr lang="en-US" sz="2000" dirty="0"/>
-          </a:p>
-          <a:p>
-            <a:pPr lvl="3">
-              <a:buFont typeface="Arial" panose="020B0604020202020204" pitchFamily="34" charset="0"/>
-              <a:buChar char="•"/>
-            </a:pPr>
-            <a:r>
-              <a:rPr lang="en-US" dirty="0" err="1"/>
-              <a:t>Cryptobank</a:t>
-            </a:r>
-            <a:r>
-              <a:rPr lang="en-US" dirty="0"/>
-              <a:t>, BTC debit cards</a:t>
-            </a:r>
-            <a:endParaRPr lang="en-US" sz="1800" dirty="0"/>
+          <a:p>
+            <a:pPr lvl="1">
+              <a:buFont typeface="Arial" panose="020B0604020202020204" pitchFamily="34" charset="0"/>
+              <a:buChar char="•"/>
+            </a:pPr>
+            <a:r>
+              <a:rPr lang="en-US" dirty="0" smtClean="0"/>
+              <a:t>Ecommerce </a:t>
+            </a:r>
+            <a:r>
+              <a:rPr lang="en-US" dirty="0"/>
+              <a:t>integration</a:t>
+            </a:r>
+            <a:endParaRPr lang="en-US" sz="2400" dirty="0"/>
+          </a:p>
+          <a:p>
+            <a:pPr lvl="1">
+              <a:buFont typeface="Arial" panose="020B0604020202020204" pitchFamily="34" charset="0"/>
+              <a:buChar char="•"/>
+            </a:pPr>
+            <a:r>
+              <a:rPr lang="en-US" dirty="0"/>
+              <a:t>Insurance</a:t>
+            </a:r>
+            <a:endParaRPr lang="en-US" sz="2400" dirty="0"/>
+          </a:p>
+          <a:p>
+            <a:pPr lvl="1">
+              <a:buFont typeface="Arial" panose="020B0604020202020204" pitchFamily="34" charset="0"/>
+              <a:buChar char="•"/>
+            </a:pPr>
+            <a:r>
+              <a:rPr lang="en-US" dirty="0"/>
+              <a:t>Retirement account that can invest money in crypto stocks, crypto funds, etc.</a:t>
+            </a:r>
+            <a:endParaRPr lang="en-US" sz="2400" dirty="0"/>
+          </a:p>
+          <a:p>
+            <a:pPr lvl="1">
+              <a:buFont typeface="Arial" panose="020B0604020202020204" pitchFamily="34" charset="0"/>
+              <a:buChar char="•"/>
+            </a:pPr>
+            <a:r>
+              <a:rPr lang="en-US" dirty="0"/>
+              <a:t>Wills, </a:t>
+            </a:r>
+            <a:r>
+              <a:rPr lang="en-US" dirty="0" smtClean="0"/>
+              <a:t>trusts</a:t>
+            </a:r>
           </a:p>
         </p:txBody>
       </p:sp>
     </p:spTree>
     <p:extLst>
       <p:ext uri="{BB962C8B-B14F-4D97-AF65-F5344CB8AC3E}">
-        <p14:creationId xmlns:p14="http://schemas.microsoft.com/office/powerpoint/2010/main" val="3718828549"/>
+        <p14:creationId xmlns:p14="http://schemas.microsoft.com/office/powerpoint/2010/main" val="3726693846"/>
       </p:ext>
     </p:extLst>
   </p:cSld>
@@ -5878,93 +5948,100 @@
         </p:nvSpPr>
         <p:spPr/>
         <p:txBody>
+          <a:bodyPr/>
+          <a:lstStyle/>
+          <a:p>
+            <a:pPr lvl="0"/>
+            <a:r>
+              <a:rPr lang="en-US" dirty="0"/>
+              <a:t>Product Design</a:t>
+            </a:r>
+          </a:p>
+        </p:txBody>
+      </p:sp>
+      <p:sp>
+        <p:nvSpPr>
+          <p:cNvPr id="3" name="Content Placeholder 2"/>
+          <p:cNvSpPr>
+            <a:spLocks noGrp="1"/>
+          </p:cNvSpPr>
+          <p:nvPr>
+            <p:ph idx="1"/>
+          </p:nvPr>
+        </p:nvSpPr>
+        <p:spPr/>
+        <p:txBody>
           <a:bodyPr>
-            <a:normAutofit/>
+            <a:normAutofit fontScale="92500" lnSpcReduction="20000"/>
           </a:bodyPr>
           <a:lstStyle/>
           <a:p>
-            <a:pPr lvl="0"/>
-            <a:r>
-              <a:rPr lang="en-US" dirty="0" smtClean="0"/>
-              <a:t>Problems/Challenges</a:t>
-            </a:r>
-            <a:endParaRPr lang="en-US" dirty="0"/>
-          </a:p>
-        </p:txBody>
-      </p:sp>
-      <p:sp>
-        <p:nvSpPr>
-          <p:cNvPr id="3" name="Content Placeholder 2"/>
-          <p:cNvSpPr>
-            <a:spLocks noGrp="1"/>
-          </p:cNvSpPr>
-          <p:nvPr>
-            <p:ph idx="1"/>
-          </p:nvPr>
-        </p:nvSpPr>
-        <p:spPr/>
-        <p:txBody>
-          <a:bodyPr>
-            <a:normAutofit lnSpcReduction="10000"/>
-          </a:bodyPr>
-          <a:lstStyle/>
-          <a:p>
-            <a:pPr lvl="1">
-              <a:buFont typeface="Arial" panose="020B0604020202020204" pitchFamily="34" charset="0"/>
-              <a:buChar char="•"/>
-            </a:pPr>
-            <a:r>
-              <a:rPr lang="en-US" dirty="0"/>
-              <a:t>Last mile problem: fiat to crypto</a:t>
+            <a:pPr lvl="1">
+              <a:buFont typeface="Arial" panose="020B0604020202020204" pitchFamily="34" charset="0"/>
+              <a:buChar char="•"/>
+            </a:pPr>
+            <a:r>
+              <a:rPr lang="en-US" dirty="0"/>
+              <a:t>Technologist should visit developing area in order to design products</a:t>
             </a:r>
             <a:endParaRPr lang="en-US" sz="2400" dirty="0"/>
           </a:p>
           <a:p>
-            <a:pPr lvl="2"/>
-            <a:r>
-              <a:rPr lang="en-US" dirty="0"/>
-              <a:t>Ripple/Stellar gateway? </a:t>
+            <a:pPr lvl="1">
+              <a:buFont typeface="Arial" panose="020B0604020202020204" pitchFamily="34" charset="0"/>
+              <a:buChar char="•"/>
+            </a:pPr>
+            <a:r>
+              <a:rPr lang="en-US" dirty="0"/>
+              <a:t>Need to see the needs of the people</a:t>
+            </a:r>
+            <a:endParaRPr lang="en-US" sz="2400" dirty="0"/>
+          </a:p>
+          <a:p>
+            <a:pPr lvl="1">
+              <a:buFont typeface="Arial" panose="020B0604020202020204" pitchFamily="34" charset="0"/>
+              <a:buChar char="•"/>
+            </a:pPr>
+            <a:r>
+              <a:rPr lang="en-US" dirty="0"/>
+              <a:t>Needs to keep software simple, easy to use for developing </a:t>
+            </a:r>
+            <a:r>
+              <a:rPr lang="en-US" dirty="0" smtClean="0"/>
+              <a:t>nations</a:t>
+            </a:r>
+          </a:p>
+          <a:p>
+            <a:pPr lvl="2"/>
+            <a:r>
+              <a:rPr lang="en-US" sz="2000" dirty="0" smtClean="0"/>
+              <a:t>Smart phone app, local language</a:t>
+            </a:r>
+          </a:p>
+          <a:p>
+            <a:pPr lvl="2"/>
+            <a:r>
+              <a:rPr lang="en-US" sz="2000" dirty="0" smtClean="0"/>
+              <a:t>Simple feature phone app</a:t>
             </a:r>
             <a:endParaRPr lang="en-US" sz="2000" dirty="0"/>
           </a:p>
           <a:p>
-            <a:pPr lvl="3">
-              <a:buFont typeface="Arial" panose="020B0604020202020204" pitchFamily="34" charset="0"/>
-              <a:buChar char="•"/>
-            </a:pPr>
-            <a:r>
-              <a:rPr lang="en-US" dirty="0"/>
-              <a:t>Local Village Bank has lockbox where fiat is stored</a:t>
-            </a:r>
-            <a:endParaRPr lang="en-US" sz="1800" dirty="0"/>
-          </a:p>
-          <a:p>
-            <a:pPr lvl="4">
-              <a:buFont typeface="Arial" panose="020B0604020202020204" pitchFamily="34" charset="0"/>
-              <a:buChar char="•"/>
-            </a:pPr>
-            <a:r>
-              <a:rPr lang="en-US" dirty="0"/>
-              <a:t>Safety concerns</a:t>
-            </a:r>
-            <a:endParaRPr lang="en-US" sz="1800" dirty="0"/>
-          </a:p>
-          <a:p>
-            <a:pPr lvl="3">
-              <a:buFont typeface="Arial" panose="020B0604020202020204" pitchFamily="34" charset="0"/>
-              <a:buChar char="•"/>
-            </a:pPr>
-            <a:r>
-              <a:rPr lang="en-US" dirty="0"/>
-              <a:t>But BTC has much larger network effect, more fiat exchanges around the world</a:t>
-            </a:r>
-            <a:endParaRPr lang="en-US" sz="1800" dirty="0"/>
-          </a:p>
-          <a:p>
-            <a:pPr lvl="2"/>
-            <a:r>
-              <a:rPr lang="en-US" dirty="0"/>
-              <a:t>Feature phone to ATM</a:t>
+            <a:pPr lvl="1">
+              <a:buFont typeface="Arial" panose="020B0604020202020204" pitchFamily="34" charset="0"/>
+              <a:buChar char="•"/>
+            </a:pPr>
+            <a:r>
+              <a:rPr lang="en-US" dirty="0"/>
+              <a:t>Top 3 needs for women in developing countries</a:t>
+            </a:r>
+            <a:endParaRPr lang="en-US" sz="2400" dirty="0"/>
+          </a:p>
+          <a:p>
+            <a:pPr lvl="2"/>
+            <a:r>
+              <a:rPr lang="en-US" dirty="0"/>
+              <a:t>1. Privacy of funds from their husbands</a:t>
             </a:r>
             <a:endParaRPr lang="en-US" sz="2000" dirty="0"/>
           </a:p>
@@ -5972,46 +6049,19 @@
             <a:pPr lvl="2"/>
             <a:r>
               <a:rPr lang="en-US" dirty="0"/>
-              <a:t>Use your phone as your wallet – </a:t>
-            </a:r>
-            <a:r>
-              <a:rPr lang="en-US" dirty="0" err="1"/>
-              <a:t>Mpesa</a:t>
-            </a:r>
-            <a:r>
-              <a:rPr lang="en-US" dirty="0"/>
-              <a:t>?</a:t>
+              <a:t>2. Ease of use – lives of women in developing countries very busy</a:t>
             </a:r>
             <a:endParaRPr lang="en-US" sz="2000" dirty="0"/>
           </a:p>
           <a:p>
-            <a:pPr lvl="1">
-              <a:buFont typeface="Arial" panose="020B0604020202020204" pitchFamily="34" charset="0"/>
-              <a:buChar char="•"/>
-            </a:pPr>
-            <a:r>
-              <a:rPr lang="en-US" dirty="0"/>
-              <a:t>Legal concerns in each country</a:t>
-            </a:r>
-            <a:endParaRPr lang="en-US" sz="2400" dirty="0"/>
-          </a:p>
-          <a:p>
-            <a:pPr lvl="2"/>
-            <a:r>
-              <a:rPr lang="en-US" dirty="0"/>
-              <a:t>A lot more regulation in developed nations</a:t>
-            </a:r>
-            <a:endParaRPr lang="en-US" sz="2000" dirty="0"/>
-          </a:p>
-          <a:p>
-            <a:pPr lvl="2"/>
-            <a:r>
-              <a:rPr lang="en-US" dirty="0"/>
-              <a:t>Get legal advice before launch</a:t>
-            </a:r>
-            <a:r>
-              <a:rPr lang="en-US" dirty="0" smtClean="0"/>
-              <a:t>!</a:t>
+            <a:pPr lvl="2"/>
+            <a:r>
+              <a:rPr lang="en-US" dirty="0"/>
+              <a:t>3. Security – they have to feel secure withdrawing their money and carrying it </a:t>
+            </a:r>
+            <a:r>
+              <a:rPr lang="en-US" dirty="0" smtClean="0"/>
+              <a:t>around</a:t>
             </a:r>
             <a:endParaRPr lang="en-US" sz="2000" dirty="0"/>
           </a:p>
@@ -6020,7 +6070,7 @@
     </p:spTree>
     <p:extLst>
       <p:ext uri="{BB962C8B-B14F-4D97-AF65-F5344CB8AC3E}">
-        <p14:creationId xmlns:p14="http://schemas.microsoft.com/office/powerpoint/2010/main" val="1555999565"/>
+        <p14:creationId xmlns:p14="http://schemas.microsoft.com/office/powerpoint/2010/main" val="2930766551"/>
       </p:ext>
     </p:extLst>
   </p:cSld>
@@ -6065,69 +6115,146 @@
             <a:pPr lvl="0"/>
             <a:r>
               <a:rPr lang="en-US" dirty="0"/>
-              <a:t>Goal from </a:t>
-            </a:r>
+              <a:t>Problems/Challenges</a:t>
+            </a:r>
+          </a:p>
+        </p:txBody>
+      </p:sp>
+      <p:sp>
+        <p:nvSpPr>
+          <p:cNvPr id="3" name="Content Placeholder 2"/>
+          <p:cNvSpPr>
+            <a:spLocks noGrp="1"/>
+          </p:cNvSpPr>
+          <p:nvPr>
+            <p:ph idx="1"/>
+          </p:nvPr>
+        </p:nvSpPr>
+        <p:spPr/>
+        <p:txBody>
+          <a:bodyPr>
+            <a:normAutofit fontScale="85000" lnSpcReduction="10000"/>
+          </a:bodyPr>
+          <a:lstStyle/>
+          <a:p>
+            <a:pPr lvl="1">
+              <a:buFont typeface="Arial" panose="020B0604020202020204" pitchFamily="34" charset="0"/>
+              <a:buChar char="•"/>
+            </a:pPr>
+            <a:r>
+              <a:rPr lang="en-US" dirty="0"/>
+              <a:t>Low tech areas</a:t>
+            </a:r>
+            <a:endParaRPr lang="en-US" sz="2400" dirty="0"/>
+          </a:p>
+          <a:p>
+            <a:pPr lvl="2"/>
+            <a:r>
+              <a:rPr lang="en-US" dirty="0"/>
+              <a:t>Many areas don’t have electricity, running water, basic hygiene</a:t>
+            </a:r>
+            <a:endParaRPr lang="en-US" sz="2000" dirty="0"/>
+          </a:p>
+          <a:p>
+            <a:pPr lvl="2"/>
+            <a:r>
+              <a:rPr lang="en-US" dirty="0"/>
+              <a:t>Not targeting these areas, leave them to professionals like FINCA</a:t>
+            </a:r>
+            <a:endParaRPr lang="en-US" sz="2000" dirty="0"/>
+          </a:p>
+          <a:p>
+            <a:pPr lvl="1">
+              <a:buFont typeface="Arial" panose="020B0604020202020204" pitchFamily="34" charset="0"/>
+              <a:buChar char="•"/>
+            </a:pPr>
+            <a:r>
+              <a:rPr lang="en-US" dirty="0"/>
+              <a:t>Illiteracy</a:t>
+            </a:r>
+            <a:endParaRPr lang="en-US" sz="2400" dirty="0"/>
+          </a:p>
+          <a:p>
+            <a:pPr lvl="2"/>
+            <a:r>
+              <a:rPr lang="en-US" dirty="0"/>
+              <a:t>Many poor illiterate in their own language, so how can they possibly use a phone?</a:t>
+            </a:r>
+            <a:endParaRPr lang="en-US" sz="2000" dirty="0"/>
+          </a:p>
+          <a:p>
+            <a:pPr lvl="2"/>
+            <a:r>
+              <a:rPr lang="en-US" dirty="0"/>
+              <a:t>Financial illiteracy</a:t>
+            </a:r>
+            <a:endParaRPr lang="en-US" sz="2000" dirty="0"/>
+          </a:p>
+          <a:p>
+            <a:pPr lvl="1">
+              <a:buFont typeface="Arial" panose="020B0604020202020204" pitchFamily="34" charset="0"/>
+              <a:buChar char="•"/>
+            </a:pPr>
+            <a:r>
+              <a:rPr lang="en-US" dirty="0"/>
+              <a:t>Need a stable cryptocurrency</a:t>
+            </a:r>
+            <a:endParaRPr lang="en-US" sz="2400" dirty="0"/>
+          </a:p>
+          <a:p>
+            <a:pPr lvl="2"/>
+            <a:r>
+              <a:rPr lang="en-US" dirty="0"/>
+              <a:t>Too much friction/fees from trading from one currency to the other</a:t>
+            </a:r>
+            <a:endParaRPr lang="en-US" sz="2000" dirty="0"/>
+          </a:p>
+          <a:p>
+            <a:pPr lvl="2"/>
+            <a:r>
+              <a:rPr lang="en-US" dirty="0"/>
+              <a:t>Really need a stable cryptocurrency</a:t>
+            </a:r>
+            <a:endParaRPr lang="en-US" sz="2000" dirty="0"/>
+          </a:p>
+          <a:p>
+            <a:pPr lvl="2"/>
             <a:r>
               <a:rPr lang="en-US" dirty="0" err="1"/>
-              <a:t>BlockChainU</a:t>
-            </a:r>
-            <a:r>
-              <a:rPr lang="en-US" dirty="0"/>
-              <a:t> project</a:t>
-            </a:r>
-          </a:p>
-        </p:txBody>
-      </p:sp>
-      <p:sp>
-        <p:nvSpPr>
-          <p:cNvPr id="3" name="Content Placeholder 2"/>
-          <p:cNvSpPr>
-            <a:spLocks noGrp="1"/>
-          </p:cNvSpPr>
-          <p:nvPr>
-            <p:ph idx="1"/>
-          </p:nvPr>
-        </p:nvSpPr>
-        <p:spPr/>
-        <p:txBody>
-          <a:bodyPr/>
-          <a:lstStyle/>
-          <a:p>
-            <a:pPr lvl="1">
-              <a:buFont typeface="Arial" panose="020B0604020202020204" pitchFamily="34" charset="0"/>
-              <a:buChar char="•"/>
-            </a:pPr>
-            <a:r>
-              <a:rPr lang="en-US" dirty="0"/>
-              <a:t>Proof of concept</a:t>
-            </a:r>
-            <a:endParaRPr lang="en-US" sz="2400" dirty="0"/>
-          </a:p>
-          <a:p>
-            <a:pPr lvl="1">
-              <a:buFont typeface="Arial" panose="020B0604020202020204" pitchFamily="34" charset="0"/>
-              <a:buChar char="•"/>
-            </a:pPr>
-            <a:r>
-              <a:rPr lang="en-US" dirty="0"/>
-              <a:t>Need help brainstorming the </a:t>
+              <a:t>bitUSD</a:t>
+            </a:r>
+            <a:r>
+              <a:rPr lang="en-US" dirty="0"/>
+              <a:t>, </a:t>
             </a:r>
             <a:r>
               <a:rPr lang="en-US" dirty="0" err="1"/>
-              <a:t>Ethereum</a:t>
-            </a:r>
-            <a:r>
-              <a:rPr lang="en-US" dirty="0"/>
-              <a:t> architecture of this project &amp; with coding</a:t>
-            </a:r>
-            <a:endParaRPr lang="en-US" sz="2400" dirty="0"/>
+              <a:t>nubits</a:t>
+            </a:r>
+            <a:r>
+              <a:rPr lang="en-US" dirty="0"/>
+              <a:t>, pebble</a:t>
+            </a:r>
+            <a:endParaRPr lang="en-US" sz="2000" dirty="0"/>
+          </a:p>
+          <a:p>
+            <a:pPr lvl="2"/>
+            <a:r>
+              <a:rPr lang="en-US" dirty="0"/>
+              <a:t>use ripple/stellar to transact in fiat like USD</a:t>
+            </a:r>
+            <a:r>
+              <a:rPr lang="en-US" dirty="0" smtClean="0"/>
+              <a:t>?</a:t>
+            </a:r>
+            <a:endParaRPr lang="en-US" sz="2000" dirty="0"/>
           </a:p>
         </p:txBody>
       </p:sp>
     </p:spTree>
     <p:extLst>
       <p:ext uri="{BB962C8B-B14F-4D97-AF65-F5344CB8AC3E}">
-        <p14:creationId xmlns:p14="http://schemas.microsoft.com/office/powerpoint/2010/main" val="2348184418"/>
+        <p14:creationId xmlns:p14="http://schemas.microsoft.com/office/powerpoint/2010/main" val="2024224921"/>
       </p:ext>
     </p:extLst>
   </p:cSld>
@@ -6167,13 +6294,14 @@
         <p:spPr/>
         <p:txBody>
           <a:bodyPr>
-            <a:normAutofit fontScale="90000"/>
+            <a:normAutofit/>
           </a:bodyPr>
           <a:lstStyle/>
           <a:p>
-            <a:r>
-              <a:rPr lang="en-US" dirty="0" smtClean="0"/>
-              <a:t>Village Savings and Loan Association</a:t>
+            <a:pPr lvl="0"/>
+            <a:r>
+              <a:rPr lang="en-US" dirty="0" smtClean="0"/>
+              <a:t>Problems/Challenges</a:t>
             </a:r>
             <a:endParaRPr lang="en-US" dirty="0"/>
           </a:p>
@@ -6192,7 +6320,7 @@
         <p:spPr/>
         <p:txBody>
           <a:bodyPr>
-            <a:normAutofit fontScale="85000" lnSpcReduction="10000"/>
+            <a:normAutofit fontScale="85000" lnSpcReduction="20000"/>
           </a:bodyPr>
           <a:lstStyle/>
           <a:p>
@@ -6201,49 +6329,201 @@
               <a:buChar char="•"/>
             </a:pPr>
             <a:r>
-              <a:rPr lang="en-US" u="sng" dirty="0">
+              <a:rPr lang="en-US" dirty="0" smtClean="0"/>
+              <a:t>Competition</a:t>
+            </a:r>
+            <a:endParaRPr lang="en-US" dirty="0" smtClean="0">
+              <a:hlinkClick r:id="rId2"/>
+            </a:endParaRPr>
+          </a:p>
+          <a:p>
+            <a:pPr lvl="2"/>
+            <a:r>
+              <a:rPr lang="en-US" dirty="0" smtClean="0"/>
+              <a:t>USD only</a:t>
+            </a:r>
+          </a:p>
+          <a:p>
+            <a:pPr lvl="3"/>
+            <a:r>
+              <a:rPr lang="en-US" dirty="0">
                 <a:hlinkClick r:id="rId2"/>
               </a:rPr>
-              <a:t>http://www.vsla.net/aboutus/vslmodel</a:t>
+              <a:t>www.Puddle.com</a:t>
+            </a:r>
+            <a:endParaRPr lang="en-US" dirty="0"/>
+          </a:p>
+          <a:p>
+            <a:pPr lvl="3"/>
+            <a:r>
+              <a:rPr lang="en-US" dirty="0">
+                <a:hlinkClick r:id="rId3"/>
+              </a:rPr>
+              <a:t>https://www.emoneypool.com/</a:t>
             </a:r>
             <a:r>
               <a:rPr lang="en-US" dirty="0"/>
               <a:t> </a:t>
             </a:r>
-            <a:endParaRPr lang="en-US" sz="2400" dirty="0"/>
-          </a:p>
-          <a:p>
-            <a:pPr lvl="1">
-              <a:buFont typeface="Arial" panose="020B0604020202020204" pitchFamily="34" charset="0"/>
-              <a:buChar char="•"/>
-            </a:pPr>
-            <a:r>
-              <a:rPr lang="en-US" dirty="0"/>
-              <a:t>A Village Savings and Loan Association (VSLA) is a group of people who save together and take small loans from those savings. The activities of the group run in cycles of one year, after which the accumulated savings and the loan profits are distributed back to members.</a:t>
-            </a:r>
-            <a:endParaRPr lang="en-US" sz="2400" dirty="0"/>
-          </a:p>
-          <a:p>
-            <a:pPr lvl="1">
-              <a:buFont typeface="Arial" panose="020B0604020202020204" pitchFamily="34" charset="0"/>
-              <a:buChar char="•"/>
-            </a:pPr>
-            <a:r>
-              <a:rPr lang="en-US" dirty="0"/>
-              <a:t>Groups usually hold annual elections. The roles and responsibilities of the five-person management committee are clearly defined and highly decentralized. This is to encourage the participation of all members in the operations of the group; and, moreover, to protect the group from being dominated by a single individual</a:t>
-            </a:r>
-            <a:r>
-              <a:rPr lang="en-US" dirty="0" smtClean="0"/>
-              <a:t>.</a:t>
-            </a:r>
-            <a:endParaRPr lang="en-US" sz="2400" dirty="0"/>
+          </a:p>
+          <a:p>
+            <a:pPr lvl="2"/>
+            <a:r>
+              <a:rPr lang="en-US" dirty="0" smtClean="0"/>
+              <a:t>Other </a:t>
+            </a:r>
+            <a:r>
+              <a:rPr lang="en-US" dirty="0"/>
+              <a:t>NGOs, microfinance orgs, current village banks</a:t>
+            </a:r>
+            <a:endParaRPr lang="en-US" sz="2000" dirty="0"/>
+          </a:p>
+          <a:p>
+            <a:pPr lvl="3">
+              <a:buFont typeface="Arial" panose="020B0604020202020204" pitchFamily="34" charset="0"/>
+              <a:buChar char="•"/>
+            </a:pPr>
+            <a:r>
+              <a:rPr lang="en-US" dirty="0"/>
+              <a:t>Opportunity to help them upgrade</a:t>
+            </a:r>
+            <a:endParaRPr lang="en-US" sz="1800" dirty="0"/>
+          </a:p>
+          <a:p>
+            <a:pPr lvl="4">
+              <a:buFont typeface="Arial" panose="020B0604020202020204" pitchFamily="34" charset="0"/>
+              <a:buChar char="•"/>
+            </a:pPr>
+            <a:r>
+              <a:rPr lang="en-US" dirty="0"/>
+              <a:t>currently have long loan ledgers, a large paper trail</a:t>
+            </a:r>
+            <a:endParaRPr lang="en-US" sz="1800" dirty="0"/>
+          </a:p>
+          <a:p>
+            <a:pPr lvl="3">
+              <a:buFont typeface="Arial" panose="020B0604020202020204" pitchFamily="34" charset="0"/>
+              <a:buChar char="•"/>
+            </a:pPr>
+            <a:r>
+              <a:rPr lang="en-US" dirty="0"/>
+              <a:t>Different target market: they are targeting areas w/no electricity</a:t>
+            </a:r>
+            <a:endParaRPr lang="en-US" sz="1800" dirty="0"/>
+          </a:p>
+          <a:p>
+            <a:pPr lvl="2"/>
+            <a:r>
+              <a:rPr lang="en-US" dirty="0"/>
+              <a:t>Local loan sharks, predatory lenders</a:t>
+            </a:r>
+            <a:endParaRPr lang="en-US" sz="2000" dirty="0"/>
+          </a:p>
+          <a:p>
+            <a:pPr lvl="3">
+              <a:buFont typeface="Arial" panose="020B0604020202020204" pitchFamily="34" charset="0"/>
+              <a:buChar char="•"/>
+            </a:pPr>
+            <a:r>
+              <a:rPr lang="en-US" dirty="0"/>
+              <a:t>Village banks can provide lower loan rates, better community trust</a:t>
+            </a:r>
+            <a:endParaRPr lang="en-US" sz="1800" dirty="0"/>
+          </a:p>
+          <a:p>
+            <a:pPr lvl="2"/>
+            <a:r>
+              <a:rPr lang="en-US" dirty="0"/>
+              <a:t>‘</a:t>
+            </a:r>
+            <a:r>
+              <a:rPr lang="en-US" dirty="0" err="1"/>
+              <a:t>Neobanks</a:t>
+            </a:r>
+            <a:r>
+              <a:rPr lang="en-US" dirty="0"/>
+              <a:t>’ branchless banking from current banks</a:t>
+            </a:r>
+            <a:endParaRPr lang="en-US" sz="2000" dirty="0"/>
+          </a:p>
+          <a:p>
+            <a:pPr lvl="3">
+              <a:buFont typeface="Arial" panose="020B0604020202020204" pitchFamily="34" charset="0"/>
+              <a:buChar char="•"/>
+            </a:pPr>
+            <a:r>
+              <a:rPr lang="en-US" dirty="0" err="1"/>
+              <a:t>GoBank</a:t>
+            </a:r>
+            <a:r>
+              <a:rPr lang="en-US" dirty="0"/>
+              <a:t> (</a:t>
+            </a:r>
+            <a:r>
+              <a:rPr lang="en-US" dirty="0" err="1"/>
+              <a:t>Greendot</a:t>
+            </a:r>
+            <a:r>
+              <a:rPr lang="en-US" dirty="0"/>
+              <a:t>), Simple, Acorns, </a:t>
+            </a:r>
+            <a:r>
+              <a:rPr lang="en-US" dirty="0" err="1"/>
+              <a:t>Moven</a:t>
+            </a:r>
+            <a:r>
+              <a:rPr lang="en-US" dirty="0"/>
+              <a:t>, </a:t>
+            </a:r>
+            <a:r>
+              <a:rPr lang="en-US" dirty="0" err="1"/>
+              <a:t>Ixaris</a:t>
+            </a:r>
+            <a:r>
+              <a:rPr lang="en-US" dirty="0"/>
+              <a:t>, </a:t>
+            </a:r>
+            <a:r>
+              <a:rPr lang="en-US" dirty="0" err="1"/>
+              <a:t>Numoni</a:t>
+            </a:r>
+            <a:r>
+              <a:rPr lang="en-US" dirty="0"/>
+              <a:t>, Balance Financial, etc.</a:t>
+            </a:r>
+            <a:endParaRPr lang="en-US" sz="1800" dirty="0"/>
+          </a:p>
+          <a:p>
+            <a:pPr lvl="2"/>
+            <a:r>
+              <a:rPr lang="en-US" u="sng" dirty="0">
+                <a:hlinkClick r:id="rId4"/>
+              </a:rPr>
+              <a:t>https://coinkite.com/</a:t>
+            </a:r>
+            <a:endParaRPr lang="en-US" sz="2000" dirty="0"/>
+          </a:p>
+          <a:p>
+            <a:pPr lvl="3">
+              <a:buFont typeface="Arial" panose="020B0604020202020204" pitchFamily="34" charset="0"/>
+              <a:buChar char="•"/>
+            </a:pPr>
+            <a:r>
+              <a:rPr lang="en-US" dirty="0" err="1"/>
+              <a:t>Cryptobank</a:t>
+            </a:r>
+            <a:r>
+              <a:rPr lang="en-US" dirty="0"/>
+              <a:t>, BTC debit cards</a:t>
+            </a:r>
+            <a:endParaRPr lang="en-US" sz="1800" dirty="0"/>
           </a:p>
         </p:txBody>
       </p:sp>
     </p:spTree>
     <p:extLst>
       <p:ext uri="{BB962C8B-B14F-4D97-AF65-F5344CB8AC3E}">
-        <p14:creationId xmlns:p14="http://schemas.microsoft.com/office/powerpoint/2010/main" val="3210766165"/>
+        <p14:creationId xmlns:p14="http://schemas.microsoft.com/office/powerpoint/2010/main" val="3718828549"/>
       </p:ext>
     </p:extLst>
   </p:cSld>
@@ -6283,13 +6563,14 @@
         <p:spPr/>
         <p:txBody>
           <a:bodyPr>
-            <a:normAutofit fontScale="90000"/>
+            <a:normAutofit/>
           </a:bodyPr>
           <a:lstStyle/>
           <a:p>
-            <a:r>
-              <a:rPr lang="en-US" dirty="0" smtClean="0"/>
-              <a:t>Village Savings and Loan Association</a:t>
+            <a:pPr lvl="0"/>
+            <a:r>
+              <a:rPr lang="en-US" dirty="0" smtClean="0"/>
+              <a:t>Problems/Challenges</a:t>
             </a:r>
             <a:endParaRPr lang="en-US" dirty="0"/>
           </a:p>
@@ -6317,31 +6598,113 @@
               <a:buChar char="•"/>
             </a:pPr>
             <a:r>
-              <a:rPr lang="en-US" sz="2400" dirty="0"/>
-              <a:t>Each group is composed of 15 to 25 self-selected individuals. Groups meet weekly and members save through the purchase of shares. The price of a share is decided by the group. At each meeting, every member must purchase between 1 and 5 shares. The share-price is set by the group at the beginning of the cycle and is fixed for the entire cycle.</a:t>
-            </a:r>
-          </a:p>
-          <a:p>
-            <a:pPr lvl="1">
-              <a:buFont typeface="Arial" panose="020B0604020202020204" pitchFamily="34" charset="0"/>
-              <a:buChar char="•"/>
-            </a:pPr>
-            <a:r>
-              <a:rPr lang="en-US" sz="2400" dirty="0"/>
-              <a:t>Savings are maintained in a loan fund from which members can borrow in small amounts, up to three times their individual savings. Loans are for a maximum period of three months in the first year and loans may be repaid in flexible installments at a monthly service charge determined by the group</a:t>
-            </a:r>
-            <a:r>
-              <a:rPr lang="en-US" sz="2400" dirty="0" smtClean="0"/>
-              <a:t>.</a:t>
+              <a:rPr lang="en-US" dirty="0"/>
+              <a:t>Last mile problem: fiat to crypto</a:t>
             </a:r>
             <a:endParaRPr lang="en-US" sz="2400" dirty="0"/>
+          </a:p>
+          <a:p>
+            <a:pPr lvl="2"/>
+            <a:r>
+              <a:rPr lang="en-US" dirty="0"/>
+              <a:t>Ripple/Stellar gateway? </a:t>
+            </a:r>
+            <a:endParaRPr lang="en-US" sz="2000" dirty="0"/>
+          </a:p>
+          <a:p>
+            <a:pPr lvl="3">
+              <a:buFont typeface="Arial" panose="020B0604020202020204" pitchFamily="34" charset="0"/>
+              <a:buChar char="•"/>
+            </a:pPr>
+            <a:r>
+              <a:rPr lang="en-US" dirty="0"/>
+              <a:t>Local Village Bank has lockbox where fiat is stored</a:t>
+            </a:r>
+            <a:endParaRPr lang="en-US" sz="1800" dirty="0"/>
+          </a:p>
+          <a:p>
+            <a:pPr lvl="4">
+              <a:buFont typeface="Arial" panose="020B0604020202020204" pitchFamily="34" charset="0"/>
+              <a:buChar char="•"/>
+            </a:pPr>
+            <a:r>
+              <a:rPr lang="en-US" dirty="0"/>
+              <a:t>Safety concerns</a:t>
+            </a:r>
+            <a:endParaRPr lang="en-US" sz="1800" dirty="0"/>
+          </a:p>
+          <a:p>
+            <a:pPr lvl="3">
+              <a:buFont typeface="Arial" panose="020B0604020202020204" pitchFamily="34" charset="0"/>
+              <a:buChar char="•"/>
+            </a:pPr>
+            <a:r>
+              <a:rPr lang="en-US" dirty="0"/>
+              <a:t>But BTC has much larger network effect, more fiat exchanges around the world</a:t>
+            </a:r>
+            <a:endParaRPr lang="en-US" sz="1800" dirty="0"/>
+          </a:p>
+          <a:p>
+            <a:pPr lvl="2"/>
+            <a:r>
+              <a:rPr lang="en-US" dirty="0"/>
+              <a:t>Feature phone to ATM</a:t>
+            </a:r>
+            <a:endParaRPr lang="en-US" sz="2000" dirty="0"/>
+          </a:p>
+          <a:p>
+            <a:pPr lvl="2"/>
+            <a:r>
+              <a:rPr lang="en-US" dirty="0"/>
+              <a:t>Use your phone as your wallet – </a:t>
+            </a:r>
+            <a:r>
+              <a:rPr lang="en-US" dirty="0" err="1"/>
+              <a:t>Mpesa</a:t>
+            </a:r>
+            <a:r>
+              <a:rPr lang="en-US" dirty="0"/>
+              <a:t>?</a:t>
+            </a:r>
+            <a:endParaRPr lang="en-US" sz="2000" dirty="0"/>
+          </a:p>
+          <a:p>
+            <a:pPr lvl="1">
+              <a:buFont typeface="Arial" panose="020B0604020202020204" pitchFamily="34" charset="0"/>
+              <a:buChar char="•"/>
+            </a:pPr>
+            <a:r>
+              <a:rPr lang="en-US" dirty="0"/>
+              <a:t>Legal concerns in each country</a:t>
+            </a:r>
+            <a:endParaRPr lang="en-US" sz="2400" dirty="0"/>
+          </a:p>
+          <a:p>
+            <a:pPr lvl="2"/>
+            <a:r>
+              <a:rPr lang="en-US" dirty="0"/>
+              <a:t>A lot more regulation in developed nations</a:t>
+            </a:r>
+            <a:endParaRPr lang="en-US" sz="2000" dirty="0"/>
+          </a:p>
+          <a:p>
+            <a:pPr lvl="2"/>
+            <a:r>
+              <a:rPr lang="en-US" dirty="0"/>
+              <a:t>Get legal advice before launch</a:t>
+            </a:r>
+            <a:r>
+              <a:rPr lang="en-US" dirty="0" smtClean="0"/>
+              <a:t>!</a:t>
+            </a:r>
+            <a:endParaRPr lang="en-US" sz="2000" dirty="0"/>
           </a:p>
         </p:txBody>
       </p:sp>
     </p:spTree>
     <p:extLst>
       <p:ext uri="{BB962C8B-B14F-4D97-AF65-F5344CB8AC3E}">
-        <p14:creationId xmlns:p14="http://schemas.microsoft.com/office/powerpoint/2010/main" val="1346212398"/>
+        <p14:creationId xmlns:p14="http://schemas.microsoft.com/office/powerpoint/2010/main" val="1555999565"/>
       </p:ext>
     </p:extLst>
   </p:cSld>
@@ -6380,16 +6743,22 @@
         </p:nvSpPr>
         <p:spPr/>
         <p:txBody>
-          <a:bodyPr>
-            <a:normAutofit fontScale="90000"/>
-          </a:bodyPr>
-          <a:lstStyle/>
-          <a:p>
-            <a:r>
-              <a:rPr lang="en-US" dirty="0" smtClean="0"/>
-              <a:t>Village Savings and Loan Association</a:t>
-            </a:r>
-            <a:endParaRPr lang="en-US" dirty="0"/>
+          <a:bodyPr/>
+          <a:lstStyle/>
+          <a:p>
+            <a:pPr lvl="0"/>
+            <a:r>
+              <a:rPr lang="en-US" dirty="0"/>
+              <a:t>Goal from </a:t>
+            </a:r>
+            <a:r>
+              <a:rPr lang="en-US" dirty="0" err="1"/>
+              <a:t>BlockChainU</a:t>
+            </a:r>
+            <a:r>
+              <a:rPr lang="en-US" dirty="0"/>
+              <a:t> project</a:t>
+            </a:r>
           </a:p>
         </p:txBody>
       </p:sp>
@@ -6405,22 +6774,16 @@
         </p:nvSpPr>
         <p:spPr/>
         <p:txBody>
-          <a:bodyPr>
-            <a:normAutofit fontScale="92500" lnSpcReduction="20000"/>
-          </a:bodyPr>
-          <a:lstStyle/>
-          <a:p>
-            <a:pPr lvl="1">
-              <a:buFont typeface="Arial" panose="020B0604020202020204" pitchFamily="34" charset="0"/>
-              <a:buChar char="•"/>
-            </a:pPr>
-            <a:r>
-              <a:rPr lang="en-US" dirty="0" smtClean="0"/>
-              <a:t>Each </a:t>
-            </a:r>
-            <a:r>
-              <a:rPr lang="en-US" dirty="0"/>
-              <a:t>group may also have a social fund, which provides members a basic form of insurance. The social fund serves as a community safety net and may serve a number of purposes – such as emergency assistance, festivals and funeral expenses – for the entire community, including group members and non-members.</a:t>
+          <a:bodyPr/>
+          <a:lstStyle/>
+          <a:p>
+            <a:pPr lvl="1">
+              <a:buFont typeface="Arial" panose="020B0604020202020204" pitchFamily="34" charset="0"/>
+              <a:buChar char="•"/>
+            </a:pPr>
+            <a:r>
+              <a:rPr lang="en-US" dirty="0"/>
+              <a:t>Proof of concept</a:t>
             </a:r>
             <a:endParaRPr lang="en-US" sz="2400" dirty="0"/>
           </a:p>
@@ -6431,11 +6794,15 @@
             </a:pPr>
             <a:r>
               <a:rPr lang="en-US" dirty="0"/>
-              <a:t>Each group agrees upon a contribution made by all members at every meeting. The social fund is not intended to grow, but to be set at a level that covers basic insurance needs. It is not distributed back to the members at the end of the annual cycle, but remains a group asset</a:t>
-            </a:r>
-            <a:r>
-              <a:rPr lang="en-US" dirty="0" smtClean="0"/>
-              <a:t>.</a:t>
+              <a:t>Need help brainstorming the </a:t>
+            </a:r>
+            <a:r>
+              <a:rPr lang="en-US" dirty="0" err="1"/>
+              <a:t>Ethereum</a:t>
+            </a:r>
+            <a:r>
+              <a:rPr lang="en-US" dirty="0"/>
+              <a:t> architecture of this project &amp; with coding</a:t>
             </a:r>
             <a:endParaRPr lang="en-US" sz="2400" dirty="0"/>
           </a:p>
@@ -6444,7 +6811,7 @@
     </p:spTree>
     <p:extLst>
       <p:ext uri="{BB962C8B-B14F-4D97-AF65-F5344CB8AC3E}">
-        <p14:creationId xmlns:p14="http://schemas.microsoft.com/office/powerpoint/2010/main" val="1058912925"/>
+        <p14:creationId xmlns:p14="http://schemas.microsoft.com/office/powerpoint/2010/main" val="2348184418"/>
       </p:ext>
     </p:extLst>
   </p:cSld>
@@ -6621,7 +6988,7 @@
         <p:spPr/>
         <p:txBody>
           <a:bodyPr>
-            <a:normAutofit fontScale="77500" lnSpcReduction="20000"/>
+            <a:normAutofit fontScale="85000" lnSpcReduction="10000"/>
           </a:bodyPr>
           <a:lstStyle/>
           <a:p>
@@ -6630,8 +6997,14 @@
               <a:buChar char="•"/>
             </a:pPr>
             <a:r>
-              <a:rPr lang="en-US" dirty="0"/>
-              <a:t>The materials, passbooks, loan fund and social fund of the VSLA are maintained in a lock-box, which is safeguarded by the group box-keeper between meetings. The lock-box has three padlocks and the keys are held by three members of the group who are not members of the Management Committee. The system is robust and ensures that there can be no manipulation of the group’s passbooks or funds outside of group meetings.</a:t>
+              <a:rPr lang="en-US" u="sng" dirty="0">
+                <a:hlinkClick r:id="rId2"/>
+              </a:rPr>
+              <a:t>http://www.vsla.net/aboutus/vslmodel</a:t>
+            </a:r>
+            <a:r>
+              <a:rPr lang="en-US" dirty="0"/>
+              <a:t> </a:t>
             </a:r>
             <a:endParaRPr lang="en-US" sz="2400" dirty="0"/>
           </a:p>
@@ -6642,7 +7015,18 @@
             </a:pPr>
             <a:r>
               <a:rPr lang="en-US" dirty="0"/>
-              <a:t>Groups operate in annual cycles. At the end of every cycle, the accumulated savings plus service charge earnings are shared out amongst the membership according to the amount each member has saved. The annual share-out resolves any outstanding issues and builds member confidence. It is an action audit that provides an immediate verification to all members that their money is safe and the process is profitable</a:t>
+              <a:t>A Village Savings and Loan Association (VSLA) is a group of people who save together and take small loans from those savings. The activities of the group run in cycles of one year, after which the accumulated savings and the loan profits are distributed back to members.</a:t>
+            </a:r>
+            <a:endParaRPr lang="en-US" sz="2400" dirty="0"/>
+          </a:p>
+          <a:p>
+            <a:pPr lvl="1">
+              <a:buFont typeface="Arial" panose="020B0604020202020204" pitchFamily="34" charset="0"/>
+              <a:buChar char="•"/>
+            </a:pPr>
+            <a:r>
+              <a:rPr lang="en-US" dirty="0"/>
+              <a:t>Groups usually hold annual elections. The roles and responsibilities of the five-person management committee are clearly defined and highly decentralized. This is to encourage the participation of all members in the operations of the group; and, moreover, to protect the group from being dominated by a single individual</a:t>
             </a:r>
             <a:r>
               <a:rPr lang="en-US" dirty="0" smtClean="0"/>
@@ -6655,7 +7039,7 @@
     </p:spTree>
     <p:extLst>
       <p:ext uri="{BB962C8B-B14F-4D97-AF65-F5344CB8AC3E}">
-        <p14:creationId xmlns:p14="http://schemas.microsoft.com/office/powerpoint/2010/main" val="915905306"/>
+        <p14:creationId xmlns:p14="http://schemas.microsoft.com/office/powerpoint/2010/main" val="3210766165"/>
       </p:ext>
     </p:extLst>
   </p:cSld>
@@ -6720,31 +7104,30 @@
         <p:spPr/>
         <p:txBody>
           <a:bodyPr>
-            <a:normAutofit fontScale="85000" lnSpcReduction="20000"/>
+            <a:normAutofit lnSpcReduction="10000"/>
           </a:bodyPr>
           <a:lstStyle/>
           <a:p>
-            <a:pPr marL="342900" lvl="1" indent="-342900">
-              <a:buFont typeface="Arial" panose="020B0604020202020204" pitchFamily="34" charset="0"/>
-              <a:buChar char="•"/>
-            </a:pPr>
-            <a:r>
-              <a:rPr lang="en-US" dirty="0" smtClean="0"/>
-              <a:t>After the share-out, members who do not wish to continue may leave the group and new members may be invited to join. Members who plan to continue to the next cycle may all agree to use some of their savings to make a contribution to the loan fund for the next cycle. This initiates lending activities with a useful amount of money on hand.</a:t>
-            </a:r>
-            <a:endParaRPr lang="en-US" sz="2400" dirty="0" smtClean="0"/>
-          </a:p>
-          <a:p>
-            <a:pPr marL="342900" lvl="1" indent="-342900">
-              <a:buFont typeface="Arial" panose="020B0604020202020204" pitchFamily="34" charset="0"/>
-              <a:buChar char="•"/>
-            </a:pPr>
-            <a:r>
-              <a:rPr lang="en-US" dirty="0"/>
-              <a:t>When a new cycle begins, members conduct new elections, review their constitution and may make changes to the terms and conditions that apply to savings, lending and the social fund. They may, for example, agree to change the social fund contribution, share price and the monthly loan service charge. However, the share value and loan service charge can never be changed during the cycle. After this process the group then continues to operate independently in its second cycle</a:t>
-            </a:r>
-            <a:r>
-              <a:rPr lang="en-US" dirty="0" smtClean="0"/>
+            <a:pPr lvl="1">
+              <a:buFont typeface="Arial" panose="020B0604020202020204" pitchFamily="34" charset="0"/>
+              <a:buChar char="•"/>
+            </a:pPr>
+            <a:r>
+              <a:rPr lang="en-US" sz="2400" dirty="0"/>
+              <a:t>Each group is composed of 15 to 25 self-selected individuals. Groups meet weekly and members save through the purchase of shares. The price of a share is decided by the group. At each meeting, every member must purchase between 1 and 5 shares. The share-price is set by the group at the beginning of the cycle and is fixed for the entire cycle.</a:t>
+            </a:r>
+          </a:p>
+          <a:p>
+            <a:pPr lvl="1">
+              <a:buFont typeface="Arial" panose="020B0604020202020204" pitchFamily="34" charset="0"/>
+              <a:buChar char="•"/>
+            </a:pPr>
+            <a:r>
+              <a:rPr lang="en-US" sz="2400" dirty="0"/>
+              <a:t>Savings are maintained in a loan fund from which members can borrow in small amounts, up to three times their individual savings. Loans are for a maximum period of three months in the first year and loans may be repaid in flexible installments at a monthly service charge determined by the group</a:t>
+            </a:r>
+            <a:r>
+              <a:rPr lang="en-US" sz="2400" dirty="0" smtClean="0"/>
               <a:t>.</a:t>
             </a:r>
             <a:endParaRPr lang="en-US" sz="2400" dirty="0"/>
@@ -6754,7 +7137,7 @@
     </p:spTree>
     <p:extLst>
       <p:ext uri="{BB962C8B-B14F-4D97-AF65-F5344CB8AC3E}">
-        <p14:creationId xmlns:p14="http://schemas.microsoft.com/office/powerpoint/2010/main" val="2453436306"/>
+        <p14:creationId xmlns:p14="http://schemas.microsoft.com/office/powerpoint/2010/main" val="1346212398"/>
       </p:ext>
     </p:extLst>
   </p:cSld>
@@ -6793,6 +7176,307 @@
         </p:nvSpPr>
         <p:spPr/>
         <p:txBody>
+          <a:bodyPr>
+            <a:normAutofit fontScale="90000"/>
+          </a:bodyPr>
+          <a:lstStyle/>
+          <a:p>
+            <a:r>
+              <a:rPr lang="en-US" dirty="0" smtClean="0"/>
+              <a:t>Village Savings and Loan Association</a:t>
+            </a:r>
+            <a:endParaRPr lang="en-US" dirty="0"/>
+          </a:p>
+        </p:txBody>
+      </p:sp>
+      <p:sp>
+        <p:nvSpPr>
+          <p:cNvPr id="3" name="Content Placeholder 2"/>
+          <p:cNvSpPr>
+            <a:spLocks noGrp="1"/>
+          </p:cNvSpPr>
+          <p:nvPr>
+            <p:ph idx="1"/>
+          </p:nvPr>
+        </p:nvSpPr>
+        <p:spPr/>
+        <p:txBody>
+          <a:bodyPr>
+            <a:normAutofit fontScale="92500" lnSpcReduction="20000"/>
+          </a:bodyPr>
+          <a:lstStyle/>
+          <a:p>
+            <a:pPr lvl="1">
+              <a:buFont typeface="Arial" panose="020B0604020202020204" pitchFamily="34" charset="0"/>
+              <a:buChar char="•"/>
+            </a:pPr>
+            <a:r>
+              <a:rPr lang="en-US" dirty="0" smtClean="0"/>
+              <a:t>Each </a:t>
+            </a:r>
+            <a:r>
+              <a:rPr lang="en-US" dirty="0"/>
+              <a:t>group may also have a social fund, which provides members a basic form of insurance. The social fund serves as a community safety net and may serve a number of purposes – such as emergency assistance, festivals and funeral expenses – for the entire community, including group members and non-members.</a:t>
+            </a:r>
+            <a:endParaRPr lang="en-US" sz="2400" dirty="0"/>
+          </a:p>
+          <a:p>
+            <a:pPr lvl="1">
+              <a:buFont typeface="Arial" panose="020B0604020202020204" pitchFamily="34" charset="0"/>
+              <a:buChar char="•"/>
+            </a:pPr>
+            <a:r>
+              <a:rPr lang="en-US" dirty="0"/>
+              <a:t>Each group agrees upon a contribution made by all members at every meeting. The social fund is not intended to grow, but to be set at a level that covers basic insurance needs. It is not distributed back to the members at the end of the annual cycle, but remains a group asset</a:t>
+            </a:r>
+            <a:r>
+              <a:rPr lang="en-US" dirty="0" smtClean="0"/>
+              <a:t>.</a:t>
+            </a:r>
+            <a:endParaRPr lang="en-US" sz="2400" dirty="0"/>
+          </a:p>
+        </p:txBody>
+      </p:sp>
+    </p:spTree>
+    <p:extLst>
+      <p:ext uri="{BB962C8B-B14F-4D97-AF65-F5344CB8AC3E}">
+        <p14:creationId xmlns:p14="http://schemas.microsoft.com/office/powerpoint/2010/main" val="1058912925"/>
+      </p:ext>
+    </p:extLst>
+  </p:cSld>
+  <p:clrMapOvr>
+    <a:masterClrMapping/>
+  </p:clrMapOvr>
+</p:sld>
+</file>
+
+<file path=ppt/slides/slide33.xml><?xml version="1.0" encoding="utf-8"?>
+<p:sld xmlns:a="http://schemas.openxmlformats.org/drawingml/2006/main" xmlns:r="http://schemas.openxmlformats.org/officeDocument/2006/relationships" xmlns:p="http://schemas.openxmlformats.org/presentationml/2006/main">
+  <p:cSld>
+    <p:spTree>
+      <p:nvGrpSpPr>
+        <p:cNvPr id="1" name=""/>
+        <p:cNvGrpSpPr/>
+        <p:nvPr/>
+      </p:nvGrpSpPr>
+      <p:grpSpPr>
+        <a:xfrm>
+          <a:off x="0" y="0"/>
+          <a:ext cx="0" cy="0"/>
+          <a:chOff x="0" y="0"/>
+          <a:chExt cx="0" cy="0"/>
+        </a:xfrm>
+      </p:grpSpPr>
+      <p:sp>
+        <p:nvSpPr>
+          <p:cNvPr id="2" name="Title 1"/>
+          <p:cNvSpPr>
+            <a:spLocks noGrp="1"/>
+          </p:cNvSpPr>
+          <p:nvPr>
+            <p:ph type="title"/>
+          </p:nvPr>
+        </p:nvSpPr>
+        <p:spPr/>
+        <p:txBody>
+          <a:bodyPr>
+            <a:normAutofit fontScale="90000"/>
+          </a:bodyPr>
+          <a:lstStyle/>
+          <a:p>
+            <a:r>
+              <a:rPr lang="en-US" dirty="0" smtClean="0"/>
+              <a:t>Village Savings and Loan Association</a:t>
+            </a:r>
+            <a:endParaRPr lang="en-US" dirty="0"/>
+          </a:p>
+        </p:txBody>
+      </p:sp>
+      <p:sp>
+        <p:nvSpPr>
+          <p:cNvPr id="3" name="Content Placeholder 2"/>
+          <p:cNvSpPr>
+            <a:spLocks noGrp="1"/>
+          </p:cNvSpPr>
+          <p:nvPr>
+            <p:ph idx="1"/>
+          </p:nvPr>
+        </p:nvSpPr>
+        <p:spPr/>
+        <p:txBody>
+          <a:bodyPr>
+            <a:normAutofit fontScale="77500" lnSpcReduction="20000"/>
+          </a:bodyPr>
+          <a:lstStyle/>
+          <a:p>
+            <a:pPr lvl="1">
+              <a:buFont typeface="Arial" panose="020B0604020202020204" pitchFamily="34" charset="0"/>
+              <a:buChar char="•"/>
+            </a:pPr>
+            <a:r>
+              <a:rPr lang="en-US" dirty="0"/>
+              <a:t>The materials, passbooks, loan fund and social fund of the VSLA are maintained in a lock-box, which is safeguarded by the group box-keeper between meetings. The lock-box has three padlocks and the keys are held by three members of the group who are not members of the Management Committee. The system is robust and ensures that there can be no manipulation of the group’s passbooks or funds outside of group meetings.</a:t>
+            </a:r>
+            <a:endParaRPr lang="en-US" sz="2400" dirty="0"/>
+          </a:p>
+          <a:p>
+            <a:pPr lvl="1">
+              <a:buFont typeface="Arial" panose="020B0604020202020204" pitchFamily="34" charset="0"/>
+              <a:buChar char="•"/>
+            </a:pPr>
+            <a:r>
+              <a:rPr lang="en-US" dirty="0"/>
+              <a:t>Groups operate in annual cycles. At the end of every cycle, the accumulated savings plus service charge earnings are shared out amongst the membership according to the amount each member has saved. The annual share-out resolves any outstanding issues and builds member confidence. It is an action audit that provides an immediate verification to all members that their money is safe and the process is profitable</a:t>
+            </a:r>
+            <a:r>
+              <a:rPr lang="en-US" dirty="0" smtClean="0"/>
+              <a:t>.</a:t>
+            </a:r>
+            <a:endParaRPr lang="en-US" sz="2400" dirty="0"/>
+          </a:p>
+        </p:txBody>
+      </p:sp>
+    </p:spTree>
+    <p:extLst>
+      <p:ext uri="{BB962C8B-B14F-4D97-AF65-F5344CB8AC3E}">
+        <p14:creationId xmlns:p14="http://schemas.microsoft.com/office/powerpoint/2010/main" val="915905306"/>
+      </p:ext>
+    </p:extLst>
+  </p:cSld>
+  <p:clrMapOvr>
+    <a:masterClrMapping/>
+  </p:clrMapOvr>
+</p:sld>
+</file>
+
+<file path=ppt/slides/slide34.xml><?xml version="1.0" encoding="utf-8"?>
+<p:sld xmlns:a="http://schemas.openxmlformats.org/drawingml/2006/main" xmlns:r="http://schemas.openxmlformats.org/officeDocument/2006/relationships" xmlns:p="http://schemas.openxmlformats.org/presentationml/2006/main">
+  <p:cSld>
+    <p:spTree>
+      <p:nvGrpSpPr>
+        <p:cNvPr id="1" name=""/>
+        <p:cNvGrpSpPr/>
+        <p:nvPr/>
+      </p:nvGrpSpPr>
+      <p:grpSpPr>
+        <a:xfrm>
+          <a:off x="0" y="0"/>
+          <a:ext cx="0" cy="0"/>
+          <a:chOff x="0" y="0"/>
+          <a:chExt cx="0" cy="0"/>
+        </a:xfrm>
+      </p:grpSpPr>
+      <p:sp>
+        <p:nvSpPr>
+          <p:cNvPr id="2" name="Title 1"/>
+          <p:cNvSpPr>
+            <a:spLocks noGrp="1"/>
+          </p:cNvSpPr>
+          <p:nvPr>
+            <p:ph type="title"/>
+          </p:nvPr>
+        </p:nvSpPr>
+        <p:spPr/>
+        <p:txBody>
+          <a:bodyPr>
+            <a:normAutofit fontScale="90000"/>
+          </a:bodyPr>
+          <a:lstStyle/>
+          <a:p>
+            <a:r>
+              <a:rPr lang="en-US" dirty="0" smtClean="0"/>
+              <a:t>Village Savings and Loan Association</a:t>
+            </a:r>
+            <a:endParaRPr lang="en-US" dirty="0"/>
+          </a:p>
+        </p:txBody>
+      </p:sp>
+      <p:sp>
+        <p:nvSpPr>
+          <p:cNvPr id="3" name="Content Placeholder 2"/>
+          <p:cNvSpPr>
+            <a:spLocks noGrp="1"/>
+          </p:cNvSpPr>
+          <p:nvPr>
+            <p:ph idx="1"/>
+          </p:nvPr>
+        </p:nvSpPr>
+        <p:spPr/>
+        <p:txBody>
+          <a:bodyPr>
+            <a:normAutofit fontScale="85000" lnSpcReduction="20000"/>
+          </a:bodyPr>
+          <a:lstStyle/>
+          <a:p>
+            <a:pPr marL="342900" lvl="1" indent="-342900">
+              <a:buFont typeface="Arial" panose="020B0604020202020204" pitchFamily="34" charset="0"/>
+              <a:buChar char="•"/>
+            </a:pPr>
+            <a:r>
+              <a:rPr lang="en-US" dirty="0" smtClean="0"/>
+              <a:t>After the share-out, members who do not wish to continue may leave the group and new members may be invited to join. Members who plan to continue to the next cycle may all agree to use some of their savings to make a contribution to the loan fund for the next cycle. This initiates lending activities with a useful amount of money on hand.</a:t>
+            </a:r>
+            <a:endParaRPr lang="en-US" sz="2400" dirty="0" smtClean="0"/>
+          </a:p>
+          <a:p>
+            <a:pPr marL="342900" lvl="1" indent="-342900">
+              <a:buFont typeface="Arial" panose="020B0604020202020204" pitchFamily="34" charset="0"/>
+              <a:buChar char="•"/>
+            </a:pPr>
+            <a:r>
+              <a:rPr lang="en-US" dirty="0"/>
+              <a:t>When a new cycle begins, members conduct new elections, review their constitution and may make changes to the terms and conditions that apply to savings, lending and the social fund. They may, for example, agree to change the social fund contribution, share price and the monthly loan service charge. However, the share value and loan service charge can never be changed during the cycle. After this process the group then continues to operate independently in its second cycle</a:t>
+            </a:r>
+            <a:r>
+              <a:rPr lang="en-US" dirty="0" smtClean="0"/>
+              <a:t>.</a:t>
+            </a:r>
+            <a:endParaRPr lang="en-US" sz="2400" dirty="0"/>
+          </a:p>
+        </p:txBody>
+      </p:sp>
+    </p:spTree>
+    <p:extLst>
+      <p:ext uri="{BB962C8B-B14F-4D97-AF65-F5344CB8AC3E}">
+        <p14:creationId xmlns:p14="http://schemas.microsoft.com/office/powerpoint/2010/main" val="2453436306"/>
+      </p:ext>
+    </p:extLst>
+  </p:cSld>
+  <p:clrMapOvr>
+    <a:masterClrMapping/>
+  </p:clrMapOvr>
+</p:sld>
+</file>
+
+<file path=ppt/slides/slide35.xml><?xml version="1.0" encoding="utf-8"?>
+<p:sld xmlns:a="http://schemas.openxmlformats.org/drawingml/2006/main" xmlns:r="http://schemas.openxmlformats.org/officeDocument/2006/relationships" xmlns:p="http://schemas.openxmlformats.org/presentationml/2006/main">
+  <p:cSld>
+    <p:spTree>
+      <p:nvGrpSpPr>
+        <p:cNvPr id="1" name=""/>
+        <p:cNvGrpSpPr/>
+        <p:nvPr/>
+      </p:nvGrpSpPr>
+      <p:grpSpPr>
+        <a:xfrm>
+          <a:off x="0" y="0"/>
+          <a:ext cx="0" cy="0"/>
+          <a:chOff x="0" y="0"/>
+          <a:chExt cx="0" cy="0"/>
+        </a:xfrm>
+      </p:grpSpPr>
+      <p:sp>
+        <p:nvSpPr>
+          <p:cNvPr id="2" name="Title 1"/>
+          <p:cNvSpPr>
+            <a:spLocks noGrp="1"/>
+          </p:cNvSpPr>
+          <p:nvPr>
+            <p:ph type="title"/>
+          </p:nvPr>
+        </p:nvSpPr>
+        <p:spPr/>
+        <p:txBody>
           <a:bodyPr/>
           <a:lstStyle/>
           <a:p>
@@ -6912,13 +7596,7 @@
               <a:rPr lang="en-US" sz="2400">
                 <a:hlinkClick r:id="rId8"/>
               </a:rPr>
-              <a:t>http</a:t>
-            </a:r>
-            <a:r>
-              <a:rPr lang="en-US" sz="2400">
-                <a:hlinkClick r:id="rId8"/>
-              </a:rPr>
-              <a:t>://</a:t>
+              <a:t>http://</a:t>
             </a:r>
             <a:r>
               <a:rPr lang="en-US" sz="2400" smtClean="0">
@@ -7282,7 +7960,7 @@
         </p:spPr>
         <p:txBody>
           <a:bodyPr>
-            <a:normAutofit fontScale="92500"/>
+            <a:normAutofit/>
           </a:bodyPr>
           <a:lstStyle/>
           <a:p>
@@ -7308,7 +7986,15 @@
             <a:pPr lvl="2"/>
             <a:r>
               <a:rPr lang="en-US" dirty="0"/>
-              <a:t>Visa, big banks already researching this</a:t>
+              <a:t>Visa, </a:t>
+            </a:r>
+            <a:r>
+              <a:rPr lang="en-US" dirty="0" smtClean="0"/>
+              <a:t>CARE, Barclays, etc. </a:t>
+            </a:r>
+            <a:r>
+              <a:rPr lang="en-US" dirty="0"/>
+              <a:t>already researching this</a:t>
             </a:r>
             <a:endParaRPr lang="en-US" sz="2000" dirty="0"/>
           </a:p>
@@ -7319,49 +8005,64 @@
             </a:pPr>
             <a:r>
               <a:rPr lang="en-US" dirty="0"/>
-              <a:t>Helps the poorest of the poor, breaks the cycle of poverty</a:t>
-            </a:r>
-            <a:endParaRPr lang="en-US" sz="2400" dirty="0"/>
-          </a:p>
-          <a:p>
-            <a:pPr lvl="1">
-              <a:buFont typeface="Arial" panose="020B0604020202020204" pitchFamily="34" charset="0"/>
-              <a:buChar char="•"/>
-            </a:pPr>
-            <a:r>
-              <a:rPr lang="en-US" dirty="0"/>
-              <a:t>“Money given has no value, it has to be earned”</a:t>
-            </a:r>
-            <a:endParaRPr lang="en-US" sz="2400" dirty="0"/>
-          </a:p>
-          <a:p>
-            <a:pPr lvl="2"/>
-            <a:r>
-              <a:rPr lang="en-US" dirty="0"/>
-              <a:t>Gives people opportunity, helps people pull themselves up</a:t>
-            </a:r>
-            <a:endParaRPr lang="en-US" sz="2000" dirty="0"/>
-          </a:p>
-          <a:p>
-            <a:pPr lvl="1">
-              <a:buFont typeface="Arial" panose="020B0604020202020204" pitchFamily="34" charset="0"/>
-              <a:buChar char="•"/>
-            </a:pPr>
-            <a:r>
-              <a:rPr lang="en-US" dirty="0"/>
-              <a:t>A lot of village banks are based on grass root efforts</a:t>
-            </a:r>
-            <a:endParaRPr lang="en-US" sz="2400" dirty="0"/>
-          </a:p>
-          <a:p>
-            <a:pPr lvl="2"/>
-            <a:r>
-              <a:rPr lang="en-US" dirty="0"/>
-              <a:t>Bitcoin is grass roots, so it is a perfect </a:t>
-            </a:r>
-            <a:r>
-              <a:rPr lang="en-US" dirty="0" smtClean="0"/>
-              <a:t>fit</a:t>
+              <a:t>Helps the poorest of the poor, breaks the cycle of </a:t>
+            </a:r>
+            <a:r>
+              <a:rPr lang="en-US" dirty="0" smtClean="0"/>
+              <a:t>poverty</a:t>
+            </a:r>
+          </a:p>
+          <a:p>
+            <a:pPr lvl="2"/>
+            <a:r>
+              <a:rPr lang="en-US" sz="2000" dirty="0"/>
+              <a:t>~</a:t>
+            </a:r>
+            <a:r>
+              <a:rPr lang="en-US" sz="2000" dirty="0" smtClean="0"/>
+              <a:t>2.5 billion people globally don’t have access to bank accounts, insurance</a:t>
+            </a:r>
+          </a:p>
+          <a:p>
+            <a:pPr lvl="2"/>
+            <a:r>
+              <a:rPr lang="en-US" sz="2000" dirty="0"/>
+              <a:t>In most developing countries, </a:t>
+            </a:r>
+            <a:r>
+              <a:rPr lang="en-US" sz="2000" dirty="0" smtClean="0"/>
+              <a:t>&gt; 2/3 of </a:t>
+            </a:r>
+            <a:r>
+              <a:rPr lang="en-US" sz="2000" dirty="0"/>
+              <a:t>the adult population has no access to formal financial </a:t>
+            </a:r>
+            <a:r>
+              <a:rPr lang="en-US" sz="2000" dirty="0" smtClean="0"/>
+              <a:t>services</a:t>
+            </a:r>
+          </a:p>
+          <a:p>
+            <a:pPr lvl="2"/>
+            <a:r>
+              <a:rPr lang="en-US" sz="2000" dirty="0" smtClean="0"/>
+              <a:t>Exclusion </a:t>
+            </a:r>
+            <a:r>
+              <a:rPr lang="en-US" sz="2000" dirty="0"/>
+              <a:t>typically highest amongst women, youth and </a:t>
+            </a:r>
+            <a:r>
+              <a:rPr lang="en-US" sz="2000" dirty="0" smtClean="0"/>
+              <a:t>the very </a:t>
+            </a:r>
+            <a:r>
+              <a:rPr lang="en-US" sz="2000" dirty="0"/>
+              <a:t>poorest segments of </a:t>
+            </a:r>
+            <a:r>
+              <a:rPr lang="en-US" sz="2000" dirty="0" smtClean="0"/>
+              <a:t>society</a:t>
             </a:r>
             <a:endParaRPr lang="en-US" sz="2000" dirty="0"/>
           </a:p>
@@ -7409,21 +8110,14 @@
         </p:nvSpPr>
         <p:spPr/>
         <p:txBody>
-          <a:bodyPr>
-            <a:normAutofit/>
-          </a:bodyPr>
+          <a:bodyPr/>
           <a:lstStyle/>
           <a:p>
             <a:pPr lvl="0"/>
             <a:r>
               <a:rPr lang="en-US" dirty="0"/>
-              <a:t>DAO &amp; Global Crypto </a:t>
-            </a:r>
-            <a:r>
-              <a:rPr lang="en-US" dirty="0" smtClean="0"/>
-              <a:t>Currency</a:t>
-            </a:r>
-            <a:endParaRPr lang="en-US" dirty="0"/>
+              <a:t>Goal: Digitization of Village Bank</a:t>
+            </a:r>
           </a:p>
         </p:txBody>
       </p:sp>
@@ -7437,7 +8131,12 @@
             <p:ph idx="1"/>
           </p:nvPr>
         </p:nvSpPr>
-        <p:spPr/>
+        <p:spPr>
+          <a:xfrm>
+            <a:off x="228600" y="1676400"/>
+            <a:ext cx="8229600" cy="4525963"/>
+          </a:xfrm>
+        </p:spPr>
         <p:txBody>
           <a:bodyPr>
             <a:normAutofit lnSpcReduction="10000"/>
@@ -7450,42 +8149,75 @@
             </a:pPr>
             <a:r>
               <a:rPr lang="en-US" dirty="0" smtClean="0"/>
-              <a:t>Like </a:t>
-            </a:r>
-            <a:r>
-              <a:rPr lang="en-US" dirty="0" smtClean="0">
-                <a:hlinkClick r:id="rId2"/>
-              </a:rPr>
-              <a:t>www.puddle.com</a:t>
-            </a:r>
-            <a:r>
-              <a:rPr lang="en-US" dirty="0" smtClean="0"/>
-              <a:t>, except global w/crypto</a:t>
-            </a:r>
-          </a:p>
-          <a:p>
-            <a:pPr lvl="1">
-              <a:buFont typeface="Arial" panose="020B0604020202020204" pitchFamily="34" charset="0"/>
-              <a:buChar char="•"/>
-            </a:pPr>
-            <a:r>
-              <a:rPr lang="en-US" dirty="0" smtClean="0"/>
-              <a:t>Any </a:t>
-            </a:r>
-            <a:r>
-              <a:rPr lang="en-US" dirty="0"/>
-              <a:t>group can download and create own bank</a:t>
+              <a:t>“</a:t>
+            </a:r>
+            <a:r>
+              <a:rPr lang="en-US" dirty="0"/>
+              <a:t>Money given has no value, it has to be earned”</a:t>
             </a:r>
             <a:endParaRPr lang="en-US" sz="2400" dirty="0"/>
           </a:p>
           <a:p>
-            <a:pPr lvl="1">
-              <a:buFont typeface="Arial" panose="020B0604020202020204" pitchFamily="34" charset="0"/>
-              <a:buChar char="•"/>
-            </a:pPr>
-            <a:r>
-              <a:rPr lang="en-US" dirty="0"/>
-              <a:t>Target: young people, Facebook generation</a:t>
+            <a:pPr lvl="2"/>
+            <a:r>
+              <a:rPr lang="en-US" dirty="0" smtClean="0"/>
+              <a:t>Loans g</a:t>
+            </a:r>
+            <a:r>
+              <a:rPr lang="en-US" dirty="0" smtClean="0"/>
+              <a:t>ive </a:t>
+            </a:r>
+            <a:r>
+              <a:rPr lang="en-US" dirty="0"/>
+              <a:t>people opportunity, helps people pull themselves </a:t>
+            </a:r>
+            <a:r>
+              <a:rPr lang="en-US" dirty="0" smtClean="0"/>
+              <a:t>up</a:t>
+            </a:r>
+          </a:p>
+          <a:p>
+            <a:pPr lvl="2"/>
+            <a:r>
+              <a:rPr lang="en-US" dirty="0"/>
+              <a:t>Small businesses account for over 45% of all employment in dev. </a:t>
+            </a:r>
+            <a:r>
+              <a:rPr lang="en-US" dirty="0" smtClean="0"/>
+              <a:t>countries</a:t>
+            </a:r>
+          </a:p>
+          <a:p>
+            <a:pPr lvl="2"/>
+            <a:r>
+              <a:rPr lang="en-US" dirty="0" smtClean="0"/>
+              <a:t>Their growth </a:t>
+            </a:r>
+            <a:r>
+              <a:rPr lang="en-US" dirty="0"/>
+              <a:t>is vital to creating jobs and increasing prosperity – </a:t>
+            </a:r>
+            <a:r>
+              <a:rPr lang="en-US" dirty="0" smtClean="0"/>
+              <a:t>yet they </a:t>
+            </a:r>
+            <a:r>
+              <a:rPr lang="en-US" dirty="0"/>
+              <a:t>are typically stymied by difficulty in raising finance</a:t>
+            </a:r>
+          </a:p>
+          <a:p>
+            <a:pPr lvl="1">
+              <a:buFont typeface="Arial" panose="020B0604020202020204" pitchFamily="34" charset="0"/>
+              <a:buChar char="•"/>
+            </a:pPr>
+            <a:r>
+              <a:rPr lang="en-US" dirty="0" smtClean="0"/>
+              <a:t>A </a:t>
+            </a:r>
+            <a:r>
+              <a:rPr lang="en-US" dirty="0"/>
+              <a:t>lot of village banks are based on grass root efforts</a:t>
             </a:r>
             <a:endParaRPr lang="en-US" sz="2400" dirty="0"/>
           </a:p>
@@ -7493,50 +8225,20 @@
             <a:pPr lvl="2"/>
             <a:r>
               <a:rPr lang="en-US" dirty="0"/>
-              <a:t>My friend from Nepal has access to Facebook on her smart phone, no computer access</a:t>
+              <a:t>Bitcoin is grass roots, so it is a perfect </a:t>
+            </a:r>
+            <a:r>
+              <a:rPr lang="en-US" dirty="0" smtClean="0"/>
+              <a:t>fit</a:t>
             </a:r>
             <a:endParaRPr lang="en-US" sz="2000" dirty="0"/>
-          </a:p>
-          <a:p>
-            <a:pPr lvl="2"/>
-            <a:r>
-              <a:rPr lang="en-US" dirty="0"/>
-              <a:t>Use Facebook, Google+ as ID</a:t>
-            </a:r>
-            <a:endParaRPr lang="en-US" sz="2000" dirty="0"/>
-          </a:p>
-          <a:p>
-            <a:pPr lvl="1">
-              <a:buFont typeface="Arial" panose="020B0604020202020204" pitchFamily="34" charset="0"/>
-              <a:buChar char="•"/>
-            </a:pPr>
-            <a:r>
-              <a:rPr lang="en-US" dirty="0"/>
-              <a:t>A stable cryptocurrency will be a lot more stable than many local fiat currencies</a:t>
-            </a:r>
-            <a:endParaRPr lang="en-US" sz="2400" dirty="0"/>
-          </a:p>
-          <a:p>
-            <a:pPr lvl="1">
-              <a:buFont typeface="Arial" panose="020B0604020202020204" pitchFamily="34" charset="0"/>
-              <a:buChar char="•"/>
-            </a:pPr>
-            <a:r>
-              <a:rPr lang="en-US" dirty="0"/>
-              <a:t>Carrying around a phone is more secure than carrying around a huge wad of </a:t>
-            </a:r>
-            <a:r>
-              <a:rPr lang="en-US" dirty="0" smtClean="0"/>
-              <a:t>cash</a:t>
-            </a:r>
-            <a:endParaRPr lang="en-US" sz="2400" dirty="0"/>
           </a:p>
         </p:txBody>
       </p:sp>
     </p:spTree>
     <p:extLst>
       <p:ext uri="{BB962C8B-B14F-4D97-AF65-F5344CB8AC3E}">
-        <p14:creationId xmlns:p14="http://schemas.microsoft.com/office/powerpoint/2010/main" val="3367002695"/>
+        <p14:creationId xmlns:p14="http://schemas.microsoft.com/office/powerpoint/2010/main" val="3447118052"/>
       </p:ext>
     </p:extLst>
   </p:cSld>
@@ -7581,7 +8283,7 @@
             <a:pPr lvl="0"/>
             <a:r>
               <a:rPr lang="en-US" dirty="0"/>
-              <a:t>Current Bitcoin Products</a:t>
+              <a:t>Goal: Digitization of Village Bank</a:t>
             </a:r>
           </a:p>
         </p:txBody>
@@ -7596,10 +8298,15 @@
             <p:ph idx="1"/>
           </p:nvPr>
         </p:nvSpPr>
-        <p:spPr/>
+        <p:spPr>
+          <a:xfrm>
+            <a:off x="228600" y="1676400"/>
+            <a:ext cx="8229600" cy="4525963"/>
+          </a:xfrm>
+        </p:spPr>
         <p:txBody>
           <a:bodyPr>
-            <a:normAutofit fontScale="92500" lnSpcReduction="10000"/>
+            <a:normAutofit/>
           </a:bodyPr>
           <a:lstStyle/>
           <a:p>
@@ -7608,110 +8315,76 @@
               <a:buChar char="•"/>
             </a:pPr>
             <a:r>
-              <a:rPr lang="en-US" dirty="0"/>
-              <a:t>Remittances can also be seen as a cross border bank</a:t>
-            </a:r>
-            <a:endParaRPr lang="en-US" sz="2400" dirty="0"/>
-          </a:p>
-          <a:p>
-            <a:pPr lvl="1">
-              <a:buFont typeface="Arial" panose="020B0604020202020204" pitchFamily="34" charset="0"/>
-              <a:buChar char="•"/>
-            </a:pPr>
-            <a:r>
-              <a:rPr lang="en-US" dirty="0"/>
-              <a:t>A son or daughter working in a developed nation can deposit money into their wallet using one fiat currency and have parents in developing nation withdraw from it in another fiat currency</a:t>
-            </a:r>
-            <a:endParaRPr lang="en-US" sz="2400" dirty="0"/>
-          </a:p>
-          <a:p>
-            <a:pPr lvl="1">
-              <a:buFont typeface="Arial" panose="020B0604020202020204" pitchFamily="34" charset="0"/>
-              <a:buChar char="•"/>
-            </a:pPr>
-            <a:r>
-              <a:rPr lang="en-US" dirty="0"/>
-              <a:t>Companies like </a:t>
-            </a:r>
-            <a:r>
-              <a:rPr lang="en-US" dirty="0" err="1"/>
-              <a:t>B</a:t>
-            </a:r>
-            <a:r>
-              <a:rPr lang="en-US" dirty="0" err="1" smtClean="0"/>
-              <a:t>itreserve</a:t>
-            </a:r>
-            <a:r>
-              <a:rPr lang="en-US" dirty="0"/>
-              <a:t>, </a:t>
-            </a:r>
-            <a:r>
-              <a:rPr lang="en-US" dirty="0" err="1"/>
-              <a:t>C</a:t>
-            </a:r>
-            <a:r>
-              <a:rPr lang="en-US" dirty="0" err="1" smtClean="0"/>
-              <a:t>oinapult</a:t>
-            </a:r>
-            <a:r>
-              <a:rPr lang="en-US" dirty="0" smtClean="0"/>
-              <a:t> </a:t>
-            </a:r>
-            <a:r>
-              <a:rPr lang="en-US" dirty="0"/>
-              <a:t>attacking </a:t>
-            </a:r>
-            <a:r>
-              <a:rPr lang="en-US" dirty="0" smtClean="0"/>
-              <a:t>Bitcoin volatility </a:t>
-            </a:r>
-            <a:r>
-              <a:rPr lang="en-US" dirty="0"/>
-              <a:t>problem with </a:t>
-            </a:r>
-            <a:r>
-              <a:rPr lang="en-US" dirty="0" smtClean="0"/>
-              <a:t>currency locks</a:t>
-            </a:r>
-            <a:endParaRPr lang="en-US" sz="2400" dirty="0"/>
-          </a:p>
-          <a:p>
-            <a:pPr lvl="1">
-              <a:buFont typeface="Arial" panose="020B0604020202020204" pitchFamily="34" charset="0"/>
-              <a:buChar char="•"/>
-            </a:pPr>
-            <a:r>
-              <a:rPr lang="en-US" dirty="0"/>
-              <a:t>Goal: </a:t>
-            </a:r>
-            <a:endParaRPr lang="en-US" sz="2400" dirty="0"/>
-          </a:p>
-          <a:p>
-            <a:pPr lvl="2"/>
-            <a:r>
-              <a:rPr lang="en-US" dirty="0"/>
-              <a:t>people don’t see BTC, just use local fiat currencies to deposit &amp; withdraw </a:t>
-            </a:r>
-            <a:endParaRPr lang="en-US" sz="2000" dirty="0"/>
-          </a:p>
-          <a:p>
-            <a:pPr lvl="2"/>
-            <a:r>
-              <a:rPr lang="en-US" dirty="0"/>
-              <a:t>use a stable currency to hold value better than some </a:t>
-            </a:r>
-            <a:r>
-              <a:rPr lang="en-US" dirty="0" smtClean="0"/>
-              <a:t>fiats</a:t>
-            </a:r>
-            <a:endParaRPr lang="en-US" sz="2000" dirty="0"/>
+              <a:rPr lang="en-US" sz="2000" dirty="0"/>
+              <a:t>Globally, 20% of unbanked people have identified distance as a key barrier to financial inclusion</a:t>
+            </a:r>
+          </a:p>
+          <a:p>
+            <a:pPr lvl="1">
+              <a:buFont typeface="Arial" panose="020B0604020202020204" pitchFamily="34" charset="0"/>
+              <a:buChar char="•"/>
+            </a:pPr>
+            <a:r>
+              <a:rPr lang="en-US" sz="2000" dirty="0"/>
+              <a:t>In six out of 11 countries there are five or fewer bank branches per 100,000 people</a:t>
+            </a:r>
+          </a:p>
+          <a:p>
+            <a:pPr lvl="1">
+              <a:buFont typeface="Arial" panose="020B0604020202020204" pitchFamily="34" charset="0"/>
+              <a:buChar char="•"/>
+            </a:pPr>
+            <a:r>
+              <a:rPr lang="en-US" sz="2000" dirty="0"/>
+              <a:t>In Kenya, the average distance of people from their nearest bank branch is 19 km</a:t>
+            </a:r>
+          </a:p>
+          <a:p>
+            <a:pPr lvl="1">
+              <a:buFont typeface="Arial" panose="020B0604020202020204" pitchFamily="34" charset="0"/>
+              <a:buChar char="•"/>
+            </a:pPr>
+            <a:r>
+              <a:rPr lang="en-US" sz="2000" dirty="0"/>
+              <a:t>Solution: mobile banking</a:t>
+            </a:r>
+          </a:p>
+          <a:p>
+            <a:pPr lvl="2"/>
+            <a:r>
+              <a:rPr lang="en-US" sz="1600" dirty="0"/>
+              <a:t>Lowest Common Denominator: feature phone banking via SMS</a:t>
+            </a:r>
+          </a:p>
+          <a:p>
+            <a:pPr lvl="2"/>
+            <a:r>
+              <a:rPr lang="en-US" sz="1600" dirty="0"/>
+              <a:t>Proof of Concept already established via CARE’s pilot </a:t>
+            </a:r>
+            <a:r>
+              <a:rPr lang="en-US" sz="1600" dirty="0" smtClean="0"/>
+              <a:t>initiatives</a:t>
+            </a:r>
+          </a:p>
+          <a:p>
+            <a:pPr lvl="2"/>
+            <a:r>
+              <a:rPr lang="en-US" sz="1600" dirty="0" smtClean="0"/>
+              <a:t>Demand for pilot </a:t>
+            </a:r>
+            <a:r>
+              <a:rPr lang="en-US" sz="1600" smtClean="0"/>
+              <a:t>initiatives strong</a:t>
+            </a:r>
+            <a:endParaRPr lang="en-US" sz="1600" dirty="0"/>
           </a:p>
         </p:txBody>
       </p:sp>
     </p:spTree>
     <p:extLst>
       <p:ext uri="{BB962C8B-B14F-4D97-AF65-F5344CB8AC3E}">
-        <p14:creationId xmlns:p14="http://schemas.microsoft.com/office/powerpoint/2010/main" val="3248894135"/>
+        <p14:creationId xmlns:p14="http://schemas.microsoft.com/office/powerpoint/2010/main" val="1411421473"/>
       </p:ext>
     </p:extLst>
   </p:cSld>

--- a/Village Bank.pptx
+++ b/Village Bank.pptx
@@ -33,13 +33,14 @@
     <p:sldId id="283" r:id="rId27"/>
     <p:sldId id="284" r:id="rId28"/>
     <p:sldId id="285" r:id="rId29"/>
-    <p:sldId id="287" r:id="rId30"/>
-    <p:sldId id="288" r:id="rId31"/>
-    <p:sldId id="289" r:id="rId32"/>
-    <p:sldId id="290" r:id="rId33"/>
-    <p:sldId id="291" r:id="rId34"/>
-    <p:sldId id="292" r:id="rId35"/>
-    <p:sldId id="293" r:id="rId36"/>
+    <p:sldId id="297" r:id="rId30"/>
+    <p:sldId id="287" r:id="rId31"/>
+    <p:sldId id="288" r:id="rId32"/>
+    <p:sldId id="289" r:id="rId33"/>
+    <p:sldId id="290" r:id="rId34"/>
+    <p:sldId id="291" r:id="rId35"/>
+    <p:sldId id="292" r:id="rId36"/>
+    <p:sldId id="293" r:id="rId37"/>
   </p:sldIdLst>
   <p:sldSz cx="9144000" cy="6858000" type="screen4x3"/>
   <p:notesSz cx="6858000" cy="9144000"/>
@@ -322,7 +323,7 @@
           <a:p>
             <a:fld id="{4433F56D-27F4-4650-ACBF-F6A2C50FF25D}" type="datetimeFigureOut">
               <a:rPr lang="en-US" smtClean="0"/>
-              <a:t>3/3/2015</a:t>
+              <a:t>3/4/2015</a:t>
             </a:fld>
             <a:endParaRPr lang="en-US"/>
           </a:p>
@@ -492,7 +493,7 @@
           <a:p>
             <a:fld id="{4433F56D-27F4-4650-ACBF-F6A2C50FF25D}" type="datetimeFigureOut">
               <a:rPr lang="en-US" smtClean="0"/>
-              <a:t>3/3/2015</a:t>
+              <a:t>3/4/2015</a:t>
             </a:fld>
             <a:endParaRPr lang="en-US"/>
           </a:p>
@@ -672,7 +673,7 @@
           <a:p>
             <a:fld id="{4433F56D-27F4-4650-ACBF-F6A2C50FF25D}" type="datetimeFigureOut">
               <a:rPr lang="en-US" smtClean="0"/>
-              <a:t>3/3/2015</a:t>
+              <a:t>3/4/2015</a:t>
             </a:fld>
             <a:endParaRPr lang="en-US"/>
           </a:p>
@@ -842,7 +843,7 @@
           <a:p>
             <a:fld id="{4433F56D-27F4-4650-ACBF-F6A2C50FF25D}" type="datetimeFigureOut">
               <a:rPr lang="en-US" smtClean="0"/>
-              <a:t>3/3/2015</a:t>
+              <a:t>3/4/2015</a:t>
             </a:fld>
             <a:endParaRPr lang="en-US"/>
           </a:p>
@@ -1088,7 +1089,7 @@
           <a:p>
             <a:fld id="{4433F56D-27F4-4650-ACBF-F6A2C50FF25D}" type="datetimeFigureOut">
               <a:rPr lang="en-US" smtClean="0"/>
-              <a:t>3/3/2015</a:t>
+              <a:t>3/4/2015</a:t>
             </a:fld>
             <a:endParaRPr lang="en-US"/>
           </a:p>
@@ -1376,7 +1377,7 @@
           <a:p>
             <a:fld id="{4433F56D-27F4-4650-ACBF-F6A2C50FF25D}" type="datetimeFigureOut">
               <a:rPr lang="en-US" smtClean="0"/>
-              <a:t>3/3/2015</a:t>
+              <a:t>3/4/2015</a:t>
             </a:fld>
             <a:endParaRPr lang="en-US"/>
           </a:p>
@@ -1798,7 +1799,7 @@
           <a:p>
             <a:fld id="{4433F56D-27F4-4650-ACBF-F6A2C50FF25D}" type="datetimeFigureOut">
               <a:rPr lang="en-US" smtClean="0"/>
-              <a:t>3/3/2015</a:t>
+              <a:t>3/4/2015</a:t>
             </a:fld>
             <a:endParaRPr lang="en-US"/>
           </a:p>
@@ -1916,7 +1917,7 @@
           <a:p>
             <a:fld id="{4433F56D-27F4-4650-ACBF-F6A2C50FF25D}" type="datetimeFigureOut">
               <a:rPr lang="en-US" smtClean="0"/>
-              <a:t>3/3/2015</a:t>
+              <a:t>3/4/2015</a:t>
             </a:fld>
             <a:endParaRPr lang="en-US"/>
           </a:p>
@@ -2011,7 +2012,7 @@
           <a:p>
             <a:fld id="{4433F56D-27F4-4650-ACBF-F6A2C50FF25D}" type="datetimeFigureOut">
               <a:rPr lang="en-US" smtClean="0"/>
-              <a:t>3/3/2015</a:t>
+              <a:t>3/4/2015</a:t>
             </a:fld>
             <a:endParaRPr lang="en-US"/>
           </a:p>
@@ -2288,7 +2289,7 @@
           <a:p>
             <a:fld id="{4433F56D-27F4-4650-ACBF-F6A2C50FF25D}" type="datetimeFigureOut">
               <a:rPr lang="en-US" smtClean="0"/>
-              <a:t>3/3/2015</a:t>
+              <a:t>3/4/2015</a:t>
             </a:fld>
             <a:endParaRPr lang="en-US"/>
           </a:p>
@@ -2541,7 +2542,7 @@
           <a:p>
             <a:fld id="{4433F56D-27F4-4650-ACBF-F6A2C50FF25D}" type="datetimeFigureOut">
               <a:rPr lang="en-US" smtClean="0"/>
-              <a:t>3/3/2015</a:t>
+              <a:t>3/4/2015</a:t>
             </a:fld>
             <a:endParaRPr lang="en-US"/>
           </a:p>
@@ -2754,7 +2755,7 @@
           <a:p>
             <a:fld id="{4433F56D-27F4-4650-ACBF-F6A2C50FF25D}" type="datetimeFigureOut">
               <a:rPr lang="en-US" smtClean="0"/>
-              <a:t>3/3/2015</a:t>
+              <a:t>3/4/2015</a:t>
             </a:fld>
             <a:endParaRPr lang="en-US"/>
           </a:p>
@@ -3484,11 +3485,7 @@
             </a:r>
             <a:r>
               <a:rPr lang="en-US" dirty="0" smtClean="0"/>
-              <a:t> </a:t>
-            </a:r>
-            <a:r>
-              <a:rPr lang="en-US" dirty="0" smtClean="0"/>
-              <a:t>except global w/crypto</a:t>
+              <a:t> except global w/crypto</a:t>
             </a:r>
           </a:p>
           <a:p>
@@ -6746,72 +6743,154 @@
           <a:bodyPr/>
           <a:lstStyle/>
           <a:p>
-            <a:pPr lvl="0"/>
-            <a:r>
-              <a:rPr lang="en-US" dirty="0"/>
-              <a:t>Goal from </a:t>
+            <a:r>
+              <a:rPr lang="en-US" dirty="0" smtClean="0"/>
+              <a:t>Software Architecture</a:t>
+            </a:r>
+            <a:endParaRPr lang="en-US" dirty="0"/>
+          </a:p>
+        </p:txBody>
+      </p:sp>
+      <p:sp>
+        <p:nvSpPr>
+          <p:cNvPr id="3" name="Content Placeholder 2"/>
+          <p:cNvSpPr>
+            <a:spLocks noGrp="1"/>
+          </p:cNvSpPr>
+          <p:nvPr>
+            <p:ph idx="1"/>
+          </p:nvPr>
+        </p:nvSpPr>
+        <p:spPr/>
+        <p:txBody>
+          <a:bodyPr>
+            <a:normAutofit fontScale="92500"/>
+          </a:bodyPr>
+          <a:lstStyle/>
+          <a:p>
+            <a:pPr marL="971550" lvl="1" indent="-514350">
+              <a:buFont typeface="+mj-lt"/>
+              <a:buAutoNum type="arabicPeriod"/>
+            </a:pPr>
+            <a:r>
+              <a:rPr lang="en-US" dirty="0" smtClean="0"/>
+              <a:t>Account </a:t>
+            </a:r>
+            <a:r>
+              <a:rPr lang="en-US" dirty="0"/>
+              <a:t>structure (savings accounts, loan accounts, pooled bank funds, </a:t>
             </a:r>
             <a:r>
               <a:rPr lang="en-US" dirty="0" err="1"/>
-              <a:t>BlockChainU</a:t>
-            </a:r>
-            <a:r>
-              <a:rPr lang="en-US" dirty="0"/>
-              <a:t> project</a:t>
-            </a:r>
-          </a:p>
-        </p:txBody>
-      </p:sp>
-      <p:sp>
-        <p:nvSpPr>
-          <p:cNvPr id="3" name="Content Placeholder 2"/>
-          <p:cNvSpPr>
-            <a:spLocks noGrp="1"/>
-          </p:cNvSpPr>
-          <p:nvPr>
-            <p:ph idx="1"/>
-          </p:nvPr>
-        </p:nvSpPr>
-        <p:spPr/>
-        <p:txBody>
-          <a:bodyPr/>
-          <a:lstStyle/>
-          <a:p>
-            <a:pPr lvl="1">
-              <a:buFont typeface="Arial" panose="020B0604020202020204" pitchFamily="34" charset="0"/>
-              <a:buChar char="•"/>
-            </a:pPr>
-            <a:r>
-              <a:rPr lang="en-US" dirty="0"/>
-              <a:t>Proof of concept</a:t>
-            </a:r>
-            <a:endParaRPr lang="en-US" sz="2400" dirty="0"/>
-          </a:p>
-          <a:p>
-            <a:pPr lvl="1">
-              <a:buFont typeface="Arial" panose="020B0604020202020204" pitchFamily="34" charset="0"/>
-              <a:buChar char="•"/>
-            </a:pPr>
-            <a:r>
-              <a:rPr lang="en-US" dirty="0"/>
-              <a:t>Need help brainstorming the </a:t>
-            </a:r>
-            <a:r>
-              <a:rPr lang="en-US" dirty="0" err="1"/>
-              <a:t>Ethereum</a:t>
-            </a:r>
-            <a:r>
-              <a:rPr lang="en-US" dirty="0"/>
-              <a:t> architecture of this project &amp; with coding</a:t>
-            </a:r>
-            <a:endParaRPr lang="en-US" sz="2400" dirty="0"/>
+              <a:t>multisig</a:t>
+            </a:r>
+            <a:r>
+              <a:rPr lang="en-US" dirty="0"/>
+              <a:t> social fund)</a:t>
+            </a:r>
+          </a:p>
+          <a:p>
+            <a:pPr marL="1371600" lvl="2" indent="-457200">
+              <a:buFont typeface="+mj-lt"/>
+              <a:buAutoNum type="arabicPeriod"/>
+            </a:pPr>
+            <a:r>
+              <a:rPr lang="en-US" dirty="0"/>
+              <a:t>Interest rate compounding rules</a:t>
+            </a:r>
+          </a:p>
+          <a:p>
+            <a:pPr marL="1371600" lvl="2" indent="-457200">
+              <a:buFont typeface="+mj-lt"/>
+              <a:buAutoNum type="arabicPeriod"/>
+            </a:pPr>
+            <a:r>
+              <a:rPr lang="en-US" dirty="0"/>
+              <a:t>Loan payback </a:t>
+            </a:r>
+            <a:r>
+              <a:rPr lang="en-US" dirty="0" smtClean="0"/>
+              <a:t>periods &amp; penalties</a:t>
+            </a:r>
+          </a:p>
+          <a:p>
+            <a:pPr marL="1371600" lvl="2" indent="-457200">
+              <a:buFont typeface="+mj-lt"/>
+              <a:buAutoNum type="arabicPeriod"/>
+            </a:pPr>
+            <a:r>
+              <a:rPr lang="en-US" dirty="0" smtClean="0"/>
+              <a:t>% of pooled bank funds lent out</a:t>
+            </a:r>
+            <a:endParaRPr lang="en-US" dirty="0"/>
+          </a:p>
+          <a:p>
+            <a:pPr marL="971550" lvl="1" indent="-514350">
+              <a:buFont typeface="+mj-lt"/>
+              <a:buAutoNum type="arabicPeriod"/>
+            </a:pPr>
+            <a:r>
+              <a:rPr lang="en-US" dirty="0" smtClean="0"/>
+              <a:t>ID </a:t>
+            </a:r>
+            <a:r>
+              <a:rPr lang="en-US" dirty="0"/>
+              <a:t>system</a:t>
+            </a:r>
+          </a:p>
+          <a:p>
+            <a:pPr marL="971550" lvl="1" indent="-514350">
+              <a:buFont typeface="+mj-lt"/>
+              <a:buAutoNum type="arabicPeriod"/>
+            </a:pPr>
+            <a:r>
+              <a:rPr lang="en-US" dirty="0" smtClean="0"/>
+              <a:t>Bank </a:t>
+            </a:r>
+            <a:r>
+              <a:rPr lang="en-US" dirty="0"/>
+              <a:t>structure &amp; Voting structure for bank, elders</a:t>
+            </a:r>
+          </a:p>
+          <a:p>
+            <a:pPr marL="971550" lvl="1" indent="-514350">
+              <a:buFont typeface="+mj-lt"/>
+              <a:buAutoNum type="arabicPeriod"/>
+            </a:pPr>
+            <a:r>
+              <a:rPr lang="en-US" dirty="0" smtClean="0"/>
+              <a:t>Voting </a:t>
+            </a:r>
+            <a:r>
+              <a:rPr lang="en-US" dirty="0"/>
+              <a:t>structure for social fund</a:t>
+            </a:r>
+          </a:p>
+          <a:p>
+            <a:pPr marL="971550" lvl="1" indent="-514350">
+              <a:buFont typeface="+mj-lt"/>
+              <a:buAutoNum type="arabicPeriod"/>
+            </a:pPr>
+            <a:r>
+              <a:rPr lang="en-US" dirty="0" smtClean="0"/>
+              <a:t>Bank </a:t>
+            </a:r>
+            <a:r>
+              <a:rPr lang="en-US" dirty="0"/>
+              <a:t>bylaws, how to modify them, framework for the entire </a:t>
+            </a:r>
+            <a:r>
+              <a:rPr lang="en-US" dirty="0" smtClean="0"/>
+              <a:t>system</a:t>
+            </a:r>
+            <a:endParaRPr lang="en-US" dirty="0"/>
           </a:p>
         </p:txBody>
       </p:sp>
     </p:spTree>
     <p:extLst>
       <p:ext uri="{BB962C8B-B14F-4D97-AF65-F5344CB8AC3E}">
-        <p14:creationId xmlns:p14="http://schemas.microsoft.com/office/powerpoint/2010/main" val="2348184418"/>
+        <p14:creationId xmlns:p14="http://schemas.microsoft.com/office/powerpoint/2010/main" val="2303605352"/>
       </p:ext>
     </p:extLst>
   </p:cSld>
@@ -6962,16 +7041,22 @@
         </p:nvSpPr>
         <p:spPr/>
         <p:txBody>
-          <a:bodyPr>
-            <a:normAutofit fontScale="90000"/>
-          </a:bodyPr>
-          <a:lstStyle/>
-          <a:p>
-            <a:r>
-              <a:rPr lang="en-US" dirty="0" smtClean="0"/>
-              <a:t>Village Savings and Loan Association</a:t>
-            </a:r>
-            <a:endParaRPr lang="en-US" dirty="0"/>
+          <a:bodyPr/>
+          <a:lstStyle/>
+          <a:p>
+            <a:pPr lvl="0"/>
+            <a:r>
+              <a:rPr lang="en-US" dirty="0"/>
+              <a:t>Goal from </a:t>
+            </a:r>
+            <a:r>
+              <a:rPr lang="en-US" dirty="0" err="1"/>
+              <a:t>BlockChainU</a:t>
+            </a:r>
+            <a:r>
+              <a:rPr lang="en-US" dirty="0"/>
+              <a:t> project</a:t>
+            </a:r>
           </a:p>
         </p:txBody>
       </p:sp>
@@ -6987,24 +7072,16 @@
         </p:nvSpPr>
         <p:spPr/>
         <p:txBody>
-          <a:bodyPr>
-            <a:normAutofit fontScale="85000" lnSpcReduction="10000"/>
-          </a:bodyPr>
-          <a:lstStyle/>
-          <a:p>
-            <a:pPr lvl="1">
-              <a:buFont typeface="Arial" panose="020B0604020202020204" pitchFamily="34" charset="0"/>
-              <a:buChar char="•"/>
-            </a:pPr>
-            <a:r>
-              <a:rPr lang="en-US" u="sng" dirty="0">
-                <a:hlinkClick r:id="rId2"/>
-              </a:rPr>
-              <a:t>http://www.vsla.net/aboutus/vslmodel</a:t>
-            </a:r>
-            <a:r>
-              <a:rPr lang="en-US" dirty="0"/>
-              <a:t> </a:t>
+          <a:bodyPr/>
+          <a:lstStyle/>
+          <a:p>
+            <a:pPr lvl="1">
+              <a:buFont typeface="Arial" panose="020B0604020202020204" pitchFamily="34" charset="0"/>
+              <a:buChar char="•"/>
+            </a:pPr>
+            <a:r>
+              <a:rPr lang="en-US" dirty="0"/>
+              <a:t>Proof of concept</a:t>
             </a:r>
             <a:endParaRPr lang="en-US" sz="2400" dirty="0"/>
           </a:p>
@@ -7015,22 +7092,15 @@
             </a:pPr>
             <a:r>
               <a:rPr lang="en-US" dirty="0"/>
-              <a:t>A Village Savings and Loan Association (VSLA) is a group of people who save together and take small loans from those savings. The activities of the group run in cycles of one year, after which the accumulated savings and the loan profits are distributed back to members.</a:t>
-            </a:r>
-            <a:endParaRPr lang="en-US" sz="2400" dirty="0"/>
-          </a:p>
-          <a:p>
-            <a:pPr lvl="1">
-              <a:buFont typeface="Arial" panose="020B0604020202020204" pitchFamily="34" charset="0"/>
-              <a:buChar char="•"/>
-            </a:pPr>
-            <a:r>
-              <a:rPr lang="en-US" dirty="0"/>
-              <a:t>Groups usually hold annual elections. The roles and responsibilities of the five-person management committee are clearly defined and highly decentralized. This is to encourage the participation of all members in the operations of the group; and, moreover, to protect the group from being dominated by a single individual</a:t>
-            </a:r>
-            <a:r>
-              <a:rPr lang="en-US" dirty="0" smtClean="0"/>
-              <a:t>.</a:t>
+              <a:t>Need help brainstorming the </a:t>
+            </a:r>
+            <a:r>
+              <a:rPr lang="en-US" dirty="0" err="1"/>
+              <a:t>Ethereum</a:t>
+            </a:r>
+            <a:r>
+              <a:rPr lang="en-US" dirty="0"/>
+              <a:t> architecture of this project &amp; with coding</a:t>
             </a:r>
             <a:endParaRPr lang="en-US" sz="2400" dirty="0"/>
           </a:p>
@@ -7039,7 +7109,7 @@
     </p:spTree>
     <p:extLst>
       <p:ext uri="{BB962C8B-B14F-4D97-AF65-F5344CB8AC3E}">
-        <p14:creationId xmlns:p14="http://schemas.microsoft.com/office/powerpoint/2010/main" val="3210766165"/>
+        <p14:creationId xmlns:p14="http://schemas.microsoft.com/office/powerpoint/2010/main" val="2348184418"/>
       </p:ext>
     </p:extLst>
   </p:cSld>
@@ -7104,7 +7174,7 @@
         <p:spPr/>
         <p:txBody>
           <a:bodyPr>
-            <a:normAutofit lnSpcReduction="10000"/>
+            <a:normAutofit fontScale="85000" lnSpcReduction="10000"/>
           </a:bodyPr>
           <a:lstStyle/>
           <a:p>
@@ -7113,21 +7183,39 @@
               <a:buChar char="•"/>
             </a:pPr>
             <a:r>
-              <a:rPr lang="en-US" sz="2400" dirty="0"/>
-              <a:t>Each group is composed of 15 to 25 self-selected individuals. Groups meet weekly and members save through the purchase of shares. The price of a share is decided by the group. At each meeting, every member must purchase between 1 and 5 shares. The share-price is set by the group at the beginning of the cycle and is fixed for the entire cycle.</a:t>
-            </a:r>
-          </a:p>
-          <a:p>
-            <a:pPr lvl="1">
-              <a:buFont typeface="Arial" panose="020B0604020202020204" pitchFamily="34" charset="0"/>
-              <a:buChar char="•"/>
-            </a:pPr>
-            <a:r>
-              <a:rPr lang="en-US" sz="2400" dirty="0"/>
-              <a:t>Savings are maintained in a loan fund from which members can borrow in small amounts, up to three times their individual savings. Loans are for a maximum period of three months in the first year and loans may be repaid in flexible installments at a monthly service charge determined by the group</a:t>
-            </a:r>
-            <a:r>
-              <a:rPr lang="en-US" sz="2400" dirty="0" smtClean="0"/>
+              <a:rPr lang="en-US" u="sng" dirty="0">
+                <a:hlinkClick r:id="rId2"/>
+              </a:rPr>
+              <a:t>http://www.vsla.net/aboutus/vslmodel</a:t>
+            </a:r>
+            <a:r>
+              <a:rPr lang="en-US" dirty="0"/>
+              <a:t> </a:t>
+            </a:r>
+            <a:endParaRPr lang="en-US" sz="2400" dirty="0"/>
+          </a:p>
+          <a:p>
+            <a:pPr lvl="1">
+              <a:buFont typeface="Arial" panose="020B0604020202020204" pitchFamily="34" charset="0"/>
+              <a:buChar char="•"/>
+            </a:pPr>
+            <a:r>
+              <a:rPr lang="en-US" dirty="0"/>
+              <a:t>A Village Savings and Loan Association (VSLA) is a group of people who save together and take small loans from those savings. The activities of the group run in cycles of one year, after which the accumulated savings and the loan profits are distributed back to members.</a:t>
+            </a:r>
+            <a:endParaRPr lang="en-US" sz="2400" dirty="0"/>
+          </a:p>
+          <a:p>
+            <a:pPr lvl="1">
+              <a:buFont typeface="Arial" panose="020B0604020202020204" pitchFamily="34" charset="0"/>
+              <a:buChar char="•"/>
+            </a:pPr>
+            <a:r>
+              <a:rPr lang="en-US" dirty="0"/>
+              <a:t>Groups usually hold annual elections. The roles and responsibilities of the five-person management committee are clearly defined and highly decentralized. This is to encourage the participation of all members in the operations of the group; and, moreover, to protect the group from being dominated by a single individual</a:t>
+            </a:r>
+            <a:r>
+              <a:rPr lang="en-US" dirty="0" smtClean="0"/>
               <a:t>.</a:t>
             </a:r>
             <a:endParaRPr lang="en-US" sz="2400" dirty="0"/>
@@ -7137,7 +7225,7 @@
     </p:spTree>
     <p:extLst>
       <p:ext uri="{BB962C8B-B14F-4D97-AF65-F5344CB8AC3E}">
-        <p14:creationId xmlns:p14="http://schemas.microsoft.com/office/powerpoint/2010/main" val="1346212398"/>
+        <p14:creationId xmlns:p14="http://schemas.microsoft.com/office/powerpoint/2010/main" val="3210766165"/>
       </p:ext>
     </p:extLst>
   </p:cSld>
@@ -7202,7 +7290,7 @@
         <p:spPr/>
         <p:txBody>
           <a:bodyPr>
-            <a:normAutofit fontScale="92500" lnSpcReduction="20000"/>
+            <a:normAutofit lnSpcReduction="10000"/>
           </a:bodyPr>
           <a:lstStyle/>
           <a:p>
@@ -7211,26 +7299,21 @@
               <a:buChar char="•"/>
             </a:pPr>
             <a:r>
-              <a:rPr lang="en-US" dirty="0" smtClean="0"/>
-              <a:t>Each </a:t>
-            </a:r>
-            <a:r>
-              <a:rPr lang="en-US" dirty="0"/>
-              <a:t>group may also have a social fund, which provides members a basic form of insurance. The social fund serves as a community safety net and may serve a number of purposes – such as emergency assistance, festivals and funeral expenses – for the entire community, including group members and non-members.</a:t>
-            </a:r>
-            <a:endParaRPr lang="en-US" sz="2400" dirty="0"/>
-          </a:p>
-          <a:p>
-            <a:pPr lvl="1">
-              <a:buFont typeface="Arial" panose="020B0604020202020204" pitchFamily="34" charset="0"/>
-              <a:buChar char="•"/>
-            </a:pPr>
-            <a:r>
-              <a:rPr lang="en-US" dirty="0"/>
-              <a:t>Each group agrees upon a contribution made by all members at every meeting. The social fund is not intended to grow, but to be set at a level that covers basic insurance needs. It is not distributed back to the members at the end of the annual cycle, but remains a group asset</a:t>
-            </a:r>
-            <a:r>
-              <a:rPr lang="en-US" dirty="0" smtClean="0"/>
+              <a:rPr lang="en-US" sz="2400" dirty="0"/>
+              <a:t>Each group is composed of 15 to 25 self-selected individuals. Groups meet weekly and members save through the purchase of shares. The price of a share is decided by the group. At each meeting, every member must purchase between 1 and 5 shares. The share-price is set by the group at the beginning of the cycle and is fixed for the entire cycle.</a:t>
+            </a:r>
+          </a:p>
+          <a:p>
+            <a:pPr lvl="1">
+              <a:buFont typeface="Arial" panose="020B0604020202020204" pitchFamily="34" charset="0"/>
+              <a:buChar char="•"/>
+            </a:pPr>
+            <a:r>
+              <a:rPr lang="en-US" sz="2400" dirty="0"/>
+              <a:t>Savings are maintained in a loan fund from which members can borrow in small amounts, up to three times their individual savings. Loans are for a maximum period of three months in the first year and loans may be repaid in flexible installments at a monthly service charge determined by the group</a:t>
+            </a:r>
+            <a:r>
+              <a:rPr lang="en-US" sz="2400" dirty="0" smtClean="0"/>
               <a:t>.</a:t>
             </a:r>
             <a:endParaRPr lang="en-US" sz="2400" dirty="0"/>
@@ -7240,7 +7323,7 @@
     </p:spTree>
     <p:extLst>
       <p:ext uri="{BB962C8B-B14F-4D97-AF65-F5344CB8AC3E}">
-        <p14:creationId xmlns:p14="http://schemas.microsoft.com/office/powerpoint/2010/main" val="1058912925"/>
+        <p14:creationId xmlns:p14="http://schemas.microsoft.com/office/powerpoint/2010/main" val="1346212398"/>
       </p:ext>
     </p:extLst>
   </p:cSld>
@@ -7305,7 +7388,7 @@
         <p:spPr/>
         <p:txBody>
           <a:bodyPr>
-            <a:normAutofit fontScale="77500" lnSpcReduction="20000"/>
+            <a:normAutofit fontScale="92500" lnSpcReduction="20000"/>
           </a:bodyPr>
           <a:lstStyle/>
           <a:p>
@@ -7314,8 +7397,12 @@
               <a:buChar char="•"/>
             </a:pPr>
             <a:r>
-              <a:rPr lang="en-US" dirty="0"/>
-              <a:t>The materials, passbooks, loan fund and social fund of the VSLA are maintained in a lock-box, which is safeguarded by the group box-keeper between meetings. The lock-box has three padlocks and the keys are held by three members of the group who are not members of the Management Committee. The system is robust and ensures that there can be no manipulation of the group’s passbooks or funds outside of group meetings.</a:t>
+              <a:rPr lang="en-US" dirty="0" smtClean="0"/>
+              <a:t>Each </a:t>
+            </a:r>
+            <a:r>
+              <a:rPr lang="en-US" dirty="0"/>
+              <a:t>group may also have a social fund, which provides members a basic form of insurance. The social fund serves as a community safety net and may serve a number of purposes – such as emergency assistance, festivals and funeral expenses – for the entire community, including group members and non-members.</a:t>
             </a:r>
             <a:endParaRPr lang="en-US" sz="2400" dirty="0"/>
           </a:p>
@@ -7326,7 +7413,7 @@
             </a:pPr>
             <a:r>
               <a:rPr lang="en-US" dirty="0"/>
-              <a:t>Groups operate in annual cycles. At the end of every cycle, the accumulated savings plus service charge earnings are shared out amongst the membership according to the amount each member has saved. The annual share-out resolves any outstanding issues and builds member confidence. It is an action audit that provides an immediate verification to all members that their money is safe and the process is profitable</a:t>
+              <a:t>Each group agrees upon a contribution made by all members at every meeting. The social fund is not intended to grow, but to be set at a level that covers basic insurance needs. It is not distributed back to the members at the end of the annual cycle, but remains a group asset</a:t>
             </a:r>
             <a:r>
               <a:rPr lang="en-US" dirty="0" smtClean="0"/>
@@ -7339,7 +7426,7 @@
     </p:spTree>
     <p:extLst>
       <p:ext uri="{BB962C8B-B14F-4D97-AF65-F5344CB8AC3E}">
-        <p14:creationId xmlns:p14="http://schemas.microsoft.com/office/powerpoint/2010/main" val="915905306"/>
+        <p14:creationId xmlns:p14="http://schemas.microsoft.com/office/powerpoint/2010/main" val="1058912925"/>
       </p:ext>
     </p:extLst>
   </p:cSld>
@@ -7404,28 +7491,28 @@
         <p:spPr/>
         <p:txBody>
           <a:bodyPr>
-            <a:normAutofit fontScale="85000" lnSpcReduction="20000"/>
+            <a:normAutofit fontScale="77500" lnSpcReduction="20000"/>
           </a:bodyPr>
           <a:lstStyle/>
           <a:p>
-            <a:pPr marL="342900" lvl="1" indent="-342900">
-              <a:buFont typeface="Arial" panose="020B0604020202020204" pitchFamily="34" charset="0"/>
-              <a:buChar char="•"/>
-            </a:pPr>
-            <a:r>
-              <a:rPr lang="en-US" dirty="0" smtClean="0"/>
-              <a:t>After the share-out, members who do not wish to continue may leave the group and new members may be invited to join. Members who plan to continue to the next cycle may all agree to use some of their savings to make a contribution to the loan fund for the next cycle. This initiates lending activities with a useful amount of money on hand.</a:t>
-            </a:r>
-            <a:endParaRPr lang="en-US" sz="2400" dirty="0" smtClean="0"/>
-          </a:p>
-          <a:p>
-            <a:pPr marL="342900" lvl="1" indent="-342900">
-              <a:buFont typeface="Arial" panose="020B0604020202020204" pitchFamily="34" charset="0"/>
-              <a:buChar char="•"/>
-            </a:pPr>
-            <a:r>
-              <a:rPr lang="en-US" dirty="0"/>
-              <a:t>When a new cycle begins, members conduct new elections, review their constitution and may make changes to the terms and conditions that apply to savings, lending and the social fund. They may, for example, agree to change the social fund contribution, share price and the monthly loan service charge. However, the share value and loan service charge can never be changed during the cycle. After this process the group then continues to operate independently in its second cycle</a:t>
+            <a:pPr lvl="1">
+              <a:buFont typeface="Arial" panose="020B0604020202020204" pitchFamily="34" charset="0"/>
+              <a:buChar char="•"/>
+            </a:pPr>
+            <a:r>
+              <a:rPr lang="en-US" dirty="0"/>
+              <a:t>The materials, passbooks, loan fund and social fund of the VSLA are maintained in a lock-box, which is safeguarded by the group box-keeper between meetings. The lock-box has three padlocks and the keys are held by three members of the group who are not members of the Management Committee. The system is robust and ensures that there can be no manipulation of the group’s passbooks or funds outside of group meetings.</a:t>
+            </a:r>
+            <a:endParaRPr lang="en-US" sz="2400" dirty="0"/>
+          </a:p>
+          <a:p>
+            <a:pPr lvl="1">
+              <a:buFont typeface="Arial" panose="020B0604020202020204" pitchFamily="34" charset="0"/>
+              <a:buChar char="•"/>
+            </a:pPr>
+            <a:r>
+              <a:rPr lang="en-US" dirty="0"/>
+              <a:t>Groups operate in annual cycles. At the end of every cycle, the accumulated savings plus service charge earnings are shared out amongst the membership according to the amount each member has saved. The annual share-out resolves any outstanding issues and builds member confidence. It is an action audit that provides an immediate verification to all members that their money is safe and the process is profitable</a:t>
             </a:r>
             <a:r>
               <a:rPr lang="en-US" dirty="0" smtClean="0"/>
@@ -7438,7 +7525,7 @@
     </p:spTree>
     <p:extLst>
       <p:ext uri="{BB962C8B-B14F-4D97-AF65-F5344CB8AC3E}">
-        <p14:creationId xmlns:p14="http://schemas.microsoft.com/office/powerpoint/2010/main" val="2453436306"/>
+        <p14:creationId xmlns:p14="http://schemas.microsoft.com/office/powerpoint/2010/main" val="915905306"/>
       </p:ext>
     </p:extLst>
   </p:cSld>
@@ -7477,6 +7564,105 @@
         </p:nvSpPr>
         <p:spPr/>
         <p:txBody>
+          <a:bodyPr>
+            <a:normAutofit fontScale="90000"/>
+          </a:bodyPr>
+          <a:lstStyle/>
+          <a:p>
+            <a:r>
+              <a:rPr lang="en-US" dirty="0" smtClean="0"/>
+              <a:t>Village Savings and Loan Association</a:t>
+            </a:r>
+            <a:endParaRPr lang="en-US" dirty="0"/>
+          </a:p>
+        </p:txBody>
+      </p:sp>
+      <p:sp>
+        <p:nvSpPr>
+          <p:cNvPr id="3" name="Content Placeholder 2"/>
+          <p:cNvSpPr>
+            <a:spLocks noGrp="1"/>
+          </p:cNvSpPr>
+          <p:nvPr>
+            <p:ph idx="1"/>
+          </p:nvPr>
+        </p:nvSpPr>
+        <p:spPr/>
+        <p:txBody>
+          <a:bodyPr>
+            <a:normAutofit fontScale="85000" lnSpcReduction="20000"/>
+          </a:bodyPr>
+          <a:lstStyle/>
+          <a:p>
+            <a:pPr marL="342900" lvl="1" indent="-342900">
+              <a:buFont typeface="Arial" panose="020B0604020202020204" pitchFamily="34" charset="0"/>
+              <a:buChar char="•"/>
+            </a:pPr>
+            <a:r>
+              <a:rPr lang="en-US" dirty="0" smtClean="0"/>
+              <a:t>After the share-out, members who do not wish to continue may leave the group and new members may be invited to join. Members who plan to continue to the next cycle may all agree to use some of their savings to make a contribution to the loan fund for the next cycle. This initiates lending activities with a useful amount of money on hand.</a:t>
+            </a:r>
+            <a:endParaRPr lang="en-US" sz="2400" dirty="0" smtClean="0"/>
+          </a:p>
+          <a:p>
+            <a:pPr marL="342900" lvl="1" indent="-342900">
+              <a:buFont typeface="Arial" panose="020B0604020202020204" pitchFamily="34" charset="0"/>
+              <a:buChar char="•"/>
+            </a:pPr>
+            <a:r>
+              <a:rPr lang="en-US" dirty="0"/>
+              <a:t>When a new cycle begins, members conduct new elections, review their constitution and may make changes to the terms and conditions that apply to savings, lending and the social fund. They may, for example, agree to change the social fund contribution, share price and the monthly loan service charge. However, the share value and loan service charge can never be changed during the cycle. After this process the group then continues to operate independently in its second cycle</a:t>
+            </a:r>
+            <a:r>
+              <a:rPr lang="en-US" dirty="0" smtClean="0"/>
+              <a:t>.</a:t>
+            </a:r>
+            <a:endParaRPr lang="en-US" sz="2400" dirty="0"/>
+          </a:p>
+        </p:txBody>
+      </p:sp>
+    </p:spTree>
+    <p:extLst>
+      <p:ext uri="{BB962C8B-B14F-4D97-AF65-F5344CB8AC3E}">
+        <p14:creationId xmlns:p14="http://schemas.microsoft.com/office/powerpoint/2010/main" val="2453436306"/>
+      </p:ext>
+    </p:extLst>
+  </p:cSld>
+  <p:clrMapOvr>
+    <a:masterClrMapping/>
+  </p:clrMapOvr>
+</p:sld>
+</file>
+
+<file path=ppt/slides/slide36.xml><?xml version="1.0" encoding="utf-8"?>
+<p:sld xmlns:a="http://schemas.openxmlformats.org/drawingml/2006/main" xmlns:r="http://schemas.openxmlformats.org/officeDocument/2006/relationships" xmlns:p="http://schemas.openxmlformats.org/presentationml/2006/main">
+  <p:cSld>
+    <p:spTree>
+      <p:nvGrpSpPr>
+        <p:cNvPr id="1" name=""/>
+        <p:cNvGrpSpPr/>
+        <p:nvPr/>
+      </p:nvGrpSpPr>
+      <p:grpSpPr>
+        <a:xfrm>
+          <a:off x="0" y="0"/>
+          <a:ext cx="0" cy="0"/>
+          <a:chOff x="0" y="0"/>
+          <a:chExt cx="0" cy="0"/>
+        </a:xfrm>
+      </p:grpSpPr>
+      <p:sp>
+        <p:nvSpPr>
+          <p:cNvPr id="2" name="Title 1"/>
+          <p:cNvSpPr>
+            <a:spLocks noGrp="1"/>
+          </p:cNvSpPr>
+          <p:nvPr>
+            <p:ph type="title"/>
+          </p:nvPr>
+        </p:nvSpPr>
+        <p:spPr/>
+        <p:txBody>
           <a:bodyPr/>
           <a:lstStyle/>
           <a:p>
@@ -7501,7 +7687,7 @@
         <p:spPr/>
         <p:txBody>
           <a:bodyPr>
-            <a:normAutofit fontScale="92500"/>
+            <a:normAutofit fontScale="92500" lnSpcReduction="10000"/>
           </a:bodyPr>
           <a:lstStyle/>
           <a:p>
@@ -7593,16 +7779,35 @@
           <a:p>
             <a:pPr lvl="1"/>
             <a:r>
-              <a:rPr lang="en-US" sz="2400">
+              <a:rPr lang="en-US" sz="2400" dirty="0">
                 <a:hlinkClick r:id="rId8"/>
               </a:rPr>
               <a:t>http://</a:t>
             </a:r>
             <a:r>
-              <a:rPr lang="en-US" sz="2400" smtClean="0">
+              <a:rPr lang="en-US" sz="2400" dirty="0" smtClean="0">
                 <a:hlinkClick r:id="rId8"/>
               </a:rPr>
               <a:t>insights.careinternational.org.uk/publications/banking-on-change-breaking-the-barriers-to-financial-inclusion</a:t>
+            </a:r>
+            <a:r>
+              <a:rPr lang="en-US" sz="2400" dirty="0" smtClean="0"/>
+              <a:t> </a:t>
+            </a:r>
+          </a:p>
+          <a:p>
+            <a:pPr lvl="1"/>
+            <a:r>
+              <a:rPr lang="en-US" sz="2400">
+                <a:hlinkClick r:id="rId9"/>
+              </a:rPr>
+              <a:t>https://</a:t>
+            </a:r>
+            <a:r>
+              <a:rPr lang="en-US" sz="2400" smtClean="0">
+                <a:hlinkClick r:id="rId9"/>
+              </a:rPr>
+              <a:t>letstalkbitcoin.com/blog/post/bitcoin-in-africa</a:t>
             </a:r>
             <a:r>
               <a:rPr lang="en-US" sz="2400" smtClean="0"/>
@@ -8161,11 +8366,7 @@
             <a:pPr lvl="2"/>
             <a:r>
               <a:rPr lang="en-US" dirty="0" smtClean="0"/>
-              <a:t>Loans g</a:t>
-            </a:r>
-            <a:r>
-              <a:rPr lang="en-US" dirty="0" smtClean="0"/>
-              <a:t>ive </a:t>
+              <a:t>Loans give </a:t>
             </a:r>
             <a:r>
               <a:rPr lang="en-US" dirty="0"/>

--- a/Village Bank.pptx
+++ b/Village Bank.pptx
@@ -323,7 +323,7 @@
           <a:p>
             <a:fld id="{4433F56D-27F4-4650-ACBF-F6A2C50FF25D}" type="datetimeFigureOut">
               <a:rPr lang="en-US" smtClean="0"/>
-              <a:t>3/4/2015</a:t>
+              <a:t>3/5/2015</a:t>
             </a:fld>
             <a:endParaRPr lang="en-US"/>
           </a:p>
@@ -493,7 +493,7 @@
           <a:p>
             <a:fld id="{4433F56D-27F4-4650-ACBF-F6A2C50FF25D}" type="datetimeFigureOut">
               <a:rPr lang="en-US" smtClean="0"/>
-              <a:t>3/4/2015</a:t>
+              <a:t>3/5/2015</a:t>
             </a:fld>
             <a:endParaRPr lang="en-US"/>
           </a:p>
@@ -673,7 +673,7 @@
           <a:p>
             <a:fld id="{4433F56D-27F4-4650-ACBF-F6A2C50FF25D}" type="datetimeFigureOut">
               <a:rPr lang="en-US" smtClean="0"/>
-              <a:t>3/4/2015</a:t>
+              <a:t>3/5/2015</a:t>
             </a:fld>
             <a:endParaRPr lang="en-US"/>
           </a:p>
@@ -843,7 +843,7 @@
           <a:p>
             <a:fld id="{4433F56D-27F4-4650-ACBF-F6A2C50FF25D}" type="datetimeFigureOut">
               <a:rPr lang="en-US" smtClean="0"/>
-              <a:t>3/4/2015</a:t>
+              <a:t>3/5/2015</a:t>
             </a:fld>
             <a:endParaRPr lang="en-US"/>
           </a:p>
@@ -1089,7 +1089,7 @@
           <a:p>
             <a:fld id="{4433F56D-27F4-4650-ACBF-F6A2C50FF25D}" type="datetimeFigureOut">
               <a:rPr lang="en-US" smtClean="0"/>
-              <a:t>3/4/2015</a:t>
+              <a:t>3/5/2015</a:t>
             </a:fld>
             <a:endParaRPr lang="en-US"/>
           </a:p>
@@ -1377,7 +1377,7 @@
           <a:p>
             <a:fld id="{4433F56D-27F4-4650-ACBF-F6A2C50FF25D}" type="datetimeFigureOut">
               <a:rPr lang="en-US" smtClean="0"/>
-              <a:t>3/4/2015</a:t>
+              <a:t>3/5/2015</a:t>
             </a:fld>
             <a:endParaRPr lang="en-US"/>
           </a:p>
@@ -1799,7 +1799,7 @@
           <a:p>
             <a:fld id="{4433F56D-27F4-4650-ACBF-F6A2C50FF25D}" type="datetimeFigureOut">
               <a:rPr lang="en-US" smtClean="0"/>
-              <a:t>3/4/2015</a:t>
+              <a:t>3/5/2015</a:t>
             </a:fld>
             <a:endParaRPr lang="en-US"/>
           </a:p>
@@ -1917,7 +1917,7 @@
           <a:p>
             <a:fld id="{4433F56D-27F4-4650-ACBF-F6A2C50FF25D}" type="datetimeFigureOut">
               <a:rPr lang="en-US" smtClean="0"/>
-              <a:t>3/4/2015</a:t>
+              <a:t>3/5/2015</a:t>
             </a:fld>
             <a:endParaRPr lang="en-US"/>
           </a:p>
@@ -2012,7 +2012,7 @@
           <a:p>
             <a:fld id="{4433F56D-27F4-4650-ACBF-F6A2C50FF25D}" type="datetimeFigureOut">
               <a:rPr lang="en-US" smtClean="0"/>
-              <a:t>3/4/2015</a:t>
+              <a:t>3/5/2015</a:t>
             </a:fld>
             <a:endParaRPr lang="en-US"/>
           </a:p>
@@ -2289,7 +2289,7 @@
           <a:p>
             <a:fld id="{4433F56D-27F4-4650-ACBF-F6A2C50FF25D}" type="datetimeFigureOut">
               <a:rPr lang="en-US" smtClean="0"/>
-              <a:t>3/4/2015</a:t>
+              <a:t>3/5/2015</a:t>
             </a:fld>
             <a:endParaRPr lang="en-US"/>
           </a:p>
@@ -2542,7 +2542,7 @@
           <a:p>
             <a:fld id="{4433F56D-27F4-4650-ACBF-F6A2C50FF25D}" type="datetimeFigureOut">
               <a:rPr lang="en-US" smtClean="0"/>
-              <a:t>3/4/2015</a:t>
+              <a:t>3/5/2015</a:t>
             </a:fld>
             <a:endParaRPr lang="en-US"/>
           </a:p>
@@ -2755,7 +2755,7 @@
           <a:p>
             <a:fld id="{4433F56D-27F4-4650-ACBF-F6A2C50FF25D}" type="datetimeFigureOut">
               <a:rPr lang="en-US" smtClean="0"/>
-              <a:t>3/4/2015</a:t>
+              <a:t>3/5/2015</a:t>
             </a:fld>
             <a:endParaRPr lang="en-US"/>
           </a:p>
@@ -3165,14 +3165,52 @@
         </p:nvSpPr>
         <p:spPr/>
         <p:txBody>
-          <a:bodyPr/>
-          <a:lstStyle/>
+          <a:bodyPr>
+            <a:normAutofit fontScale="70000" lnSpcReduction="20000"/>
+          </a:bodyPr>
+          <a:lstStyle/>
+          <a:p>
+            <a:r>
+              <a:rPr lang="en-US" dirty="0"/>
+              <a:t>Tyler </a:t>
+            </a:r>
+            <a:r>
+              <a:rPr lang="en-US" dirty="0" err="1"/>
+              <a:t>Florez</a:t>
+            </a:r>
+            <a:endParaRPr lang="en-US" dirty="0"/>
+          </a:p>
+          <a:p>
+            <a:r>
+              <a:rPr lang="en-US" dirty="0"/>
+              <a:t>Jason </a:t>
+            </a:r>
+            <a:r>
+              <a:rPr lang="en-US" dirty="0" err="1"/>
+              <a:t>Jiaxin</a:t>
+            </a:r>
+            <a:r>
+              <a:rPr lang="en-US" dirty="0"/>
+              <a:t> Han</a:t>
+            </a:r>
+          </a:p>
           <a:p>
             <a:r>
               <a:rPr lang="en-US" dirty="0" smtClean="0"/>
               <a:t>Huang Pan</a:t>
             </a:r>
-            <a:endParaRPr lang="en-US" dirty="0"/>
+          </a:p>
+          <a:p>
+            <a:r>
+              <a:rPr lang="en-US" dirty="0"/>
+              <a:t>Kumar Pandey</a:t>
+            </a:r>
+          </a:p>
+          <a:p>
+            <a:r>
+              <a:rPr lang="en-US" dirty="0" smtClean="0"/>
+              <a:t>Christian Peel</a:t>
+            </a:r>
           </a:p>
         </p:txBody>
       </p:sp>
@@ -4878,7 +4916,7 @@
         <p:spPr/>
         <p:txBody>
           <a:bodyPr>
-            <a:normAutofit fontScale="92500" lnSpcReduction="20000"/>
+            <a:noAutofit/>
           </a:bodyPr>
           <a:lstStyle/>
           <a:p>
@@ -4887,60 +4925,43 @@
               <a:buChar char="•"/>
             </a:pPr>
             <a:r>
-              <a:rPr lang="en-US" u="sng" dirty="0">
+              <a:rPr lang="en-US" sz="2400" u="sng" dirty="0">
                 <a:hlinkClick r:id="rId2"/>
               </a:rPr>
               <a:t>https://www.youtube.com/watch?v=5_gwLrd_Lss</a:t>
             </a:r>
             <a:r>
-              <a:rPr lang="en-US" dirty="0"/>
+              <a:rPr lang="en-US" sz="2400" dirty="0"/>
               <a:t> </a:t>
             </a:r>
-            <a:endParaRPr lang="en-US" sz="2400" dirty="0"/>
-          </a:p>
-          <a:p>
-            <a:pPr lvl="1">
-              <a:buFont typeface="Arial" panose="020B0604020202020204" pitchFamily="34" charset="0"/>
-              <a:buChar char="•"/>
-            </a:pPr>
-            <a:r>
-              <a:rPr lang="en-US" dirty="0"/>
+          </a:p>
+          <a:p>
+            <a:pPr lvl="1">
+              <a:buFont typeface="Arial" panose="020B0604020202020204" pitchFamily="34" charset="0"/>
+              <a:buChar char="•"/>
+            </a:pPr>
+            <a:r>
+              <a:rPr lang="en-US" sz="2400" dirty="0"/>
               <a:t>Early village banking methods were innovated by </a:t>
             </a:r>
             <a:r>
-              <a:rPr lang="en-US" dirty="0" err="1"/>
+              <a:rPr lang="en-US" sz="2400" dirty="0" err="1"/>
               <a:t>Grameen</a:t>
             </a:r>
             <a:r>
-              <a:rPr lang="en-US" dirty="0"/>
+              <a:rPr lang="en-US" sz="2400" dirty="0"/>
               <a:t> Bank and then later developed by groups such as FINCA</a:t>
             </a:r>
-            <a:endParaRPr lang="en-US" sz="2400" dirty="0"/>
-          </a:p>
-          <a:p>
-            <a:pPr lvl="1">
-              <a:buFont typeface="Arial" panose="020B0604020202020204" pitchFamily="34" charset="0"/>
-              <a:buChar char="•"/>
-            </a:pPr>
-            <a:r>
-              <a:rPr lang="en-US" dirty="0"/>
+          </a:p>
+          <a:p>
+            <a:pPr lvl="1">
+              <a:buFont typeface="Arial" panose="020B0604020202020204" pitchFamily="34" charset="0"/>
+              <a:buChar char="•"/>
+            </a:pPr>
+            <a:r>
+              <a:rPr lang="en-US" sz="2400" dirty="0"/>
               <a:t>At least 31 microfinance institutions (MFIs) that have collectively created over 800 village banking programs in at least 90 countries</a:t>
             </a:r>
-            <a:endParaRPr lang="en-US" sz="2400" dirty="0"/>
-          </a:p>
-          <a:p>
-            <a:pPr lvl="1">
-              <a:buFont typeface="Arial" panose="020B0604020202020204" pitchFamily="34" charset="0"/>
-              <a:buChar char="•"/>
-            </a:pPr>
-            <a:r>
-              <a:rPr lang="en-US" dirty="0"/>
-              <a:t>A village bank is an informal self-help support group of 20-30 members, predominantly female </a:t>
-            </a:r>
-            <a:r>
-              <a:rPr lang="en-US" dirty="0" smtClean="0"/>
-              <a:t>heads-of-household</a:t>
-            </a:r>
           </a:p>
           <a:p>
             <a:pPr lvl="1">
@@ -4949,36 +4970,23 @@
             </a:pPr>
             <a:r>
               <a:rPr lang="en-US" sz="2400" dirty="0"/>
-              <a:t>W</a:t>
-            </a:r>
-            <a:r>
-              <a:rPr lang="en-US" sz="2400" dirty="0" smtClean="0"/>
-              <a:t>omen </a:t>
-            </a:r>
+              <a:t>A village bank is an informal self-help support group of 20-30 members, predominantly female heads-of-household</a:t>
+            </a:r>
+          </a:p>
+          <a:p>
+            <a:pPr lvl="1">
+              <a:buFont typeface="Arial" panose="020B0604020202020204" pitchFamily="34" charset="0"/>
+              <a:buChar char="•"/>
+            </a:pPr>
             <a:r>
               <a:rPr lang="en-US" sz="2400" dirty="0"/>
-              <a:t>reinvest up to 90 </a:t>
-            </a:r>
-            <a:r>
-              <a:rPr lang="en-US" sz="2400" dirty="0" smtClean="0"/>
-              <a:t>% </a:t>
-            </a:r>
-            <a:r>
-              <a:rPr lang="en-US" sz="2400" dirty="0"/>
-              <a:t>of their income in their families, compared with 30 to 40 </a:t>
-            </a:r>
-            <a:r>
-              <a:rPr lang="en-US" sz="2400" dirty="0" smtClean="0"/>
-              <a:t>% </a:t>
-            </a:r>
-            <a:r>
-              <a:rPr lang="en-US" sz="2400" dirty="0"/>
-              <a:t>by </a:t>
+              <a:t>Women reinvest up to 90 % of their income in their families, compared with 30 to 40 % by </a:t>
             </a:r>
             <a:r>
               <a:rPr lang="en-US" sz="2400" dirty="0" smtClean="0"/>
               <a:t>men</a:t>
             </a:r>
+            <a:endParaRPr lang="en-US" sz="2400" dirty="0"/>
           </a:p>
         </p:txBody>
       </p:sp>
@@ -6764,7 +6772,7 @@
         <p:spPr/>
         <p:txBody>
           <a:bodyPr>
-            <a:normAutofit fontScale="92500"/>
+            <a:normAutofit fontScale="85000" lnSpcReduction="20000"/>
           </a:bodyPr>
           <a:lstStyle/>
           <a:p>
@@ -6774,6 +6782,40 @@
             </a:pPr>
             <a:r>
               <a:rPr lang="en-US" dirty="0" smtClean="0"/>
+              <a:t>HTML/</a:t>
+            </a:r>
+            <a:r>
+              <a:rPr lang="en-US" dirty="0" err="1" smtClean="0"/>
+              <a:t>Javascript</a:t>
+            </a:r>
+            <a:r>
+              <a:rPr lang="en-US" dirty="0" smtClean="0"/>
+              <a:t> front end, </a:t>
+            </a:r>
+            <a:r>
+              <a:rPr lang="en-US" dirty="0" err="1" smtClean="0"/>
+              <a:t>Ethereum</a:t>
+            </a:r>
+            <a:r>
+              <a:rPr lang="en-US" dirty="0" smtClean="0"/>
+              <a:t>/IPFS? </a:t>
+            </a:r>
+            <a:r>
+              <a:rPr lang="en-US" dirty="0"/>
+              <a:t>b</a:t>
+            </a:r>
+            <a:r>
+              <a:rPr lang="en-US" dirty="0" smtClean="0"/>
+              <a:t>ack end</a:t>
+            </a:r>
+          </a:p>
+          <a:p>
+            <a:pPr marL="971550" lvl="1" indent="-514350">
+              <a:buFont typeface="+mj-lt"/>
+              <a:buAutoNum type="arabicPeriod"/>
+            </a:pPr>
+            <a:r>
+              <a:rPr lang="en-US" dirty="0" smtClean="0"/>
               <a:t>Account </a:t>
             </a:r>
             <a:r>
@@ -6810,8 +6852,13 @@
             </a:r>
             <a:r>
               <a:rPr lang="en-US" dirty="0" smtClean="0"/>
-              <a:t>periods &amp; penalties</a:t>
-            </a:r>
+              <a:t>periods &amp; </a:t>
+            </a:r>
+            <a:r>
+              <a:rPr lang="en-US" dirty="0" smtClean="0"/>
+              <a:t>penalties, max loan amount</a:t>
+            </a:r>
+            <a:endParaRPr lang="en-US" dirty="0" smtClean="0"/>
           </a:p>
           <a:p>
             <a:pPr marL="1371600" lvl="2" indent="-457200">
@@ -6820,7 +6867,11 @@
             </a:pPr>
             <a:r>
               <a:rPr lang="en-US" dirty="0" smtClean="0"/>
-              <a:t>% of pooled bank funds lent out</a:t>
+              <a:t>% of pooled bank funds lent </a:t>
+            </a:r>
+            <a:r>
+              <a:rPr lang="en-US" dirty="0" smtClean="0"/>
+              <a:t>out</a:t>
             </a:r>
             <a:endParaRPr lang="en-US" dirty="0"/>
           </a:p>
@@ -6831,10 +6882,68 @@
             </a:pPr>
             <a:r>
               <a:rPr lang="en-US" dirty="0" smtClean="0"/>
-              <a:t>ID </a:t>
-            </a:r>
-            <a:r>
-              <a:rPr lang="en-US" dirty="0"/>
+              <a:t>Bank contract (TBD)</a:t>
+            </a:r>
+          </a:p>
+          <a:p>
+            <a:pPr marL="1371600" lvl="2" indent="-514350">
+              <a:buFont typeface="+mj-lt"/>
+              <a:buAutoNum type="arabicPeriod"/>
+            </a:pPr>
+            <a:r>
+              <a:rPr lang="en-US" dirty="0" smtClean="0"/>
+              <a:t>Bank </a:t>
+            </a:r>
+            <a:r>
+              <a:rPr lang="en-US" dirty="0"/>
+              <a:t>structure &amp; Voting structure for </a:t>
+            </a:r>
+            <a:r>
+              <a:rPr lang="en-US" dirty="0" smtClean="0"/>
+              <a:t>members, loans</a:t>
+            </a:r>
+            <a:r>
+              <a:rPr lang="en-US" dirty="0" smtClean="0"/>
+              <a:t>, elders</a:t>
+            </a:r>
+          </a:p>
+          <a:p>
+            <a:pPr marL="1371600" lvl="2" indent="-514350">
+              <a:buFont typeface="+mj-lt"/>
+              <a:buAutoNum type="arabicPeriod"/>
+            </a:pPr>
+            <a:r>
+              <a:rPr lang="en-US" dirty="0" smtClean="0"/>
+              <a:t>Arrays not implemented yet in Solidity, use linked lists for list of bank members &amp; elders</a:t>
+            </a:r>
+          </a:p>
+          <a:p>
+            <a:pPr marL="1371600" lvl="2" indent="-514350">
+              <a:buFont typeface="+mj-lt"/>
+              <a:buAutoNum type="arabicPeriod"/>
+            </a:pPr>
+            <a:r>
+              <a:rPr lang="en-US" dirty="0" smtClean="0"/>
+              <a:t>Bank </a:t>
+            </a:r>
+            <a:r>
+              <a:rPr lang="en-US" dirty="0"/>
+              <a:t>bylaws, how to modify </a:t>
+            </a:r>
+            <a:r>
+              <a:rPr lang="en-US" dirty="0" smtClean="0"/>
+              <a:t>parameters</a:t>
+            </a:r>
+            <a:r>
+              <a:rPr lang="en-US" dirty="0" smtClean="0"/>
+              <a:t>, </a:t>
+            </a:r>
+            <a:r>
+              <a:rPr lang="en-US" dirty="0"/>
+              <a:t>framework for the entire </a:t>
+            </a:r>
+            <a:r>
+              <a:rPr lang="en-US" dirty="0" smtClean="0"/>
               <a:t>system</a:t>
             </a:r>
           </a:p>
@@ -6844,44 +6953,18 @@
               <a:buAutoNum type="arabicPeriod"/>
             </a:pPr>
             <a:r>
-              <a:rPr lang="en-US" dirty="0" smtClean="0"/>
-              <a:t>Bank </a:t>
-            </a:r>
-            <a:r>
-              <a:rPr lang="en-US" dirty="0"/>
-              <a:t>structure &amp; Voting structure for bank, elders</a:t>
-            </a:r>
-          </a:p>
-          <a:p>
-            <a:pPr marL="971550" lvl="1" indent="-514350">
+              <a:rPr lang="en-US" dirty="0"/>
+              <a:t>ID system</a:t>
+            </a:r>
+          </a:p>
+          <a:p>
+            <a:pPr marL="1371600" lvl="2" indent="-514350">
               <a:buFont typeface="+mj-lt"/>
               <a:buAutoNum type="arabicPeriod"/>
             </a:pPr>
             <a:r>
-              <a:rPr lang="en-US" dirty="0" smtClean="0"/>
-              <a:t>Voting </a:t>
-            </a:r>
-            <a:r>
-              <a:rPr lang="en-US" dirty="0"/>
-              <a:t>structure for social fund</a:t>
-            </a:r>
-          </a:p>
-          <a:p>
-            <a:pPr marL="971550" lvl="1" indent="-514350">
-              <a:buFont typeface="+mj-lt"/>
-              <a:buAutoNum type="arabicPeriod"/>
-            </a:pPr>
-            <a:r>
-              <a:rPr lang="en-US" dirty="0" smtClean="0"/>
-              <a:t>Bank </a:t>
-            </a:r>
-            <a:r>
-              <a:rPr lang="en-US" dirty="0"/>
-              <a:t>bylaws, how to modify them, framework for the entire </a:t>
-            </a:r>
-            <a:r>
-              <a:rPr lang="en-US" dirty="0" smtClean="0"/>
-              <a:t>system</a:t>
+              <a:rPr lang="en-US" dirty="0"/>
+              <a:t>Connect Ether address to Facebook/Google+?</a:t>
             </a:r>
             <a:endParaRPr lang="en-US" dirty="0"/>
           </a:p>
@@ -7080,9 +7163,69 @@
               <a:buChar char="•"/>
             </a:pPr>
             <a:r>
-              <a:rPr lang="en-US" dirty="0"/>
+              <a:rPr lang="en-US" sz="2400" dirty="0"/>
               <a:t>Proof of concept</a:t>
             </a:r>
+          </a:p>
+          <a:p>
+            <a:pPr lvl="1">
+              <a:buFont typeface="Arial" panose="020B0604020202020204" pitchFamily="34" charset="0"/>
+              <a:buChar char="•"/>
+            </a:pPr>
+            <a:r>
+              <a:rPr lang="en-US" sz="2400" dirty="0"/>
+              <a:t>Enhance coding skills</a:t>
+            </a:r>
+          </a:p>
+          <a:p>
+            <a:pPr lvl="1">
+              <a:buFont typeface="Arial" panose="020B0604020202020204" pitchFamily="34" charset="0"/>
+              <a:buChar char="•"/>
+            </a:pPr>
+            <a:r>
+              <a:rPr lang="en-US" sz="2400" dirty="0"/>
+              <a:t>Need help brainstorming the </a:t>
+            </a:r>
+            <a:r>
+              <a:rPr lang="en-US" sz="2400" dirty="0" err="1"/>
+              <a:t>Ethereum</a:t>
+            </a:r>
+            <a:r>
+              <a:rPr lang="en-US" sz="2400" dirty="0"/>
+              <a:t> architecture of this project &amp; with coding</a:t>
+            </a:r>
+          </a:p>
+          <a:p>
+            <a:pPr lvl="1">
+              <a:buFont typeface="Arial" panose="020B0604020202020204" pitchFamily="34" charset="0"/>
+              <a:buChar char="•"/>
+            </a:pPr>
+            <a:r>
+              <a:rPr lang="en-US" sz="2400" dirty="0"/>
+              <a:t>Anyone interested in this project – we can still collaborate and work on it after the course is over</a:t>
+            </a:r>
+          </a:p>
+          <a:p>
+            <a:pPr lvl="1">
+              <a:buFont typeface="Arial" panose="020B0604020202020204" pitchFamily="34" charset="0"/>
+              <a:buChar char="•"/>
+            </a:pPr>
+            <a:r>
+              <a:rPr lang="en-US" sz="2400" dirty="0">
+                <a:hlinkClick r:id="rId2"/>
+              </a:rPr>
+              <a:t>https://</a:t>
+            </a:r>
+            <a:r>
+              <a:rPr lang="en-US" sz="2400" dirty="0" smtClean="0">
+                <a:hlinkClick r:id="rId2"/>
+              </a:rPr>
+              <a:t>github.com/huang-pan/village-bank</a:t>
+            </a:r>
+            <a:r>
+              <a:rPr lang="en-US" sz="2400" dirty="0" smtClean="0"/>
+              <a:t> </a:t>
+            </a:r>
             <a:endParaRPr lang="en-US" sz="2400" dirty="0"/>
           </a:p>
           <a:p>
@@ -7091,18 +7234,15 @@
               <a:buChar char="•"/>
             </a:pPr>
             <a:r>
-              <a:rPr lang="en-US" dirty="0"/>
-              <a:t>Need help brainstorming the </a:t>
-            </a:r>
-            <a:r>
-              <a:rPr lang="en-US" dirty="0" err="1"/>
-              <a:t>Ethereum</a:t>
-            </a:r>
-            <a:r>
-              <a:rPr lang="en-US" dirty="0"/>
-              <a:t> architecture of this project &amp; with coding</a:t>
-            </a:r>
-            <a:endParaRPr lang="en-US" sz="2400" dirty="0"/>
+              <a:rPr lang="en-US" sz="2400" dirty="0">
+                <a:hlinkClick r:id="rId3"/>
+              </a:rPr>
+              <a:t>https://gitter.im/huang-pan/village-bank</a:t>
+            </a:r>
+            <a:r>
+              <a:rPr lang="en-US" sz="2400" dirty="0"/>
+              <a:t> </a:t>
+            </a:r>
           </a:p>
         </p:txBody>
       </p:sp>
@@ -8191,15 +8331,7 @@
             <a:pPr lvl="2"/>
             <a:r>
               <a:rPr lang="en-US" dirty="0"/>
-              <a:t>Visa, </a:t>
-            </a:r>
-            <a:r>
-              <a:rPr lang="en-US" dirty="0" smtClean="0"/>
-              <a:t>CARE, Barclays, etc. </a:t>
-            </a:r>
-            <a:r>
-              <a:rPr lang="en-US" dirty="0"/>
-              <a:t>already researching this</a:t>
+              <a:t>Visa, CARE, Barclays, etc. already researching this</a:t>
             </a:r>
             <a:endParaRPr lang="en-US" sz="2000" dirty="0"/>
           </a:p>
@@ -8210,60 +8342,28 @@
             </a:pPr>
             <a:r>
               <a:rPr lang="en-US" dirty="0"/>
-              <a:t>Helps the poorest of the poor, breaks the cycle of </a:t>
-            </a:r>
-            <a:r>
-              <a:rPr lang="en-US" dirty="0" smtClean="0"/>
-              <a:t>poverty</a:t>
+              <a:t>Helps the poorest of the poor, breaks the cycle of poverty</a:t>
             </a:r>
           </a:p>
           <a:p>
             <a:pPr lvl="2"/>
             <a:r>
               <a:rPr lang="en-US" sz="2000" dirty="0"/>
-              <a:t>~</a:t>
-            </a:r>
-            <a:r>
-              <a:rPr lang="en-US" sz="2000" dirty="0" smtClean="0"/>
-              <a:t>2.5 billion people globally don’t have access to bank accounts, insurance</a:t>
+              <a:t>~2.5 billion people globally don’t have access to bank accounts, insurance</a:t>
             </a:r>
           </a:p>
           <a:p>
             <a:pPr lvl="2"/>
             <a:r>
               <a:rPr lang="en-US" sz="2000" dirty="0"/>
-              <a:t>In most developing countries, </a:t>
-            </a:r>
-            <a:r>
-              <a:rPr lang="en-US" sz="2000" dirty="0" smtClean="0"/>
-              <a:t>&gt; 2/3 of </a:t>
-            </a:r>
+              <a:t>In most developing countries, &gt; 2/3 of the adult population has no access to formal financial services</a:t>
+            </a:r>
+          </a:p>
+          <a:p>
+            <a:pPr lvl="2"/>
             <a:r>
               <a:rPr lang="en-US" sz="2000" dirty="0"/>
-              <a:t>the adult population has no access to formal financial </a:t>
-            </a:r>
-            <a:r>
-              <a:rPr lang="en-US" sz="2000" dirty="0" smtClean="0"/>
-              <a:t>services</a:t>
-            </a:r>
-          </a:p>
-          <a:p>
-            <a:pPr lvl="2"/>
-            <a:r>
-              <a:rPr lang="en-US" sz="2000" dirty="0" smtClean="0"/>
-              <a:t>Exclusion </a:t>
-            </a:r>
-            <a:r>
-              <a:rPr lang="en-US" sz="2000" dirty="0"/>
-              <a:t>typically highest amongst women, youth and </a:t>
-            </a:r>
-            <a:r>
-              <a:rPr lang="en-US" sz="2000" dirty="0" smtClean="0"/>
-              <a:t>the very </a:t>
-            </a:r>
-            <a:r>
-              <a:rPr lang="en-US" sz="2000" dirty="0"/>
-              <a:t>poorest segments of </a:t>
+              <a:t>Exclusion typically highest amongst women, youth and the very poorest segments of </a:t>
             </a:r>
             <a:r>
               <a:rPr lang="en-US" sz="2000" dirty="0" smtClean="0"/>
@@ -8507,7 +8607,7 @@
         </p:spPr>
         <p:txBody>
           <a:bodyPr>
-            <a:normAutofit/>
+            <a:noAutofit/>
           </a:bodyPr>
           <a:lstStyle/>
           <a:p>
@@ -8516,7 +8616,7 @@
               <a:buChar char="•"/>
             </a:pPr>
             <a:r>
-              <a:rPr lang="en-US" sz="2000" dirty="0"/>
+              <a:rPr lang="en-US" sz="2200" dirty="0"/>
               <a:t>Globally, 20% of unbanked people have identified distance as a key barrier to financial inclusion</a:t>
             </a:r>
           </a:p>
@@ -8526,7 +8626,7 @@
               <a:buChar char="•"/>
             </a:pPr>
             <a:r>
-              <a:rPr lang="en-US" sz="2000" dirty="0"/>
+              <a:rPr lang="en-US" sz="2200" dirty="0"/>
               <a:t>In six out of 11 countries there are five or fewer bank branches per 100,000 people</a:t>
             </a:r>
           </a:p>
@@ -8536,7 +8636,7 @@
               <a:buChar char="•"/>
             </a:pPr>
             <a:r>
-              <a:rPr lang="en-US" sz="2000" dirty="0"/>
+              <a:rPr lang="en-US" sz="2200" dirty="0"/>
               <a:t>In Kenya, the average distance of people from their nearest bank branch is 19 km</a:t>
             </a:r>
           </a:p>
@@ -8546,39 +8646,35 @@
               <a:buChar char="•"/>
             </a:pPr>
             <a:r>
-              <a:rPr lang="en-US" sz="2000" dirty="0"/>
+              <a:rPr lang="en-US" sz="2200" dirty="0"/>
               <a:t>Solution: mobile banking</a:t>
             </a:r>
           </a:p>
           <a:p>
             <a:pPr lvl="2"/>
             <a:r>
-              <a:rPr lang="en-US" sz="1600" dirty="0"/>
+              <a:rPr lang="en-US" sz="2200" dirty="0"/>
               <a:t>Lowest Common Denominator: feature phone banking via SMS</a:t>
             </a:r>
           </a:p>
           <a:p>
             <a:pPr lvl="2"/>
             <a:r>
-              <a:rPr lang="en-US" sz="1600" dirty="0"/>
+              <a:rPr lang="en-US" sz="2200" dirty="0"/>
               <a:t>Proof of Concept already established via CARE’s pilot </a:t>
             </a:r>
             <a:r>
-              <a:rPr lang="en-US" sz="1600" dirty="0" smtClean="0"/>
+              <a:rPr lang="en-US" sz="2200" dirty="0" smtClean="0"/>
               <a:t>initiatives</a:t>
             </a:r>
           </a:p>
           <a:p>
             <a:pPr lvl="2"/>
             <a:r>
-              <a:rPr lang="en-US" sz="1600" dirty="0" smtClean="0"/>
-              <a:t>Demand for pilot </a:t>
-            </a:r>
-            <a:r>
-              <a:rPr lang="en-US" sz="1600" smtClean="0"/>
-              <a:t>initiatives strong</a:t>
-            </a:r>
-            <a:endParaRPr lang="en-US" sz="1600" dirty="0"/>
+              <a:rPr lang="en-US" sz="2200" dirty="0" smtClean="0"/>
+              <a:t>Demand for pilot initiatives strong</a:t>
+            </a:r>
+            <a:endParaRPr lang="en-US" sz="2200" dirty="0"/>
           </a:p>
         </p:txBody>
       </p:sp>

--- a/Village Bank.pptx
+++ b/Village Bank.pptx
@@ -3367,23 +3367,21 @@
             </a:r>
             <a:r>
               <a:rPr lang="en-US" sz="2000" dirty="0"/>
-              <a:t> accounts on a weekly basis to store cash that otherwise would have remained in the group’s box </a:t>
+              <a:t> accounts on a weekly basis to store cash that otherwise would have remained in the group’s </a:t>
+            </a:r>
+            <a:r>
+              <a:rPr lang="en-US" sz="2000" dirty="0" smtClean="0"/>
+              <a:t>box. They </a:t>
+            </a:r>
+            <a:r>
+              <a:rPr lang="en-US" sz="2000" dirty="0"/>
+              <a:t>viewed this as a more secure option than leaving the funds in the safe </a:t>
+            </a:r>
+            <a:r>
+              <a:rPr lang="en-US" sz="2000" dirty="0" smtClean="0"/>
+              <a:t>box.</a:t>
             </a:r>
             <a:endParaRPr lang="en-US" sz="2000" dirty="0" smtClean="0"/>
-          </a:p>
-          <a:p>
-            <a:pPr lvl="1">
-              <a:buFont typeface="Arial" panose="020B0604020202020204" pitchFamily="34" charset="0"/>
-              <a:buChar char="•"/>
-            </a:pPr>
-            <a:r>
-              <a:rPr lang="en-US" sz="2000" dirty="0"/>
-              <a:t>They viewed this as a more secure option than leaving the funds in the safe </a:t>
-            </a:r>
-            <a:r>
-              <a:rPr lang="en-US" sz="2000" dirty="0" smtClean="0"/>
-              <a:t>box</a:t>
-            </a:r>
           </a:p>
           <a:p>
             <a:pPr lvl="1">
@@ -3489,7 +3487,7 @@
         <p:spPr/>
         <p:txBody>
           <a:bodyPr>
-            <a:normAutofit fontScale="85000" lnSpcReduction="20000"/>
+            <a:normAutofit fontScale="77500" lnSpcReduction="20000"/>
           </a:bodyPr>
           <a:lstStyle/>
           <a:p>
@@ -3603,9 +3601,49 @@
             <a:pPr lvl="2"/>
             <a:r>
               <a:rPr lang="en-US" dirty="0"/>
-              <a:t>Use Facebook, Google+ as ID</a:t>
-            </a:r>
-            <a:endParaRPr lang="en-US" sz="2000" dirty="0"/>
+              <a:t>Use Facebook, Google+ as </a:t>
+            </a:r>
+            <a:r>
+              <a:rPr lang="en-US" dirty="0" smtClean="0"/>
+              <a:t>ID</a:t>
+            </a:r>
+          </a:p>
+          <a:p>
+            <a:pPr lvl="3"/>
+            <a:r>
+              <a:rPr lang="en-US" sz="1400" dirty="0" smtClean="0"/>
+              <a:t>Google Loon </a:t>
+            </a:r>
+            <a:r>
+              <a:rPr lang="en-US" sz="1400" dirty="0"/>
+              <a:t>will - "deploy more than 100,000 balloons in the stratosphere to provide high-speed Internet to regions without </a:t>
+            </a:r>
+            <a:r>
+              <a:rPr lang="en-US" sz="1400" dirty="0" smtClean="0"/>
+              <a:t>it“:  an extra 3.5 billion people on the internet</a:t>
+            </a:r>
+          </a:p>
+          <a:p>
+            <a:pPr lvl="3"/>
+            <a:r>
+              <a:rPr lang="en-US" sz="1600" dirty="0" smtClean="0">
+                <a:hlinkClick r:id="rId4"/>
+              </a:rPr>
+              <a:t>https</a:t>
+            </a:r>
+            <a:r>
+              <a:rPr lang="en-US" sz="1600" dirty="0">
+                <a:hlinkClick r:id="rId4"/>
+              </a:rPr>
+              <a:t>://www.reddit.com/r/Futurology/comments/2y1y3c/google_loon_will_deploy_more_than_100000_balloons/?</a:t>
+            </a:r>
+            <a:r>
+              <a:rPr lang="en-US" sz="1600" dirty="0" smtClean="0">
+                <a:hlinkClick r:id="rId4"/>
+              </a:rPr>
+              <a:t>sort=confidence</a:t>
+            </a:r>
+            <a:endParaRPr lang="en-US" sz="1600" dirty="0"/>
           </a:p>
           <a:p>
             <a:pPr lvl="1">
@@ -6594,7 +6632,7 @@
         <p:spPr/>
         <p:txBody>
           <a:bodyPr>
-            <a:normAutofit lnSpcReduction="10000"/>
+            <a:normAutofit fontScale="92500" lnSpcReduction="10000"/>
           </a:bodyPr>
           <a:lstStyle/>
           <a:p>
@@ -6664,12 +6702,24 @@
               <a:t>Use your phone as your wallet – </a:t>
             </a:r>
             <a:r>
-              <a:rPr lang="en-US" dirty="0" err="1"/>
+              <a:rPr lang="en-US" dirty="0" err="1" smtClean="0"/>
               <a:t>Mpesa</a:t>
             </a:r>
             <a:r>
               <a:rPr lang="en-US" dirty="0"/>
-              <a:t>?</a:t>
+              <a:t> </a:t>
+            </a:r>
+            <a:r>
+              <a:rPr lang="en-US" dirty="0" smtClean="0"/>
+              <a:t>solves last mile problem (see </a:t>
+            </a:r>
+            <a:r>
+              <a:rPr lang="en-US" dirty="0" err="1" smtClean="0"/>
+              <a:t>BitPesa</a:t>
+            </a:r>
+            <a:r>
+              <a:rPr lang="en-US" dirty="0" smtClean="0"/>
+              <a:t>)</a:t>
             </a:r>
             <a:endParaRPr lang="en-US" sz="2000" dirty="0"/>
           </a:p>
@@ -6820,7 +6870,11 @@
             </a:r>
             <a:r>
               <a:rPr lang="en-US" dirty="0"/>
-              <a:t>structure (savings accounts, loan accounts, pooled bank funds, </a:t>
+              <a:t>structure (savings accounts, loan accounts, pooled bank </a:t>
+            </a:r>
+            <a:r>
+              <a:rPr lang="en-US" dirty="0" smtClean="0"/>
+              <a:t>funds/bank reserve, </a:t>
             </a:r>
             <a:r>
               <a:rPr lang="en-US" dirty="0" err="1"/>
@@ -6847,18 +6901,17 @@
               <a:buAutoNum type="arabicPeriod"/>
             </a:pPr>
             <a:r>
-              <a:rPr lang="en-US" dirty="0"/>
-              <a:t>Loan payback </a:t>
-            </a:r>
-            <a:r>
-              <a:rPr lang="en-US" dirty="0" smtClean="0"/>
-              <a:t>periods &amp; </a:t>
-            </a:r>
-            <a:r>
-              <a:rPr lang="en-US" dirty="0" smtClean="0"/>
-              <a:t>penalties, max loan amount</a:t>
-            </a:r>
-            <a:endParaRPr lang="en-US" dirty="0" smtClean="0"/>
+              <a:rPr lang="en-US" smtClean="0"/>
+              <a:t>Loan </a:t>
+            </a:r>
+            <a:r>
+              <a:rPr lang="en-US" dirty="0"/>
+              <a:t>payback </a:t>
+            </a:r>
+            <a:r>
+              <a:rPr lang="en-US" dirty="0" smtClean="0"/>
+              <a:t>periods &amp; penalties, max loan amount</a:t>
+            </a:r>
           </a:p>
           <a:p>
             <a:pPr marL="1371600" lvl="2" indent="-457200">
@@ -6867,13 +6920,16 @@
             </a:pPr>
             <a:r>
               <a:rPr lang="en-US" dirty="0" smtClean="0"/>
-              <a:t>% of pooled bank funds lent </a:t>
-            </a:r>
-            <a:r>
-              <a:rPr lang="en-US" dirty="0" smtClean="0"/>
-              <a:t>out</a:t>
-            </a:r>
-            <a:endParaRPr lang="en-US" dirty="0"/>
+              <a:t>Reserve ratio: % </a:t>
+            </a:r>
+            <a:r>
+              <a:rPr lang="en-US" dirty="0" smtClean="0"/>
+              <a:t>of pooled bank funds lent </a:t>
+            </a:r>
+            <a:r>
+              <a:rPr lang="en-US" dirty="0" smtClean="0"/>
+              <a:t>out (cap injection ok)</a:t>
+            </a:r>
           </a:p>
           <a:p>
             <a:pPr marL="971550" lvl="1" indent="-514350">
@@ -6900,11 +6956,7 @@
             </a:r>
             <a:r>
               <a:rPr lang="en-US" dirty="0" smtClean="0"/>
-              <a:t>members, loans</a:t>
-            </a:r>
-            <a:r>
-              <a:rPr lang="en-US" dirty="0" smtClean="0"/>
-              <a:t>, elders</a:t>
+              <a:t>members, loans, elders</a:t>
             </a:r>
           </a:p>
           <a:p>
@@ -6932,11 +6984,7 @@
             </a:r>
             <a:r>
               <a:rPr lang="en-US" dirty="0" smtClean="0"/>
-              <a:t>parameters</a:t>
-            </a:r>
-            <a:r>
-              <a:rPr lang="en-US" dirty="0" smtClean="0"/>
-              <a:t>, </a:t>
+              <a:t>parameters, </a:t>
             </a:r>
             <a:r>
               <a:rPr lang="en-US" dirty="0"/>
@@ -6954,8 +7002,13 @@
             </a:pPr>
             <a:r>
               <a:rPr lang="en-US" dirty="0"/>
-              <a:t>ID system</a:t>
-            </a:r>
+              <a:t>ID </a:t>
+            </a:r>
+            <a:r>
+              <a:rPr lang="en-US" dirty="0" smtClean="0"/>
+              <a:t>system; multiple banks</a:t>
+            </a:r>
+            <a:endParaRPr lang="en-US" dirty="0"/>
           </a:p>
           <a:p>
             <a:pPr marL="1371600" lvl="2" indent="-514350">
@@ -6964,7 +7017,11 @@
             </a:pPr>
             <a:r>
               <a:rPr lang="en-US" dirty="0"/>
-              <a:t>Connect Ether address to Facebook/Google+?</a:t>
+              <a:t>Connect Ether address to Facebook/Google</a:t>
+            </a:r>
+            <a:r>
+              <a:rPr lang="en-US" dirty="0" smtClean="0"/>
+              <a:t>+?</a:t>
             </a:r>
             <a:endParaRPr lang="en-US" dirty="0"/>
           </a:p>
@@ -7202,19 +7259,29 @@
             </a:pPr>
             <a:r>
               <a:rPr lang="en-US" sz="2400" dirty="0"/>
-              <a:t>Anyone interested in this project – we can still collaborate and work on it after the course is over</a:t>
-            </a:r>
-          </a:p>
-          <a:p>
-            <a:pPr lvl="1">
-              <a:buFont typeface="Arial" panose="020B0604020202020204" pitchFamily="34" charset="0"/>
-              <a:buChar char="•"/>
-            </a:pPr>
+              <a:t>Anyone interested in this project – we can still collaborate and work on it after the course is </a:t>
+            </a:r>
+            <a:r>
+              <a:rPr lang="en-US" sz="2400" dirty="0" smtClean="0"/>
+              <a:t>over</a:t>
+            </a:r>
+          </a:p>
+          <a:p>
+            <a:pPr lvl="1">
+              <a:buFont typeface="Arial" panose="020B0604020202020204" pitchFamily="34" charset="0"/>
+              <a:buChar char="•"/>
+            </a:pPr>
+            <a:r>
+              <a:rPr lang="en-US" sz="2400" dirty="0" smtClean="0">
+                <a:hlinkClick r:id="rId2"/>
+              </a:rPr>
+              <a:t>https</a:t>
+            </a:r>
             <a:r>
               <a:rPr lang="en-US" sz="2400" dirty="0">
                 <a:hlinkClick r:id="rId2"/>
               </a:rPr>
-              <a:t>https://</a:t>
+              <a:t>://</a:t>
             </a:r>
             <a:r>
               <a:rPr lang="en-US" sz="2400" dirty="0" smtClean="0">
@@ -8305,7 +8372,7 @@
         </p:spPr>
         <p:txBody>
           <a:bodyPr>
-            <a:normAutofit/>
+            <a:normAutofit lnSpcReduction="10000"/>
           </a:bodyPr>
           <a:lstStyle/>
           <a:p>
@@ -8333,7 +8400,13 @@
               <a:rPr lang="en-US" dirty="0"/>
               <a:t>Visa, CARE, Barclays, etc. already researching this</a:t>
             </a:r>
-            <a:endParaRPr lang="en-US" sz="2000" dirty="0"/>
+          </a:p>
+          <a:p>
+            <a:pPr lvl="2"/>
+            <a:r>
+              <a:rPr lang="en-US" sz="2000" dirty="0"/>
+              <a:t>Developing countries leapfrog technologies; no old infrastructure</a:t>
+            </a:r>
           </a:p>
           <a:p>
             <a:pPr lvl="1">

--- a/Village Bank.pptx
+++ b/Village Bank.pptx
@@ -6901,7 +6901,7 @@
               <a:buAutoNum type="arabicPeriod"/>
             </a:pPr>
             <a:r>
-              <a:rPr lang="en-US" smtClean="0"/>
+              <a:rPr lang="en-US" dirty="0" smtClean="0"/>
               <a:t>Loan </a:t>
             </a:r>
             <a:r>
@@ -7240,17 +7240,30 @@
               <a:buChar char="•"/>
             </a:pPr>
             <a:r>
-              <a:rPr lang="en-US" sz="2400" dirty="0"/>
-              <a:t>Need help brainstorming the </a:t>
-            </a:r>
-            <a:r>
-              <a:rPr lang="en-US" sz="2400" dirty="0" err="1"/>
+              <a:rPr lang="en-US" sz="2400" dirty="0" smtClean="0"/>
+              <a:t>Learning </a:t>
+            </a:r>
+            <a:r>
+              <a:rPr lang="en-US" sz="2400" dirty="0" err="1" smtClean="0"/>
               <a:t>Ethereum</a:t>
             </a:r>
-            <a:r>
-              <a:rPr lang="en-US" sz="2400" dirty="0"/>
-              <a:t> architecture of this project &amp; with coding</a:t>
-            </a:r>
+            <a:endParaRPr lang="en-US" sz="2400" dirty="0" smtClean="0"/>
+          </a:p>
+          <a:p>
+            <a:pPr lvl="2"/>
+            <a:r>
+              <a:rPr lang="en-US" sz="2000" dirty="0" smtClean="0"/>
+              <a:t>Not ready yet: no arrays, no </a:t>
+            </a:r>
+            <a:r>
+              <a:rPr lang="en-US" sz="2000" dirty="0" err="1" smtClean="0"/>
+              <a:t>ethereum</a:t>
+            </a:r>
+            <a:r>
+              <a:rPr lang="en-US" sz="2000" dirty="0" smtClean="0"/>
+              <a:t> node.js server, Mix IDE buggy &amp; crashes</a:t>
+            </a:r>
+            <a:endParaRPr lang="en-US" sz="2000" dirty="0"/>
           </a:p>
           <a:p>
             <a:pPr lvl="1">

--- a/Village Bank.pptx
+++ b/Village Bank.pptx
@@ -5665,7 +5665,7 @@
         <p:spPr/>
         <p:txBody>
           <a:bodyPr>
-            <a:normAutofit fontScale="77500" lnSpcReduction="20000"/>
+            <a:normAutofit fontScale="70000" lnSpcReduction="20000"/>
           </a:bodyPr>
           <a:lstStyle/>
           <a:p>
@@ -5755,7 +5755,7 @@
               <a:t>See puddle, </a:t>
             </a:r>
             <a:r>
-              <a:rPr lang="en-US" sz="2000" smtClean="0"/>
+              <a:rPr lang="en-US" sz="2000" dirty="0" err="1" smtClean="0"/>
               <a:t>emoneypool</a:t>
             </a:r>
             <a:endParaRPr lang="en-US" sz="2000" dirty="0"/>
@@ -5809,6 +5809,13 @@
             <a:r>
               <a:rPr lang="en-US" dirty="0" smtClean="0"/>
               <a:t>?</a:t>
+            </a:r>
+          </a:p>
+          <a:p>
+            <a:pPr lvl="2"/>
+            <a:r>
+              <a:rPr lang="en-US" sz="2000" dirty="0" smtClean="0"/>
+              <a:t>License SW to these organizations</a:t>
             </a:r>
             <a:endParaRPr lang="en-US" sz="2000" dirty="0"/>
           </a:p>
@@ -7212,7 +7219,9 @@
         </p:nvSpPr>
         <p:spPr/>
         <p:txBody>
-          <a:bodyPr/>
+          <a:bodyPr>
+            <a:normAutofit fontScale="92500" lnSpcReduction="10000"/>
+          </a:bodyPr>
           <a:lstStyle/>
           <a:p>
             <a:pPr lvl="1">
@@ -7225,13 +7234,44 @@
             </a:r>
           </a:p>
           <a:p>
-            <a:pPr lvl="1">
-              <a:buFont typeface="Arial" panose="020B0604020202020204" pitchFamily="34" charset="0"/>
-              <a:buChar char="•"/>
-            </a:pPr>
+            <a:pPr lvl="2"/>
+            <a:r>
+              <a:rPr lang="en-US" sz="2000" dirty="0"/>
+              <a:t>Build on top of existing wallet (smart phone, SMS), </a:t>
+            </a:r>
+            <a:r>
+              <a:rPr lang="en-US" sz="2000" dirty="0" smtClean="0"/>
+              <a:t>connect them together, enhance </a:t>
+            </a:r>
+            <a:r>
+              <a:rPr lang="en-US" sz="2000" dirty="0"/>
+              <a:t>their offerings</a:t>
+            </a:r>
+          </a:p>
+          <a:p>
+            <a:pPr lvl="2"/>
+            <a:r>
+              <a:rPr lang="en-US" sz="2000" dirty="0"/>
+              <a:t>Sell software to existing microfinance </a:t>
+            </a:r>
+            <a:r>
+              <a:rPr lang="en-US" sz="2000" dirty="0" smtClean="0"/>
+              <a:t>organizations, low income factory workers, developed market local lending groups</a:t>
+            </a:r>
+            <a:endParaRPr lang="en-US" sz="2000" dirty="0"/>
+          </a:p>
+          <a:p>
+            <a:pPr lvl="1">
+              <a:buFont typeface="Arial" panose="020B0604020202020204" pitchFamily="34" charset="0"/>
+              <a:buChar char="•"/>
+            </a:pPr>
+            <a:r>
+              <a:rPr lang="en-US" sz="2400" dirty="0" smtClean="0"/>
+              <a:t>Enhance </a:t>
+            </a:r>
             <a:r>
               <a:rPr lang="en-US" sz="2400" dirty="0"/>
-              <a:t>Enhance coding skills</a:t>
+              <a:t>coding skills</a:t>
             </a:r>
           </a:p>
           <a:p>
